--- a/Presentation_Nouri.pptx
+++ b/Presentation_Nouri.pptx
@@ -4,12 +4,30 @@
   <p:sldMasterIdLst>
     <p:sldMasterId id="2147483648" r:id="rId1"/>
   </p:sldMasterIdLst>
+  <p:notesMasterIdLst>
+    <p:notesMasterId r:id="rId22"/>
+  </p:notesMasterIdLst>
   <p:sldIdLst>
     <p:sldId id="256" r:id="rId2"/>
     <p:sldId id="257" r:id="rId3"/>
     <p:sldId id="258" r:id="rId4"/>
     <p:sldId id="259" r:id="rId5"/>
-    <p:sldId id="260" r:id="rId6"/>
+    <p:sldId id="263" r:id="rId6"/>
+    <p:sldId id="273" r:id="rId7"/>
+    <p:sldId id="260" r:id="rId8"/>
+    <p:sldId id="261" r:id="rId9"/>
+    <p:sldId id="265" r:id="rId10"/>
+    <p:sldId id="266" r:id="rId11"/>
+    <p:sldId id="267" r:id="rId12"/>
+    <p:sldId id="268" r:id="rId13"/>
+    <p:sldId id="269" r:id="rId14"/>
+    <p:sldId id="270" r:id="rId15"/>
+    <p:sldId id="271" r:id="rId16"/>
+    <p:sldId id="272" r:id="rId17"/>
+    <p:sldId id="274" r:id="rId18"/>
+    <p:sldId id="275" r:id="rId19"/>
+    <p:sldId id="276" r:id="rId20"/>
+    <p:sldId id="262" r:id="rId21"/>
   </p:sldIdLst>
   <p:sldSz cx="12192000" cy="6858000"/>
   <p:notesSz cx="6858000" cy="9144000"/>
@@ -108,7 +126,813 @@
       </a:defRPr>
     </a:lvl9pPr>
   </p:defaultTextStyle>
+  <p:extLst>
+    <p:ext uri="{EFAFB233-063F-42B5-8137-9DF3F51BA10A}">
+      <p15:sldGuideLst xmlns:p15="http://schemas.microsoft.com/office/powerpoint/2012/main"/>
+    </p:ext>
+  </p:extLst>
 </p:presentation>
+</file>
+
+<file path=ppt/revisionInfo.xml><?xml version="1.0" encoding="utf-8"?>
+<p1510:revInfo xmlns:a="http://schemas.openxmlformats.org/drawingml/2006/main" xmlns:r="http://schemas.openxmlformats.org/officeDocument/2006/relationships" xmlns:p1510="http://schemas.microsoft.com/office/powerpoint/2015/10/main">
+  <p1510:revLst>
+    <p1510:client id="{5F2A1C4A-0382-410A-B71D-CDD11635F10A}" v="34" dt="2023-07-17T17:07:37.222"/>
+  </p1510:revLst>
+</p1510:revInfo>
+</file>
+
+<file path=ppt/changesInfos/changesInfo1.xml><?xml version="1.0" encoding="utf-8"?>
+<pc:chgInfo xmlns:a="http://schemas.openxmlformats.org/drawingml/2006/main" xmlns:r="http://schemas.openxmlformats.org/officeDocument/2006/relationships" xmlns:ac="http://schemas.microsoft.com/office/drawing/2013/main/command" xmlns:pc="http://schemas.microsoft.com/office/powerpoint/2013/main/command">
+  <pc:docChgLst>
+    <pc:chgData name="Nourian Wasella" userId="d96df395d66df533" providerId="LiveId" clId="{5F2A1C4A-0382-410A-B71D-CDD11635F10A}"/>
+    <pc:docChg chg="undo custSel addSld delSld modSld sldOrd">
+      <pc:chgData name="Nourian Wasella" userId="d96df395d66df533" providerId="LiveId" clId="{5F2A1C4A-0382-410A-B71D-CDD11635F10A}" dt="2023-07-17T17:09:49.193" v="5067" actId="20577"/>
+      <pc:docMkLst>
+        <pc:docMk/>
+      </pc:docMkLst>
+      <pc:sldChg chg="modSp">
+        <pc:chgData name="Nourian Wasella" userId="d96df395d66df533" providerId="LiveId" clId="{5F2A1C4A-0382-410A-B71D-CDD11635F10A}" dt="2023-07-14T14:43:47.668" v="112"/>
+        <pc:sldMkLst>
+          <pc:docMk/>
+          <pc:sldMk cId="1806609889" sldId="257"/>
+        </pc:sldMkLst>
+        <pc:graphicFrameChg chg="mod">
+          <ac:chgData name="Nourian Wasella" userId="d96df395d66df533" providerId="LiveId" clId="{5F2A1C4A-0382-410A-B71D-CDD11635F10A}" dt="2023-07-14T14:43:47.668" v="112"/>
+          <ac:graphicFrameMkLst>
+            <pc:docMk/>
+            <pc:sldMk cId="1806609889" sldId="257"/>
+            <ac:graphicFrameMk id="5" creationId="{D09151CE-67CD-FA28-5DF8-226FFBFAB939}"/>
+          </ac:graphicFrameMkLst>
+        </pc:graphicFrameChg>
+      </pc:sldChg>
+      <pc:sldChg chg="modSp mod">
+        <pc:chgData name="Nourian Wasella" userId="d96df395d66df533" providerId="LiveId" clId="{5F2A1C4A-0382-410A-B71D-CDD11635F10A}" dt="2023-07-17T17:05:11.634" v="4923" actId="20577"/>
+        <pc:sldMkLst>
+          <pc:docMk/>
+          <pc:sldMk cId="1358935718" sldId="258"/>
+        </pc:sldMkLst>
+        <pc:spChg chg="mod">
+          <ac:chgData name="Nourian Wasella" userId="d96df395d66df533" providerId="LiveId" clId="{5F2A1C4A-0382-410A-B71D-CDD11635F10A}" dt="2023-07-17T17:05:11.634" v="4923" actId="20577"/>
+          <ac:spMkLst>
+            <pc:docMk/>
+            <pc:sldMk cId="1358935718" sldId="258"/>
+            <ac:spMk id="7" creationId="{E57F8930-3FFF-D2B6-D295-E655DBCD3CE4}"/>
+          </ac:spMkLst>
+        </pc:spChg>
+      </pc:sldChg>
+      <pc:sldChg chg="modSp mod">
+        <pc:chgData name="Nourian Wasella" userId="d96df395d66df533" providerId="LiveId" clId="{5F2A1C4A-0382-410A-B71D-CDD11635F10A}" dt="2023-07-17T17:05:28.588" v="4929" actId="20577"/>
+        <pc:sldMkLst>
+          <pc:docMk/>
+          <pc:sldMk cId="3657676011" sldId="259"/>
+        </pc:sldMkLst>
+        <pc:spChg chg="mod">
+          <ac:chgData name="Nourian Wasella" userId="d96df395d66df533" providerId="LiveId" clId="{5F2A1C4A-0382-410A-B71D-CDD11635F10A}" dt="2023-07-17T17:05:28.588" v="4929" actId="20577"/>
+          <ac:spMkLst>
+            <pc:docMk/>
+            <pc:sldMk cId="3657676011" sldId="259"/>
+            <ac:spMk id="8" creationId="{CC51A5B3-94E8-42BB-D068-8E336F921DD9}"/>
+          </ac:spMkLst>
+        </pc:spChg>
+      </pc:sldChg>
+      <pc:sldChg chg="addSp delSp modSp mod setBg">
+        <pc:chgData name="Nourian Wasella" userId="d96df395d66df533" providerId="LiveId" clId="{5F2A1C4A-0382-410A-B71D-CDD11635F10A}" dt="2023-07-17T15:18:08.286" v="1573" actId="20577"/>
+        <pc:sldMkLst>
+          <pc:docMk/>
+          <pc:sldMk cId="1112643255" sldId="260"/>
+        </pc:sldMkLst>
+        <pc:spChg chg="mod">
+          <ac:chgData name="Nourian Wasella" userId="d96df395d66df533" providerId="LiveId" clId="{5F2A1C4A-0382-410A-B71D-CDD11635F10A}" dt="2023-07-14T14:44:00.364" v="116" actId="26606"/>
+          <ac:spMkLst>
+            <pc:docMk/>
+            <pc:sldMk cId="1112643255" sldId="260"/>
+            <ac:spMk id="2" creationId="{701A5DF1-304D-36FE-3DAC-01A918DEE44C}"/>
+          </ac:spMkLst>
+        </pc:spChg>
+        <pc:spChg chg="add del mod">
+          <ac:chgData name="Nourian Wasella" userId="d96df395d66df533" providerId="LiveId" clId="{5F2A1C4A-0382-410A-B71D-CDD11635F10A}" dt="2023-07-17T15:18:08.286" v="1573" actId="20577"/>
+          <ac:spMkLst>
+            <pc:docMk/>
+            <pc:sldMk cId="1112643255" sldId="260"/>
+            <ac:spMk id="3" creationId="{00D033D7-37DC-249F-6BC9-664397251A03}"/>
+          </ac:spMkLst>
+        </pc:spChg>
+        <pc:spChg chg="add del mod">
+          <ac:chgData name="Nourian Wasella" userId="d96df395d66df533" providerId="LiveId" clId="{5F2A1C4A-0382-410A-B71D-CDD11635F10A}" dt="2023-07-14T14:44:30.201" v="130" actId="478"/>
+          <ac:spMkLst>
+            <pc:docMk/>
+            <pc:sldMk cId="1112643255" sldId="260"/>
+            <ac:spMk id="7" creationId="{B23FB610-E862-B6A6-D60A-8E0A7510B513}"/>
+          </ac:spMkLst>
+        </pc:spChg>
+        <pc:spChg chg="add del mod">
+          <ac:chgData name="Nourian Wasella" userId="d96df395d66df533" providerId="LiveId" clId="{5F2A1C4A-0382-410A-B71D-CDD11635F10A}" dt="2023-07-14T14:44:40.836" v="133" actId="478"/>
+          <ac:spMkLst>
+            <pc:docMk/>
+            <pc:sldMk cId="1112643255" sldId="260"/>
+            <ac:spMk id="8" creationId="{7C1560F2-703D-A9C0-A6CB-63D3B48E05B6}"/>
+          </ac:spMkLst>
+        </pc:spChg>
+        <pc:spChg chg="add del mod">
+          <ac:chgData name="Nourian Wasella" userId="d96df395d66df533" providerId="LiveId" clId="{5F2A1C4A-0382-410A-B71D-CDD11635F10A}" dt="2023-07-14T14:44:53.368" v="136" actId="478"/>
+          <ac:spMkLst>
+            <pc:docMk/>
+            <pc:sldMk cId="1112643255" sldId="260"/>
+            <ac:spMk id="9" creationId="{8629D119-368A-ACFE-D4CC-B67A5CEBA372}"/>
+          </ac:spMkLst>
+        </pc:spChg>
+        <pc:spChg chg="add del">
+          <ac:chgData name="Nourian Wasella" userId="d96df395d66df533" providerId="LiveId" clId="{5F2A1C4A-0382-410A-B71D-CDD11635F10A}" dt="2023-07-14T14:44:00.364" v="116" actId="26606"/>
+          <ac:spMkLst>
+            <pc:docMk/>
+            <pc:sldMk cId="1112643255" sldId="260"/>
+            <ac:spMk id="11" creationId="{1CD81A2A-6ED4-4EF4-A14C-912D31E14800}"/>
+          </ac:spMkLst>
+        </pc:spChg>
+        <pc:spChg chg="add del">
+          <ac:chgData name="Nourian Wasella" userId="d96df395d66df533" providerId="LiveId" clId="{5F2A1C4A-0382-410A-B71D-CDD11635F10A}" dt="2023-07-14T14:44:00.364" v="116" actId="26606"/>
+          <ac:spMkLst>
+            <pc:docMk/>
+            <pc:sldMk cId="1112643255" sldId="260"/>
+            <ac:spMk id="13" creationId="{1661932C-CA15-4E17-B115-FAE7CBEE4789}"/>
+          </ac:spMkLst>
+        </pc:spChg>
+        <pc:spChg chg="add del">
+          <ac:chgData name="Nourian Wasella" userId="d96df395d66df533" providerId="LiveId" clId="{5F2A1C4A-0382-410A-B71D-CDD11635F10A}" dt="2023-07-14T14:44:00.364" v="116" actId="26606"/>
+          <ac:spMkLst>
+            <pc:docMk/>
+            <pc:sldMk cId="1112643255" sldId="260"/>
+            <ac:spMk id="15" creationId="{8590ADD5-9383-4D3D-9047-3DA2593CCB5D}"/>
+          </ac:spMkLst>
+        </pc:spChg>
+        <pc:spChg chg="add del">
+          <ac:chgData name="Nourian Wasella" userId="d96df395d66df533" providerId="LiveId" clId="{5F2A1C4A-0382-410A-B71D-CDD11635F10A}" dt="2023-07-14T14:44:00.364" v="116" actId="26606"/>
+          <ac:spMkLst>
+            <pc:docMk/>
+            <pc:sldMk cId="1112643255" sldId="260"/>
+            <ac:spMk id="17" creationId="{DABE3E45-88CF-45D8-8D40-C773324D93F6}"/>
+          </ac:spMkLst>
+        </pc:spChg>
+        <pc:spChg chg="add del">
+          <ac:chgData name="Nourian Wasella" userId="d96df395d66df533" providerId="LiveId" clId="{5F2A1C4A-0382-410A-B71D-CDD11635F10A}" dt="2023-07-14T14:44:00.364" v="116" actId="26606"/>
+          <ac:spMkLst>
+            <pc:docMk/>
+            <pc:sldMk cId="1112643255" sldId="260"/>
+            <ac:spMk id="21" creationId="{B91ECDA9-56DC-4270-8F33-01C5637B8CEB}"/>
+          </ac:spMkLst>
+        </pc:spChg>
+        <pc:spChg chg="add del">
+          <ac:chgData name="Nourian Wasella" userId="d96df395d66df533" providerId="LiveId" clId="{5F2A1C4A-0382-410A-B71D-CDD11635F10A}" dt="2023-07-14T14:44:00.364" v="116" actId="26606"/>
+          <ac:spMkLst>
+            <pc:docMk/>
+            <pc:sldMk cId="1112643255" sldId="260"/>
+            <ac:spMk id="23" creationId="{75F47824-961D-465D-84F9-EAE11BC6173B}"/>
+          </ac:spMkLst>
+        </pc:spChg>
+        <pc:spChg chg="add del">
+          <ac:chgData name="Nourian Wasella" userId="d96df395d66df533" providerId="LiveId" clId="{5F2A1C4A-0382-410A-B71D-CDD11635F10A}" dt="2023-07-14T14:44:00.364" v="116" actId="26606"/>
+          <ac:spMkLst>
+            <pc:docMk/>
+            <pc:sldMk cId="1112643255" sldId="260"/>
+            <ac:spMk id="25" creationId="{FEC9DA3E-C1D7-472D-B7C0-F71AE41FBA23}"/>
+          </ac:spMkLst>
+        </pc:spChg>
+        <pc:graphicFrameChg chg="add del">
+          <ac:chgData name="Nourian Wasella" userId="d96df395d66df533" providerId="LiveId" clId="{5F2A1C4A-0382-410A-B71D-CDD11635F10A}" dt="2023-07-14T14:42:54.481" v="108" actId="26606"/>
+          <ac:graphicFrameMkLst>
+            <pc:docMk/>
+            <pc:sldMk cId="1112643255" sldId="260"/>
+            <ac:graphicFrameMk id="5" creationId="{D5641B09-6859-100E-4378-49765D18015C}"/>
+          </ac:graphicFrameMkLst>
+        </pc:graphicFrameChg>
+        <pc:picChg chg="add del mod">
+          <ac:chgData name="Nourian Wasella" userId="d96df395d66df533" providerId="LiveId" clId="{5F2A1C4A-0382-410A-B71D-CDD11635F10A}" dt="2023-07-14T14:44:03.018" v="117" actId="478"/>
+          <ac:picMkLst>
+            <pc:docMk/>
+            <pc:sldMk cId="1112643255" sldId="260"/>
+            <ac:picMk id="6" creationId="{0AFBA153-35E9-88EC-266A-9899EFCF0FBE}"/>
+          </ac:picMkLst>
+        </pc:picChg>
+        <pc:cxnChg chg="add del">
+          <ac:chgData name="Nourian Wasella" userId="d96df395d66df533" providerId="LiveId" clId="{5F2A1C4A-0382-410A-B71D-CDD11635F10A}" dt="2023-07-14T14:44:00.364" v="116" actId="26606"/>
+          <ac:cxnSpMkLst>
+            <pc:docMk/>
+            <pc:sldMk cId="1112643255" sldId="260"/>
+            <ac:cxnSpMk id="19" creationId="{49CD1692-827B-4C8D-B4A1-134FD04CF45C}"/>
+          </ac:cxnSpMkLst>
+        </pc:cxnChg>
+      </pc:sldChg>
+      <pc:sldChg chg="addSp delSp modSp new mod ord setBg">
+        <pc:chgData name="Nourian Wasella" userId="d96df395d66df533" providerId="LiveId" clId="{5F2A1C4A-0382-410A-B71D-CDD11635F10A}" dt="2023-07-17T15:13:43.761" v="1489"/>
+        <pc:sldMkLst>
+          <pc:docMk/>
+          <pc:sldMk cId="1365815276" sldId="261"/>
+        </pc:sldMkLst>
+        <pc:spChg chg="mod">
+          <ac:chgData name="Nourian Wasella" userId="d96df395d66df533" providerId="LiveId" clId="{5F2A1C4A-0382-410A-B71D-CDD11635F10A}" dt="2023-07-17T04:30:55.110" v="529" actId="26606"/>
+          <ac:spMkLst>
+            <pc:docMk/>
+            <pc:sldMk cId="1365815276" sldId="261"/>
+            <ac:spMk id="2" creationId="{00FD6E8B-E2F6-BAE8-6CE9-052D63B32B38}"/>
+          </ac:spMkLst>
+        </pc:spChg>
+        <pc:spChg chg="del">
+          <ac:chgData name="Nourian Wasella" userId="d96df395d66df533" providerId="LiveId" clId="{5F2A1C4A-0382-410A-B71D-CDD11635F10A}" dt="2023-07-17T04:23:07.542" v="152" actId="3680"/>
+          <ac:spMkLst>
+            <pc:docMk/>
+            <pc:sldMk cId="1365815276" sldId="261"/>
+            <ac:spMk id="3" creationId="{AA17E163-05D8-DA19-09F1-17767162E805}"/>
+          </ac:spMkLst>
+        </pc:spChg>
+        <pc:spChg chg="add mod">
+          <ac:chgData name="Nourian Wasella" userId="d96df395d66df533" providerId="LiveId" clId="{5F2A1C4A-0382-410A-B71D-CDD11635F10A}" dt="2023-07-17T04:32:15.839" v="580" actId="404"/>
+          <ac:spMkLst>
+            <pc:docMk/>
+            <pc:sldMk cId="1365815276" sldId="261"/>
+            <ac:spMk id="5" creationId="{B17FDE0E-F879-CD9B-66FE-49B082305F64}"/>
+          </ac:spMkLst>
+        </pc:spChg>
+        <pc:spChg chg="add del">
+          <ac:chgData name="Nourian Wasella" userId="d96df395d66df533" providerId="LiveId" clId="{5F2A1C4A-0382-410A-B71D-CDD11635F10A}" dt="2023-07-17T04:30:55.110" v="529" actId="26606"/>
+          <ac:spMkLst>
+            <pc:docMk/>
+            <pc:sldMk cId="1365815276" sldId="261"/>
+            <ac:spMk id="10" creationId="{2550BE34-C2B8-49B8-8519-67A8CAD51AE9}"/>
+          </ac:spMkLst>
+        </pc:spChg>
+        <pc:spChg chg="add del">
+          <ac:chgData name="Nourian Wasella" userId="d96df395d66df533" providerId="LiveId" clId="{5F2A1C4A-0382-410A-B71D-CDD11635F10A}" dt="2023-07-17T04:30:55.110" v="529" actId="26606"/>
+          <ac:spMkLst>
+            <pc:docMk/>
+            <pc:sldMk cId="1365815276" sldId="261"/>
+            <ac:spMk id="12" creationId="{A7457DD9-5A45-400A-AB4B-4B4EDECA25F1}"/>
+          </ac:spMkLst>
+        </pc:spChg>
+        <pc:spChg chg="add del">
+          <ac:chgData name="Nourian Wasella" userId="d96df395d66df533" providerId="LiveId" clId="{5F2A1C4A-0382-410A-B71D-CDD11635F10A}" dt="2023-07-17T04:30:55.110" v="529" actId="26606"/>
+          <ac:spMkLst>
+            <pc:docMk/>
+            <pc:sldMk cId="1365815276" sldId="261"/>
+            <ac:spMk id="14" creationId="{441CF7D6-A660-431A-B0BB-140A0D5556B6}"/>
+          </ac:spMkLst>
+        </pc:spChg>
+        <pc:spChg chg="add del">
+          <ac:chgData name="Nourian Wasella" userId="d96df395d66df533" providerId="LiveId" clId="{5F2A1C4A-0382-410A-B71D-CDD11635F10A}" dt="2023-07-17T04:30:55.110" v="529" actId="26606"/>
+          <ac:spMkLst>
+            <pc:docMk/>
+            <pc:sldMk cId="1365815276" sldId="261"/>
+            <ac:spMk id="16" creationId="{0570A85B-3810-4F95-97B0-CBF4CCDB381C}"/>
+          </ac:spMkLst>
+        </pc:spChg>
+        <pc:graphicFrameChg chg="add mod ord modGraphic">
+          <ac:chgData name="Nourian Wasella" userId="d96df395d66df533" providerId="LiveId" clId="{5F2A1C4A-0382-410A-B71D-CDD11635F10A}" dt="2023-07-17T04:32:03.826" v="576" actId="403"/>
+          <ac:graphicFrameMkLst>
+            <pc:docMk/>
+            <pc:sldMk cId="1365815276" sldId="261"/>
+            <ac:graphicFrameMk id="4" creationId="{A68CEBD0-B371-F8C6-84F9-B1CC140FDC41}"/>
+          </ac:graphicFrameMkLst>
+        </pc:graphicFrameChg>
+      </pc:sldChg>
+      <pc:sldChg chg="modSp new mod">
+        <pc:chgData name="Nourian Wasella" userId="d96df395d66df533" providerId="LiveId" clId="{5F2A1C4A-0382-410A-B71D-CDD11635F10A}" dt="2023-07-17T17:03:50.343" v="4915"/>
+        <pc:sldMkLst>
+          <pc:docMk/>
+          <pc:sldMk cId="81173594" sldId="262"/>
+        </pc:sldMkLst>
+        <pc:spChg chg="mod">
+          <ac:chgData name="Nourian Wasella" userId="d96df395d66df533" providerId="LiveId" clId="{5F2A1C4A-0382-410A-B71D-CDD11635F10A}" dt="2023-07-17T04:33:25.162" v="597" actId="20577"/>
+          <ac:spMkLst>
+            <pc:docMk/>
+            <pc:sldMk cId="81173594" sldId="262"/>
+            <ac:spMk id="2" creationId="{1C6C281C-ACBB-F53A-96DF-E7A2295052A1}"/>
+          </ac:spMkLst>
+        </pc:spChg>
+        <pc:spChg chg="mod">
+          <ac:chgData name="Nourian Wasella" userId="d96df395d66df533" providerId="LiveId" clId="{5F2A1C4A-0382-410A-B71D-CDD11635F10A}" dt="2023-07-17T17:03:50.343" v="4915"/>
+          <ac:spMkLst>
+            <pc:docMk/>
+            <pc:sldMk cId="81173594" sldId="262"/>
+            <ac:spMk id="3" creationId="{A7688D75-E10F-ECE5-125E-4F83D5BD826B}"/>
+          </ac:spMkLst>
+        </pc:spChg>
+      </pc:sldChg>
+      <pc:sldChg chg="modSp new mod">
+        <pc:chgData name="Nourian Wasella" userId="d96df395d66df533" providerId="LiveId" clId="{5F2A1C4A-0382-410A-B71D-CDD11635F10A}" dt="2023-07-17T15:13:18.436" v="1487" actId="20577"/>
+        <pc:sldMkLst>
+          <pc:docMk/>
+          <pc:sldMk cId="752233143" sldId="263"/>
+        </pc:sldMkLst>
+        <pc:spChg chg="mod">
+          <ac:chgData name="Nourian Wasella" userId="d96df395d66df533" providerId="LiveId" clId="{5F2A1C4A-0382-410A-B71D-CDD11635F10A}" dt="2023-07-17T14:55:18.464" v="801" actId="20577"/>
+          <ac:spMkLst>
+            <pc:docMk/>
+            <pc:sldMk cId="752233143" sldId="263"/>
+            <ac:spMk id="2" creationId="{77237B3F-7D49-0341-C82C-F9A774945989}"/>
+          </ac:spMkLst>
+        </pc:spChg>
+        <pc:spChg chg="mod">
+          <ac:chgData name="Nourian Wasella" userId="d96df395d66df533" providerId="LiveId" clId="{5F2A1C4A-0382-410A-B71D-CDD11635F10A}" dt="2023-07-17T15:13:18.436" v="1487" actId="20577"/>
+          <ac:spMkLst>
+            <pc:docMk/>
+            <pc:sldMk cId="752233143" sldId="263"/>
+            <ac:spMk id="3" creationId="{CAC6732C-394B-EFCD-755C-C3E947F35777}"/>
+          </ac:spMkLst>
+        </pc:spChg>
+      </pc:sldChg>
+      <pc:sldChg chg="addSp modSp add del mod ord">
+        <pc:chgData name="Nourian Wasella" userId="d96df395d66df533" providerId="LiveId" clId="{5F2A1C4A-0382-410A-B71D-CDD11635F10A}" dt="2023-07-17T15:48:13.954" v="2470" actId="47"/>
+        <pc:sldMkLst>
+          <pc:docMk/>
+          <pc:sldMk cId="1093318687" sldId="264"/>
+        </pc:sldMkLst>
+        <pc:spChg chg="add mod">
+          <ac:chgData name="Nourian Wasella" userId="d96df395d66df533" providerId="LiveId" clId="{5F2A1C4A-0382-410A-B71D-CDD11635F10A}" dt="2023-07-17T15:15:43.708" v="1497" actId="1582"/>
+          <ac:spMkLst>
+            <pc:docMk/>
+            <pc:sldMk cId="1093318687" sldId="264"/>
+            <ac:spMk id="3" creationId="{84370E18-27F9-9FB8-F323-637FA78268E1}"/>
+          </ac:spMkLst>
+        </pc:spChg>
+        <pc:spChg chg="add mod">
+          <ac:chgData name="Nourian Wasella" userId="d96df395d66df533" providerId="LiveId" clId="{5F2A1C4A-0382-410A-B71D-CDD11635F10A}" dt="2023-07-17T15:16:00.341" v="1507" actId="1038"/>
+          <ac:spMkLst>
+            <pc:docMk/>
+            <pc:sldMk cId="1093318687" sldId="264"/>
+            <ac:spMk id="4" creationId="{A3E0173F-755F-C508-E41F-2BF51C65FCEC}"/>
+          </ac:spMkLst>
+        </pc:spChg>
+        <pc:picChg chg="mod">
+          <ac:chgData name="Nourian Wasella" userId="d96df395d66df533" providerId="LiveId" clId="{5F2A1C4A-0382-410A-B71D-CDD11635F10A}" dt="2023-07-17T15:15:53.058" v="1502" actId="1076"/>
+          <ac:picMkLst>
+            <pc:docMk/>
+            <pc:sldMk cId="1093318687" sldId="264"/>
+            <ac:picMk id="7" creationId="{058D190E-FE50-201C-C4BF-C822704485DC}"/>
+          </ac:picMkLst>
+        </pc:picChg>
+      </pc:sldChg>
+      <pc:sldChg chg="add del">
+        <pc:chgData name="Nourian Wasella" userId="d96df395d66df533" providerId="LiveId" clId="{5F2A1C4A-0382-410A-B71D-CDD11635F10A}" dt="2023-07-17T15:15:17.515" v="1491" actId="47"/>
+        <pc:sldMkLst>
+          <pc:docMk/>
+          <pc:sldMk cId="1475310449" sldId="264"/>
+        </pc:sldMkLst>
+      </pc:sldChg>
+      <pc:sldChg chg="addSp modSp new mod">
+        <pc:chgData name="Nourian Wasella" userId="d96df395d66df533" providerId="LiveId" clId="{5F2A1C4A-0382-410A-B71D-CDD11635F10A}" dt="2023-07-17T15:23:00.754" v="1774" actId="1076"/>
+        <pc:sldMkLst>
+          <pc:docMk/>
+          <pc:sldMk cId="1646939156" sldId="265"/>
+        </pc:sldMkLst>
+        <pc:spChg chg="mod">
+          <ac:chgData name="Nourian Wasella" userId="d96df395d66df533" providerId="LiveId" clId="{5F2A1C4A-0382-410A-B71D-CDD11635F10A}" dt="2023-07-17T15:20:03.334" v="1599" actId="20577"/>
+          <ac:spMkLst>
+            <pc:docMk/>
+            <pc:sldMk cId="1646939156" sldId="265"/>
+            <ac:spMk id="2" creationId="{49571720-6673-E53E-9387-BEFECB838CAB}"/>
+          </ac:spMkLst>
+        </pc:spChg>
+        <pc:spChg chg="mod">
+          <ac:chgData name="Nourian Wasella" userId="d96df395d66df533" providerId="LiveId" clId="{5F2A1C4A-0382-410A-B71D-CDD11635F10A}" dt="2023-07-17T15:22:58.040" v="1773" actId="20577"/>
+          <ac:spMkLst>
+            <pc:docMk/>
+            <pc:sldMk cId="1646939156" sldId="265"/>
+            <ac:spMk id="3" creationId="{D6CB2D37-4CFD-18B2-BFAC-004A45CFF622}"/>
+          </ac:spMkLst>
+        </pc:spChg>
+        <pc:picChg chg="add mod">
+          <ac:chgData name="Nourian Wasella" userId="d96df395d66df533" providerId="LiveId" clId="{5F2A1C4A-0382-410A-B71D-CDD11635F10A}" dt="2023-07-17T15:23:00.754" v="1774" actId="1076"/>
+          <ac:picMkLst>
+            <pc:docMk/>
+            <pc:sldMk cId="1646939156" sldId="265"/>
+            <ac:picMk id="5" creationId="{FB5B032F-84E4-D6C2-54DD-FAF8CA3C3BAC}"/>
+          </ac:picMkLst>
+        </pc:picChg>
+      </pc:sldChg>
+      <pc:sldChg chg="addSp delSp modSp new mod setBg addAnim delAnim">
+        <pc:chgData name="Nourian Wasella" userId="d96df395d66df533" providerId="LiveId" clId="{5F2A1C4A-0382-410A-B71D-CDD11635F10A}" dt="2023-07-17T15:34:45.945" v="1821" actId="1076"/>
+        <pc:sldMkLst>
+          <pc:docMk/>
+          <pc:sldMk cId="565871290" sldId="266"/>
+        </pc:sldMkLst>
+        <pc:spChg chg="mod ord">
+          <ac:chgData name="Nourian Wasella" userId="d96df395d66df533" providerId="LiveId" clId="{5F2A1C4A-0382-410A-B71D-CDD11635F10A}" dt="2023-07-17T15:33:28.786" v="1810" actId="26606"/>
+          <ac:spMkLst>
+            <pc:docMk/>
+            <pc:sldMk cId="565871290" sldId="266"/>
+            <ac:spMk id="2" creationId="{6F16C986-C0BD-DE5B-9E53-5F10D6D0EF24}"/>
+          </ac:spMkLst>
+        </pc:spChg>
+        <pc:spChg chg="del">
+          <ac:chgData name="Nourian Wasella" userId="d96df395d66df533" providerId="LiveId" clId="{5F2A1C4A-0382-410A-B71D-CDD11635F10A}" dt="2023-07-17T15:33:06.232" v="1804" actId="478"/>
+          <ac:spMkLst>
+            <pc:docMk/>
+            <pc:sldMk cId="565871290" sldId="266"/>
+            <ac:spMk id="3" creationId="{586B15FF-D61D-20EE-C90F-D4FED2279B37}"/>
+          </ac:spMkLst>
+        </pc:spChg>
+        <pc:spChg chg="add del">
+          <ac:chgData name="Nourian Wasella" userId="d96df395d66df533" providerId="LiveId" clId="{5F2A1C4A-0382-410A-B71D-CDD11635F10A}" dt="2023-07-17T15:33:28.786" v="1810" actId="26606"/>
+          <ac:spMkLst>
+            <pc:docMk/>
+            <pc:sldMk cId="565871290" sldId="266"/>
+            <ac:spMk id="10" creationId="{37C89E4B-3C9F-44B9-8B86-D9E3D112D8EC}"/>
+          </ac:spMkLst>
+        </pc:spChg>
+        <pc:picChg chg="add mod modCrop">
+          <ac:chgData name="Nourian Wasella" userId="d96df395d66df533" providerId="LiveId" clId="{5F2A1C4A-0382-410A-B71D-CDD11635F10A}" dt="2023-07-17T15:33:46.158" v="1816" actId="1076"/>
+          <ac:picMkLst>
+            <pc:docMk/>
+            <pc:sldMk cId="565871290" sldId="266"/>
+            <ac:picMk id="5" creationId="{6CC31F3F-D2DA-D4AC-85F3-5903B25C6263}"/>
+          </ac:picMkLst>
+        </pc:picChg>
+        <pc:picChg chg="add mod">
+          <ac:chgData name="Nourian Wasella" userId="d96df395d66df533" providerId="LiveId" clId="{5F2A1C4A-0382-410A-B71D-CDD11635F10A}" dt="2023-07-17T15:34:45.945" v="1821" actId="1076"/>
+          <ac:picMkLst>
+            <pc:docMk/>
+            <pc:sldMk cId="565871290" sldId="266"/>
+            <ac:picMk id="7" creationId="{B54974B6-23FB-AF18-01E8-11B3CFBD13FD}"/>
+          </ac:picMkLst>
+        </pc:picChg>
+        <pc:cxnChg chg="add del">
+          <ac:chgData name="Nourian Wasella" userId="d96df395d66df533" providerId="LiveId" clId="{5F2A1C4A-0382-410A-B71D-CDD11635F10A}" dt="2023-07-17T15:33:28.786" v="1810" actId="26606"/>
+          <ac:cxnSpMkLst>
+            <pc:docMk/>
+            <pc:sldMk cId="565871290" sldId="266"/>
+            <ac:cxnSpMk id="12" creationId="{AA2EAA10-076F-46BD-8F0F-B9A2FB77A85C}"/>
+          </ac:cxnSpMkLst>
+        </pc:cxnChg>
+        <pc:cxnChg chg="add del">
+          <ac:chgData name="Nourian Wasella" userId="d96df395d66df533" providerId="LiveId" clId="{5F2A1C4A-0382-410A-B71D-CDD11635F10A}" dt="2023-07-17T15:33:28.786" v="1810" actId="26606"/>
+          <ac:cxnSpMkLst>
+            <pc:docMk/>
+            <pc:sldMk cId="565871290" sldId="266"/>
+            <ac:cxnSpMk id="14" creationId="{D891E407-403B-4764-86C9-33A56D3BCAA3}"/>
+          </ac:cxnSpMkLst>
+        </pc:cxnChg>
+      </pc:sldChg>
+      <pc:sldChg chg="modSp new mod">
+        <pc:chgData name="Nourian Wasella" userId="d96df395d66df533" providerId="LiveId" clId="{5F2A1C4A-0382-410A-B71D-CDD11635F10A}" dt="2023-07-17T15:38:58.104" v="2117" actId="20577"/>
+        <pc:sldMkLst>
+          <pc:docMk/>
+          <pc:sldMk cId="4172182033" sldId="267"/>
+        </pc:sldMkLst>
+        <pc:spChg chg="mod">
+          <ac:chgData name="Nourian Wasella" userId="d96df395d66df533" providerId="LiveId" clId="{5F2A1C4A-0382-410A-B71D-CDD11635F10A}" dt="2023-07-17T15:35:46.182" v="1859" actId="20577"/>
+          <ac:spMkLst>
+            <pc:docMk/>
+            <pc:sldMk cId="4172182033" sldId="267"/>
+            <ac:spMk id="2" creationId="{94E5F6DF-6AB8-399C-D5B2-1188A3087BB0}"/>
+          </ac:spMkLst>
+        </pc:spChg>
+        <pc:spChg chg="mod">
+          <ac:chgData name="Nourian Wasella" userId="d96df395d66df533" providerId="LiveId" clId="{5F2A1C4A-0382-410A-B71D-CDD11635F10A}" dt="2023-07-17T15:38:58.104" v="2117" actId="20577"/>
+          <ac:spMkLst>
+            <pc:docMk/>
+            <pc:sldMk cId="4172182033" sldId="267"/>
+            <ac:spMk id="3" creationId="{482C0FBC-BCD7-380F-F5D8-0C361828212C}"/>
+          </ac:spMkLst>
+        </pc:spChg>
+      </pc:sldChg>
+      <pc:sldChg chg="addSp delSp modSp new mod">
+        <pc:chgData name="Nourian Wasella" userId="d96df395d66df533" providerId="LiveId" clId="{5F2A1C4A-0382-410A-B71D-CDD11635F10A}" dt="2023-07-17T16:00:39.791" v="2871" actId="20577"/>
+        <pc:sldMkLst>
+          <pc:docMk/>
+          <pc:sldMk cId="1534030064" sldId="268"/>
+        </pc:sldMkLst>
+        <pc:spChg chg="mod">
+          <ac:chgData name="Nourian Wasella" userId="d96df395d66df533" providerId="LiveId" clId="{5F2A1C4A-0382-410A-B71D-CDD11635F10A}" dt="2023-07-17T15:40:57.702" v="2140" actId="20577"/>
+          <ac:spMkLst>
+            <pc:docMk/>
+            <pc:sldMk cId="1534030064" sldId="268"/>
+            <ac:spMk id="2" creationId="{8D506A20-1A93-3BB5-A96D-70708777E5C6}"/>
+          </ac:spMkLst>
+        </pc:spChg>
+        <pc:spChg chg="add del">
+          <ac:chgData name="Nourian Wasella" userId="d96df395d66df533" providerId="LiveId" clId="{5F2A1C4A-0382-410A-B71D-CDD11635F10A}" dt="2023-07-17T15:45:46.234" v="2143" actId="931"/>
+          <ac:spMkLst>
+            <pc:docMk/>
+            <pc:sldMk cId="1534030064" sldId="268"/>
+            <ac:spMk id="3" creationId="{1EDE3268-8319-D8F7-51DF-83FFC1648563}"/>
+          </ac:spMkLst>
+        </pc:spChg>
+        <pc:spChg chg="add mod">
+          <ac:chgData name="Nourian Wasella" userId="d96df395d66df533" providerId="LiveId" clId="{5F2A1C4A-0382-410A-B71D-CDD11635F10A}" dt="2023-07-17T16:00:39.791" v="2871" actId="20577"/>
+          <ac:spMkLst>
+            <pc:docMk/>
+            <pc:sldMk cId="1534030064" sldId="268"/>
+            <ac:spMk id="6" creationId="{50F20F78-576E-5387-3CAA-3783F5595280}"/>
+          </ac:spMkLst>
+        </pc:spChg>
+        <pc:spChg chg="add del mod">
+          <ac:chgData name="Nourian Wasella" userId="d96df395d66df533" providerId="LiveId" clId="{5F2A1C4A-0382-410A-B71D-CDD11635F10A}" dt="2023-07-17T15:51:23.671" v="2510"/>
+          <ac:spMkLst>
+            <pc:docMk/>
+            <pc:sldMk cId="1534030064" sldId="268"/>
+            <ac:spMk id="7" creationId="{0C5CADE7-FBB9-BDAB-B318-867A13ADE315}"/>
+          </ac:spMkLst>
+        </pc:spChg>
+        <pc:picChg chg="add mod">
+          <ac:chgData name="Nourian Wasella" userId="d96df395d66df533" providerId="LiveId" clId="{5F2A1C4A-0382-410A-B71D-CDD11635F10A}" dt="2023-07-17T15:56:27.661" v="2629" actId="1076"/>
+          <ac:picMkLst>
+            <pc:docMk/>
+            <pc:sldMk cId="1534030064" sldId="268"/>
+            <ac:picMk id="5" creationId="{2CE97369-6187-B950-8C0D-3B3A3EB24F7F}"/>
+          </ac:picMkLst>
+        </pc:picChg>
+      </pc:sldChg>
+      <pc:sldChg chg="addSp delSp modSp new add del mod">
+        <pc:chgData name="Nourian Wasella" userId="d96df395d66df533" providerId="LiveId" clId="{5F2A1C4A-0382-410A-B71D-CDD11635F10A}" dt="2023-07-17T16:00:32.839" v="2868" actId="20577"/>
+        <pc:sldMkLst>
+          <pc:docMk/>
+          <pc:sldMk cId="4015151896" sldId="269"/>
+        </pc:sldMkLst>
+        <pc:spChg chg="mod">
+          <ac:chgData name="Nourian Wasella" userId="d96df395d66df533" providerId="LiveId" clId="{5F2A1C4A-0382-410A-B71D-CDD11635F10A}" dt="2023-07-17T15:51:34.893" v="2533" actId="20577"/>
+          <ac:spMkLst>
+            <pc:docMk/>
+            <pc:sldMk cId="4015151896" sldId="269"/>
+            <ac:spMk id="2" creationId="{A1407B71-ADC3-551D-4A85-6234A95D234F}"/>
+          </ac:spMkLst>
+        </pc:spChg>
+        <pc:spChg chg="del">
+          <ac:chgData name="Nourian Wasella" userId="d96df395d66df533" providerId="LiveId" clId="{5F2A1C4A-0382-410A-B71D-CDD11635F10A}" dt="2023-07-17T15:51:43.844" v="2534" actId="931"/>
+          <ac:spMkLst>
+            <pc:docMk/>
+            <pc:sldMk cId="4015151896" sldId="269"/>
+            <ac:spMk id="3" creationId="{D8B0BD01-E6F6-D5E4-5C7F-F0D10D69C414}"/>
+          </ac:spMkLst>
+        </pc:spChg>
+        <pc:spChg chg="add del mod">
+          <ac:chgData name="Nourian Wasella" userId="d96df395d66df533" providerId="LiveId" clId="{5F2A1C4A-0382-410A-B71D-CDD11635F10A}" dt="2023-07-17T15:53:23.799" v="2544" actId="931"/>
+          <ac:spMkLst>
+            <pc:docMk/>
+            <pc:sldMk cId="4015151896" sldId="269"/>
+            <ac:spMk id="7" creationId="{597C1DBF-CA15-1593-8EE3-A678A497446E}"/>
+          </ac:spMkLst>
+        </pc:spChg>
+        <pc:spChg chg="add mod">
+          <ac:chgData name="Nourian Wasella" userId="d96df395d66df533" providerId="LiveId" clId="{5F2A1C4A-0382-410A-B71D-CDD11635F10A}" dt="2023-07-17T16:00:32.839" v="2868" actId="20577"/>
+          <ac:spMkLst>
+            <pc:docMk/>
+            <pc:sldMk cId="4015151896" sldId="269"/>
+            <ac:spMk id="10" creationId="{1745E308-048F-24B8-C0F5-0AE6B115898B}"/>
+          </ac:spMkLst>
+        </pc:spChg>
+        <pc:picChg chg="add del mod">
+          <ac:chgData name="Nourian Wasella" userId="d96df395d66df533" providerId="LiveId" clId="{5F2A1C4A-0382-410A-B71D-CDD11635F10A}" dt="2023-07-17T15:53:18.058" v="2543" actId="478"/>
+          <ac:picMkLst>
+            <pc:docMk/>
+            <pc:sldMk cId="4015151896" sldId="269"/>
+            <ac:picMk id="5" creationId="{6FE53199-1A9A-1DB0-CAA7-9B37C112F13C}"/>
+          </ac:picMkLst>
+        </pc:picChg>
+        <pc:picChg chg="add mod">
+          <ac:chgData name="Nourian Wasella" userId="d96df395d66df533" providerId="LiveId" clId="{5F2A1C4A-0382-410A-B71D-CDD11635F10A}" dt="2023-07-17T15:53:30.627" v="2547" actId="1076"/>
+          <ac:picMkLst>
+            <pc:docMk/>
+            <pc:sldMk cId="4015151896" sldId="269"/>
+            <ac:picMk id="9" creationId="{5AB96289-3BB1-13DD-9446-7C365C5BEFE9}"/>
+          </ac:picMkLst>
+        </pc:picChg>
+      </pc:sldChg>
+      <pc:sldChg chg="addSp delSp modSp new mod">
+        <pc:chgData name="Nourian Wasella" userId="d96df395d66df533" providerId="LiveId" clId="{5F2A1C4A-0382-410A-B71D-CDD11635F10A}" dt="2023-07-17T16:01:20.128" v="2888" actId="13926"/>
+        <pc:sldMkLst>
+          <pc:docMk/>
+          <pc:sldMk cId="3764413231" sldId="270"/>
+        </pc:sldMkLst>
+        <pc:spChg chg="mod">
+          <ac:chgData name="Nourian Wasella" userId="d96df395d66df533" providerId="LiveId" clId="{5F2A1C4A-0382-410A-B71D-CDD11635F10A}" dt="2023-07-17T15:54:56.380" v="2571" actId="20577"/>
+          <ac:spMkLst>
+            <pc:docMk/>
+            <pc:sldMk cId="3764413231" sldId="270"/>
+            <ac:spMk id="2" creationId="{3BFF9694-F36E-DFCE-C773-65287CAB2E55}"/>
+          </ac:spMkLst>
+        </pc:spChg>
+        <pc:spChg chg="del">
+          <ac:chgData name="Nourian Wasella" userId="d96df395d66df533" providerId="LiveId" clId="{5F2A1C4A-0382-410A-B71D-CDD11635F10A}" dt="2023-07-17T15:55:09.197" v="2572" actId="931"/>
+          <ac:spMkLst>
+            <pc:docMk/>
+            <pc:sldMk cId="3764413231" sldId="270"/>
+            <ac:spMk id="3" creationId="{80E0EFE2-9733-B0FA-4E20-CFE8419BB8C5}"/>
+          </ac:spMkLst>
+        </pc:spChg>
+        <pc:spChg chg="add mod">
+          <ac:chgData name="Nourian Wasella" userId="d96df395d66df533" providerId="LiveId" clId="{5F2A1C4A-0382-410A-B71D-CDD11635F10A}" dt="2023-07-17T16:01:20.128" v="2888" actId="13926"/>
+          <ac:spMkLst>
+            <pc:docMk/>
+            <pc:sldMk cId="3764413231" sldId="270"/>
+            <ac:spMk id="6" creationId="{FFF80767-4A14-17FF-FAE3-6B4D4B9D60B8}"/>
+          </ac:spMkLst>
+        </pc:spChg>
+        <pc:picChg chg="add mod">
+          <ac:chgData name="Nourian Wasella" userId="d96df395d66df533" providerId="LiveId" clId="{5F2A1C4A-0382-410A-B71D-CDD11635F10A}" dt="2023-07-17T15:55:12.805" v="2575" actId="1076"/>
+          <ac:picMkLst>
+            <pc:docMk/>
+            <pc:sldMk cId="3764413231" sldId="270"/>
+            <ac:picMk id="5" creationId="{45DB9601-BCC8-1E1C-B1D3-01CC99AC931B}"/>
+          </ac:picMkLst>
+        </pc:picChg>
+      </pc:sldChg>
+      <pc:sldChg chg="addSp delSp modSp new mod">
+        <pc:chgData name="Nourian Wasella" userId="d96df395d66df533" providerId="LiveId" clId="{5F2A1C4A-0382-410A-B71D-CDD11635F10A}" dt="2023-07-17T16:02:37.669" v="2935" actId="20577"/>
+        <pc:sldMkLst>
+          <pc:docMk/>
+          <pc:sldMk cId="1851554503" sldId="271"/>
+        </pc:sldMkLst>
+        <pc:spChg chg="mod">
+          <ac:chgData name="Nourian Wasella" userId="d96df395d66df533" providerId="LiveId" clId="{5F2A1C4A-0382-410A-B71D-CDD11635F10A}" dt="2023-07-17T15:56:57.117" v="2652" actId="20577"/>
+          <ac:spMkLst>
+            <pc:docMk/>
+            <pc:sldMk cId="1851554503" sldId="271"/>
+            <ac:spMk id="2" creationId="{B0097975-B7E1-AD04-6458-2A9CDA521AE9}"/>
+          </ac:spMkLst>
+        </pc:spChg>
+        <pc:spChg chg="del">
+          <ac:chgData name="Nourian Wasella" userId="d96df395d66df533" providerId="LiveId" clId="{5F2A1C4A-0382-410A-B71D-CDD11635F10A}" dt="2023-07-17T15:57:10.270" v="2653" actId="931"/>
+          <ac:spMkLst>
+            <pc:docMk/>
+            <pc:sldMk cId="1851554503" sldId="271"/>
+            <ac:spMk id="3" creationId="{9393C3A0-CDC2-35B5-130E-EA2044020EC5}"/>
+          </ac:spMkLst>
+        </pc:spChg>
+        <pc:spChg chg="add mod">
+          <ac:chgData name="Nourian Wasella" userId="d96df395d66df533" providerId="LiveId" clId="{5F2A1C4A-0382-410A-B71D-CDD11635F10A}" dt="2023-07-17T16:02:37.669" v="2935" actId="20577"/>
+          <ac:spMkLst>
+            <pc:docMk/>
+            <pc:sldMk cId="1851554503" sldId="271"/>
+            <ac:spMk id="6" creationId="{3C51DD4D-2897-B35B-38B4-B463DCC51CD4}"/>
+          </ac:spMkLst>
+        </pc:spChg>
+        <pc:picChg chg="add mod">
+          <ac:chgData name="Nourian Wasella" userId="d96df395d66df533" providerId="LiveId" clId="{5F2A1C4A-0382-410A-B71D-CDD11635F10A}" dt="2023-07-17T15:57:14.950" v="2656" actId="1076"/>
+          <ac:picMkLst>
+            <pc:docMk/>
+            <pc:sldMk cId="1851554503" sldId="271"/>
+            <ac:picMk id="5" creationId="{729F24DE-30FE-58A8-7357-F3C6529AE413}"/>
+          </ac:picMkLst>
+        </pc:picChg>
+      </pc:sldChg>
+      <pc:sldChg chg="addSp modSp new mod">
+        <pc:chgData name="Nourian Wasella" userId="d96df395d66df533" providerId="LiveId" clId="{5F2A1C4A-0382-410A-B71D-CDD11635F10A}" dt="2023-07-17T17:07:22.504" v="4994" actId="27636"/>
+        <pc:sldMkLst>
+          <pc:docMk/>
+          <pc:sldMk cId="1016015731" sldId="272"/>
+        </pc:sldMkLst>
+        <pc:spChg chg="mod">
+          <ac:chgData name="Nourian Wasella" userId="d96df395d66df533" providerId="LiveId" clId="{5F2A1C4A-0382-410A-B71D-CDD11635F10A}" dt="2023-07-17T16:06:09.133" v="2967" actId="20577"/>
+          <ac:spMkLst>
+            <pc:docMk/>
+            <pc:sldMk cId="1016015731" sldId="272"/>
+            <ac:spMk id="2" creationId="{E04C4384-5F2E-5A18-A019-78E30E0B5747}"/>
+          </ac:spMkLst>
+        </pc:spChg>
+        <pc:spChg chg="mod">
+          <ac:chgData name="Nourian Wasella" userId="d96df395d66df533" providerId="LiveId" clId="{5F2A1C4A-0382-410A-B71D-CDD11635F10A}" dt="2023-07-17T17:07:22.504" v="4994" actId="27636"/>
+          <ac:spMkLst>
+            <pc:docMk/>
+            <pc:sldMk cId="1016015731" sldId="272"/>
+            <ac:spMk id="3" creationId="{D256D4C7-7573-2A02-5E34-FE7BB19AB0B6}"/>
+          </ac:spMkLst>
+        </pc:spChg>
+        <pc:picChg chg="add mod">
+          <ac:chgData name="Nourian Wasella" userId="d96df395d66df533" providerId="LiveId" clId="{5F2A1C4A-0382-410A-B71D-CDD11635F10A}" dt="2023-07-17T17:07:19.377" v="4992" actId="1076"/>
+          <ac:picMkLst>
+            <pc:docMk/>
+            <pc:sldMk cId="1016015731" sldId="272"/>
+            <ac:picMk id="4" creationId="{0731B207-CED2-5CAC-AAF2-22ED5DEEA711}"/>
+          </ac:picMkLst>
+        </pc:picChg>
+      </pc:sldChg>
+      <pc:sldChg chg="addSp modSp new mod ord">
+        <pc:chgData name="Nourian Wasella" userId="d96df395d66df533" providerId="LiveId" clId="{5F2A1C4A-0382-410A-B71D-CDD11635F10A}" dt="2023-07-17T16:33:57.204" v="3761" actId="14"/>
+        <pc:sldMkLst>
+          <pc:docMk/>
+          <pc:sldMk cId="3095516644" sldId="273"/>
+        </pc:sldMkLst>
+        <pc:spChg chg="mod">
+          <ac:chgData name="Nourian Wasella" userId="d96df395d66df533" providerId="LiveId" clId="{5F2A1C4A-0382-410A-B71D-CDD11635F10A}" dt="2023-07-17T16:16:37.868" v="3400" actId="20577"/>
+          <ac:spMkLst>
+            <pc:docMk/>
+            <pc:sldMk cId="3095516644" sldId="273"/>
+            <ac:spMk id="2" creationId="{8D8EAB83-4BA8-7F41-8523-BD0C38F1806A}"/>
+          </ac:spMkLst>
+        </pc:spChg>
+        <pc:spChg chg="mod">
+          <ac:chgData name="Nourian Wasella" userId="d96df395d66df533" providerId="LiveId" clId="{5F2A1C4A-0382-410A-B71D-CDD11635F10A}" dt="2023-07-17T16:33:57.204" v="3761" actId="14"/>
+          <ac:spMkLst>
+            <pc:docMk/>
+            <pc:sldMk cId="3095516644" sldId="273"/>
+            <ac:spMk id="3" creationId="{05E77386-CF57-51BC-BEB2-8B8957E2B638}"/>
+          </ac:spMkLst>
+        </pc:spChg>
+        <pc:spChg chg="add mod">
+          <ac:chgData name="Nourian Wasella" userId="d96df395d66df533" providerId="LiveId" clId="{5F2A1C4A-0382-410A-B71D-CDD11635F10A}" dt="2023-07-17T16:27:39.007" v="3698" actId="1076"/>
+          <ac:spMkLst>
+            <pc:docMk/>
+            <pc:sldMk cId="3095516644" sldId="273"/>
+            <ac:spMk id="6" creationId="{46737F34-B54F-E7E7-8F3C-521899C4A554}"/>
+          </ac:spMkLst>
+        </pc:spChg>
+        <pc:picChg chg="add mod">
+          <ac:chgData name="Nourian Wasella" userId="d96df395d66df533" providerId="LiveId" clId="{5F2A1C4A-0382-410A-B71D-CDD11635F10A}" dt="2023-07-17T16:27:15.658" v="3683" actId="14100"/>
+          <ac:picMkLst>
+            <pc:docMk/>
+            <pc:sldMk cId="3095516644" sldId="273"/>
+            <ac:picMk id="5" creationId="{FCC31A95-5B3A-D73D-E668-4D70DD0E5652}"/>
+          </ac:picMkLst>
+        </pc:picChg>
+      </pc:sldChg>
+      <pc:sldChg chg="addSp modSp new mod">
+        <pc:chgData name="Nourian Wasella" userId="d96df395d66df533" providerId="LiveId" clId="{5F2A1C4A-0382-410A-B71D-CDD11635F10A}" dt="2023-07-17T17:07:59.598" v="4998" actId="1076"/>
+        <pc:sldMkLst>
+          <pc:docMk/>
+          <pc:sldMk cId="2665599542" sldId="274"/>
+        </pc:sldMkLst>
+        <pc:spChg chg="mod">
+          <ac:chgData name="Nourian Wasella" userId="d96df395d66df533" providerId="LiveId" clId="{5F2A1C4A-0382-410A-B71D-CDD11635F10A}" dt="2023-07-17T16:34:56.859" v="3787" actId="20577"/>
+          <ac:spMkLst>
+            <pc:docMk/>
+            <pc:sldMk cId="2665599542" sldId="274"/>
+            <ac:spMk id="2" creationId="{0FD61DED-4E26-6907-3D81-F758720A0E99}"/>
+          </ac:spMkLst>
+        </pc:spChg>
+        <pc:spChg chg="mod">
+          <ac:chgData name="Nourian Wasella" userId="d96df395d66df533" providerId="LiveId" clId="{5F2A1C4A-0382-410A-B71D-CDD11635F10A}" dt="2023-07-17T17:07:42.991" v="4997" actId="14100"/>
+          <ac:spMkLst>
+            <pc:docMk/>
+            <pc:sldMk cId="2665599542" sldId="274"/>
+            <ac:spMk id="3" creationId="{F097FBB4-D16E-549B-2548-CB4C86D3A6E7}"/>
+          </ac:spMkLst>
+        </pc:spChg>
+        <pc:picChg chg="add mod">
+          <ac:chgData name="Nourian Wasella" userId="d96df395d66df533" providerId="LiveId" clId="{5F2A1C4A-0382-410A-B71D-CDD11635F10A}" dt="2023-07-17T17:07:59.598" v="4998" actId="1076"/>
+          <ac:picMkLst>
+            <pc:docMk/>
+            <pc:sldMk cId="2665599542" sldId="274"/>
+            <ac:picMk id="4" creationId="{BB2046B7-9A6E-CE5D-C228-F90FC8C2AC51}"/>
+          </ac:picMkLst>
+        </pc:picChg>
+      </pc:sldChg>
+      <pc:sldChg chg="addSp modSp new mod">
+        <pc:chgData name="Nourian Wasella" userId="d96df395d66df533" providerId="LiveId" clId="{5F2A1C4A-0382-410A-B71D-CDD11635F10A}" dt="2023-07-17T17:09:49.193" v="5067" actId="20577"/>
+        <pc:sldMkLst>
+          <pc:docMk/>
+          <pc:sldMk cId="2288234072" sldId="275"/>
+        </pc:sldMkLst>
+        <pc:spChg chg="mod">
+          <ac:chgData name="Nourian Wasella" userId="d96df395d66df533" providerId="LiveId" clId="{5F2A1C4A-0382-410A-B71D-CDD11635F10A}" dt="2023-07-17T16:51:58.098" v="4428" actId="20577"/>
+          <ac:spMkLst>
+            <pc:docMk/>
+            <pc:sldMk cId="2288234072" sldId="275"/>
+            <ac:spMk id="2" creationId="{3F65A7DB-C055-77E0-7262-8B2655505427}"/>
+          </ac:spMkLst>
+        </pc:spChg>
+        <pc:spChg chg="mod">
+          <ac:chgData name="Nourian Wasella" userId="d96df395d66df533" providerId="LiveId" clId="{5F2A1C4A-0382-410A-B71D-CDD11635F10A}" dt="2023-07-17T17:09:49.193" v="5067" actId="20577"/>
+          <ac:spMkLst>
+            <pc:docMk/>
+            <pc:sldMk cId="2288234072" sldId="275"/>
+            <ac:spMk id="3" creationId="{8DB9BFAC-4DE7-DDB9-3C17-3F30F60CCA0B}"/>
+          </ac:spMkLst>
+        </pc:spChg>
+        <pc:picChg chg="add mod">
+          <ac:chgData name="Nourian Wasella" userId="d96df395d66df533" providerId="LiveId" clId="{5F2A1C4A-0382-410A-B71D-CDD11635F10A}" dt="2023-07-17T17:06:54.330" v="4989" actId="1076"/>
+          <ac:picMkLst>
+            <pc:docMk/>
+            <pc:sldMk cId="2288234072" sldId="275"/>
+            <ac:picMk id="4" creationId="{E4D57FDA-4BB9-6875-517E-A4068CECD944}"/>
+          </ac:picMkLst>
+        </pc:picChg>
+      </pc:sldChg>
+      <pc:sldChg chg="modSp new mod">
+        <pc:chgData name="Nourian Wasella" userId="d96df395d66df533" providerId="LiveId" clId="{5F2A1C4A-0382-410A-B71D-CDD11635F10A}" dt="2023-07-17T17:04:18.718" v="4916" actId="33524"/>
+        <pc:sldMkLst>
+          <pc:docMk/>
+          <pc:sldMk cId="1352553146" sldId="276"/>
+        </pc:sldMkLst>
+        <pc:spChg chg="mod">
+          <ac:chgData name="Nourian Wasella" userId="d96df395d66df533" providerId="LiveId" clId="{5F2A1C4A-0382-410A-B71D-CDD11635F10A}" dt="2023-07-17T16:53:53.787" v="4591" actId="20577"/>
+          <ac:spMkLst>
+            <pc:docMk/>
+            <pc:sldMk cId="1352553146" sldId="276"/>
+            <ac:spMk id="2" creationId="{C59E43C9-FE71-6C07-4A88-1742C638FAEE}"/>
+          </ac:spMkLst>
+        </pc:spChg>
+        <pc:spChg chg="mod">
+          <ac:chgData name="Nourian Wasella" userId="d96df395d66df533" providerId="LiveId" clId="{5F2A1C4A-0382-410A-B71D-CDD11635F10A}" dt="2023-07-17T17:04:18.718" v="4916" actId="33524"/>
+          <ac:spMkLst>
+            <pc:docMk/>
+            <pc:sldMk cId="1352553146" sldId="276"/>
+            <ac:spMk id="3" creationId="{689896BD-DDB6-AE24-4549-F412AE2ECE26}"/>
+          </ac:spMkLst>
+        </pc:spChg>
+      </pc:sldChg>
+    </pc:docChg>
+  </pc:docChgLst>
+</pc:chgInfo>
 </file>
 
 <file path=ppt/diagrams/colors1.xml><?xml version="1.0" encoding="utf-8"?>
@@ -1032,10 +1856,10 @@
             </a:lnSpc>
           </a:pPr>
           <a:r>
-            <a:rPr lang="de-DE"/>
+            <a:rPr lang="de-DE" dirty="0" err="1"/>
             <a:t>Results</a:t>
           </a:r>
-          <a:endParaRPr lang="en-US"/>
+          <a:endParaRPr lang="en-US" dirty="0"/>
         </a:p>
       </dgm:t>
     </dgm:pt>
@@ -2156,10 +2980,10 @@
             <a:buNone/>
           </a:pPr>
           <a:r>
-            <a:rPr lang="de-DE" sz="2400" kern="1200"/>
+            <a:rPr lang="de-DE" sz="2400" kern="1200" dirty="0" err="1"/>
             <a:t>Results</a:t>
           </a:r>
-          <a:endParaRPr lang="en-US" sz="2400" kern="1200"/>
+          <a:endParaRPr lang="en-US" sz="2400" kern="1200" dirty="0"/>
         </a:p>
       </dsp:txBody>
       <dsp:txXfrm>
@@ -3727,6 +4551,356 @@
 </dgm:styleDef>
 </file>
 
+<file path=ppt/notesMasters/notesMaster1.xml><?xml version="1.0" encoding="utf-8"?>
+<p:notesMaster xmlns:a="http://schemas.openxmlformats.org/drawingml/2006/main" xmlns:r="http://schemas.openxmlformats.org/officeDocument/2006/relationships" xmlns:p="http://schemas.openxmlformats.org/presentationml/2006/main">
+  <p:cSld>
+    <p:bg>
+      <p:bgRef idx="1001">
+        <a:schemeClr val="bg1"/>
+      </p:bgRef>
+    </p:bg>
+    <p:spTree>
+      <p:nvGrpSpPr>
+        <p:cNvPr id="1" name=""/>
+        <p:cNvGrpSpPr/>
+        <p:nvPr/>
+      </p:nvGrpSpPr>
+      <p:grpSpPr>
+        <a:xfrm>
+          <a:off x="0" y="0"/>
+          <a:ext cx="0" cy="0"/>
+          <a:chOff x="0" y="0"/>
+          <a:chExt cx="0" cy="0"/>
+        </a:xfrm>
+      </p:grpSpPr>
+      <p:sp>
+        <p:nvSpPr>
+          <p:cNvPr id="2" name="Kopfzeilenplatzhalter 1"/>
+          <p:cNvSpPr>
+            <a:spLocks noGrp="1"/>
+          </p:cNvSpPr>
+          <p:nvPr>
+            <p:ph type="hdr" sz="quarter"/>
+          </p:nvPr>
+        </p:nvSpPr>
+        <p:spPr>
+          <a:xfrm>
+            <a:off x="0" y="0"/>
+            <a:ext cx="2971800" cy="458788"/>
+          </a:xfrm>
+          <a:prstGeom prst="rect">
+            <a:avLst/>
+          </a:prstGeom>
+        </p:spPr>
+        <p:txBody>
+          <a:bodyPr vert="horz" lIns="91440" tIns="45720" rIns="91440" bIns="45720" rtlCol="0"/>
+          <a:lstStyle>
+            <a:lvl1pPr algn="l">
+              <a:defRPr sz="1200"/>
+            </a:lvl1pPr>
+          </a:lstStyle>
+          <a:p>
+            <a:endParaRPr lang="en-US"/>
+          </a:p>
+        </p:txBody>
+      </p:sp>
+      <p:sp>
+        <p:nvSpPr>
+          <p:cNvPr id="3" name="Datumsplatzhalter 2"/>
+          <p:cNvSpPr>
+            <a:spLocks noGrp="1"/>
+          </p:cNvSpPr>
+          <p:nvPr>
+            <p:ph type="dt" idx="1"/>
+          </p:nvPr>
+        </p:nvSpPr>
+        <p:spPr>
+          <a:xfrm>
+            <a:off x="3884613" y="0"/>
+            <a:ext cx="2971800" cy="458788"/>
+          </a:xfrm>
+          <a:prstGeom prst="rect">
+            <a:avLst/>
+          </a:prstGeom>
+        </p:spPr>
+        <p:txBody>
+          <a:bodyPr vert="horz" lIns="91440" tIns="45720" rIns="91440" bIns="45720" rtlCol="0"/>
+          <a:lstStyle>
+            <a:lvl1pPr algn="r">
+              <a:defRPr sz="1200"/>
+            </a:lvl1pPr>
+          </a:lstStyle>
+          <a:p>
+            <a:fld id="{72CFCDD0-4EBB-4046-9414-A4AED8ED2FDD}" type="datetimeFigureOut">
+              <a:rPr lang="en-US" smtClean="0"/>
+              <a:t>7/17/2023</a:t>
+            </a:fld>
+            <a:endParaRPr lang="en-US"/>
+          </a:p>
+        </p:txBody>
+      </p:sp>
+      <p:sp>
+        <p:nvSpPr>
+          <p:cNvPr id="4" name="Folienbildplatzhalter 3"/>
+          <p:cNvSpPr>
+            <a:spLocks noGrp="1" noRot="1" noChangeAspect="1"/>
+          </p:cNvSpPr>
+          <p:nvPr>
+            <p:ph type="sldImg" idx="2"/>
+          </p:nvPr>
+        </p:nvSpPr>
+        <p:spPr>
+          <a:xfrm>
+            <a:off x="685800" y="1143000"/>
+            <a:ext cx="5486400" cy="3086100"/>
+          </a:xfrm>
+          <a:prstGeom prst="rect">
+            <a:avLst/>
+          </a:prstGeom>
+          <a:noFill/>
+          <a:ln w="12700">
+            <a:solidFill>
+              <a:prstClr val="black"/>
+            </a:solidFill>
+          </a:ln>
+        </p:spPr>
+        <p:txBody>
+          <a:bodyPr vert="horz" lIns="91440" tIns="45720" rIns="91440" bIns="45720" rtlCol="0" anchor="ctr"/>
+          <a:lstStyle/>
+          <a:p>
+            <a:endParaRPr lang="en-US"/>
+          </a:p>
+        </p:txBody>
+      </p:sp>
+      <p:sp>
+        <p:nvSpPr>
+          <p:cNvPr id="5" name="Notizenplatzhalter 4"/>
+          <p:cNvSpPr>
+            <a:spLocks noGrp="1"/>
+          </p:cNvSpPr>
+          <p:nvPr>
+            <p:ph type="body" sz="quarter" idx="3"/>
+          </p:nvPr>
+        </p:nvSpPr>
+        <p:spPr>
+          <a:xfrm>
+            <a:off x="685800" y="4400550"/>
+            <a:ext cx="5486400" cy="3600450"/>
+          </a:xfrm>
+          <a:prstGeom prst="rect">
+            <a:avLst/>
+          </a:prstGeom>
+        </p:spPr>
+        <p:txBody>
+          <a:bodyPr vert="horz" lIns="91440" tIns="45720" rIns="91440" bIns="45720" rtlCol="0"/>
+          <a:lstStyle/>
+          <a:p>
+            <a:pPr lvl="0"/>
+            <a:r>
+              <a:rPr lang="de-DE"/>
+              <a:t>Mastertextformat bearbeiten</a:t>
+            </a:r>
+          </a:p>
+          <a:p>
+            <a:pPr lvl="1"/>
+            <a:r>
+              <a:rPr lang="de-DE"/>
+              <a:t>Zweite Ebene</a:t>
+            </a:r>
+          </a:p>
+          <a:p>
+            <a:pPr lvl="2"/>
+            <a:r>
+              <a:rPr lang="de-DE"/>
+              <a:t>Dritte Ebene</a:t>
+            </a:r>
+          </a:p>
+          <a:p>
+            <a:pPr lvl="3"/>
+            <a:r>
+              <a:rPr lang="de-DE"/>
+              <a:t>Vierte Ebene</a:t>
+            </a:r>
+          </a:p>
+          <a:p>
+            <a:pPr lvl="4"/>
+            <a:r>
+              <a:rPr lang="de-DE"/>
+              <a:t>Fünfte Ebene</a:t>
+            </a:r>
+            <a:endParaRPr lang="en-US"/>
+          </a:p>
+        </p:txBody>
+      </p:sp>
+      <p:sp>
+        <p:nvSpPr>
+          <p:cNvPr id="6" name="Fußzeilenplatzhalter 5"/>
+          <p:cNvSpPr>
+            <a:spLocks noGrp="1"/>
+          </p:cNvSpPr>
+          <p:nvPr>
+            <p:ph type="ftr" sz="quarter" idx="4"/>
+          </p:nvPr>
+        </p:nvSpPr>
+        <p:spPr>
+          <a:xfrm>
+            <a:off x="0" y="8685213"/>
+            <a:ext cx="2971800" cy="458787"/>
+          </a:xfrm>
+          <a:prstGeom prst="rect">
+            <a:avLst/>
+          </a:prstGeom>
+        </p:spPr>
+        <p:txBody>
+          <a:bodyPr vert="horz" lIns="91440" tIns="45720" rIns="91440" bIns="45720" rtlCol="0" anchor="b"/>
+          <a:lstStyle>
+            <a:lvl1pPr algn="l">
+              <a:defRPr sz="1200"/>
+            </a:lvl1pPr>
+          </a:lstStyle>
+          <a:p>
+            <a:endParaRPr lang="en-US"/>
+          </a:p>
+        </p:txBody>
+      </p:sp>
+      <p:sp>
+        <p:nvSpPr>
+          <p:cNvPr id="7" name="Foliennummernplatzhalter 6"/>
+          <p:cNvSpPr>
+            <a:spLocks noGrp="1"/>
+          </p:cNvSpPr>
+          <p:nvPr>
+            <p:ph type="sldNum" sz="quarter" idx="5"/>
+          </p:nvPr>
+        </p:nvSpPr>
+        <p:spPr>
+          <a:xfrm>
+            <a:off x="3884613" y="8685213"/>
+            <a:ext cx="2971800" cy="458787"/>
+          </a:xfrm>
+          <a:prstGeom prst="rect">
+            <a:avLst/>
+          </a:prstGeom>
+        </p:spPr>
+        <p:txBody>
+          <a:bodyPr vert="horz" lIns="91440" tIns="45720" rIns="91440" bIns="45720" rtlCol="0" anchor="b"/>
+          <a:lstStyle>
+            <a:lvl1pPr algn="r">
+              <a:defRPr sz="1200"/>
+            </a:lvl1pPr>
+          </a:lstStyle>
+          <a:p>
+            <a:fld id="{1F91B3E6-C29F-4C8F-A25D-9C9B34353B62}" type="slidenum">
+              <a:rPr lang="en-US" smtClean="0"/>
+              <a:t>‹Nr.›</a:t>
+            </a:fld>
+            <a:endParaRPr lang="en-US"/>
+          </a:p>
+        </p:txBody>
+      </p:sp>
+    </p:spTree>
+    <p:extLst>
+      <p:ext uri="{BB962C8B-B14F-4D97-AF65-F5344CB8AC3E}">
+        <p14:creationId xmlns:p14="http://schemas.microsoft.com/office/powerpoint/2010/main" val="1755371074"/>
+      </p:ext>
+    </p:extLst>
+  </p:cSld>
+  <p:clrMap bg1="lt1" tx1="dk1" bg2="lt2" tx2="dk2" accent1="accent1" accent2="accent2" accent3="accent3" accent4="accent4" accent5="accent5" accent6="accent6" hlink="hlink" folHlink="folHlink"/>
+  <p:notesStyle>
+    <a:lvl1pPr marL="0" algn="l" defTabSz="914400" rtl="0" eaLnBrk="1" latinLnBrk="0" hangingPunct="1">
+      <a:defRPr sz="1200" kern="1200">
+        <a:solidFill>
+          <a:schemeClr val="tx1"/>
+        </a:solidFill>
+        <a:latin typeface="+mn-lt"/>
+        <a:ea typeface="+mn-ea"/>
+        <a:cs typeface="+mn-cs"/>
+      </a:defRPr>
+    </a:lvl1pPr>
+    <a:lvl2pPr marL="457200" algn="l" defTabSz="914400" rtl="0" eaLnBrk="1" latinLnBrk="0" hangingPunct="1">
+      <a:defRPr sz="1200" kern="1200">
+        <a:solidFill>
+          <a:schemeClr val="tx1"/>
+        </a:solidFill>
+        <a:latin typeface="+mn-lt"/>
+        <a:ea typeface="+mn-ea"/>
+        <a:cs typeface="+mn-cs"/>
+      </a:defRPr>
+    </a:lvl2pPr>
+    <a:lvl3pPr marL="914400" algn="l" defTabSz="914400" rtl="0" eaLnBrk="1" latinLnBrk="0" hangingPunct="1">
+      <a:defRPr sz="1200" kern="1200">
+        <a:solidFill>
+          <a:schemeClr val="tx1"/>
+        </a:solidFill>
+        <a:latin typeface="+mn-lt"/>
+        <a:ea typeface="+mn-ea"/>
+        <a:cs typeface="+mn-cs"/>
+      </a:defRPr>
+    </a:lvl3pPr>
+    <a:lvl4pPr marL="1371600" algn="l" defTabSz="914400" rtl="0" eaLnBrk="1" latinLnBrk="0" hangingPunct="1">
+      <a:defRPr sz="1200" kern="1200">
+        <a:solidFill>
+          <a:schemeClr val="tx1"/>
+        </a:solidFill>
+        <a:latin typeface="+mn-lt"/>
+        <a:ea typeface="+mn-ea"/>
+        <a:cs typeface="+mn-cs"/>
+      </a:defRPr>
+    </a:lvl4pPr>
+    <a:lvl5pPr marL="1828800" algn="l" defTabSz="914400" rtl="0" eaLnBrk="1" latinLnBrk="0" hangingPunct="1">
+      <a:defRPr sz="1200" kern="1200">
+        <a:solidFill>
+          <a:schemeClr val="tx1"/>
+        </a:solidFill>
+        <a:latin typeface="+mn-lt"/>
+        <a:ea typeface="+mn-ea"/>
+        <a:cs typeface="+mn-cs"/>
+      </a:defRPr>
+    </a:lvl5pPr>
+    <a:lvl6pPr marL="2286000" algn="l" defTabSz="914400" rtl="0" eaLnBrk="1" latinLnBrk="0" hangingPunct="1">
+      <a:defRPr sz="1200" kern="1200">
+        <a:solidFill>
+          <a:schemeClr val="tx1"/>
+        </a:solidFill>
+        <a:latin typeface="+mn-lt"/>
+        <a:ea typeface="+mn-ea"/>
+        <a:cs typeface="+mn-cs"/>
+      </a:defRPr>
+    </a:lvl6pPr>
+    <a:lvl7pPr marL="2743200" algn="l" defTabSz="914400" rtl="0" eaLnBrk="1" latinLnBrk="0" hangingPunct="1">
+      <a:defRPr sz="1200" kern="1200">
+        <a:solidFill>
+          <a:schemeClr val="tx1"/>
+        </a:solidFill>
+        <a:latin typeface="+mn-lt"/>
+        <a:ea typeface="+mn-ea"/>
+        <a:cs typeface="+mn-cs"/>
+      </a:defRPr>
+    </a:lvl7pPr>
+    <a:lvl8pPr marL="3200400" algn="l" defTabSz="914400" rtl="0" eaLnBrk="1" latinLnBrk="0" hangingPunct="1">
+      <a:defRPr sz="1200" kern="1200">
+        <a:solidFill>
+          <a:schemeClr val="tx1"/>
+        </a:solidFill>
+        <a:latin typeface="+mn-lt"/>
+        <a:ea typeface="+mn-ea"/>
+        <a:cs typeface="+mn-cs"/>
+      </a:defRPr>
+    </a:lvl8pPr>
+    <a:lvl9pPr marL="3657600" algn="l" defTabSz="914400" rtl="0" eaLnBrk="1" latinLnBrk="0" hangingPunct="1">
+      <a:defRPr sz="1200" kern="1200">
+        <a:solidFill>
+          <a:schemeClr val="tx1"/>
+        </a:solidFill>
+        <a:latin typeface="+mn-lt"/>
+        <a:ea typeface="+mn-ea"/>
+        <a:cs typeface="+mn-cs"/>
+      </a:defRPr>
+    </a:lvl9pPr>
+  </p:notesStyle>
+</p:notesMaster>
+</file>
+
 <file path=ppt/slideLayouts/slideLayout1.xml><?xml version="1.0" encoding="utf-8"?>
 <p:sldLayout xmlns:a="http://schemas.openxmlformats.org/drawingml/2006/main" xmlns:r="http://schemas.openxmlformats.org/officeDocument/2006/relationships" xmlns:p="http://schemas.openxmlformats.org/presentationml/2006/main" type="title" preserve="1">
   <p:cSld name="Titelfolie">
@@ -3874,7 +5048,7 @@
           <a:p>
             <a:fld id="{D994598B-DFB4-4A04-BDA2-CFCABF96753D}" type="datetimeFigureOut">
               <a:rPr lang="de-DE" smtClean="0"/>
-              <a:t>13.07.2023</a:t>
+              <a:t>14.07.2023</a:t>
             </a:fld>
             <a:endParaRPr lang="de-DE"/>
           </a:p>
@@ -4072,7 +5246,7 @@
           <a:p>
             <a:fld id="{D994598B-DFB4-4A04-BDA2-CFCABF96753D}" type="datetimeFigureOut">
               <a:rPr lang="de-DE" smtClean="0"/>
-              <a:t>13.07.2023</a:t>
+              <a:t>14.07.2023</a:t>
             </a:fld>
             <a:endParaRPr lang="de-DE"/>
           </a:p>
@@ -4280,7 +5454,7 @@
           <a:p>
             <a:fld id="{D994598B-DFB4-4A04-BDA2-CFCABF96753D}" type="datetimeFigureOut">
               <a:rPr lang="de-DE" smtClean="0"/>
-              <a:t>13.07.2023</a:t>
+              <a:t>14.07.2023</a:t>
             </a:fld>
             <a:endParaRPr lang="de-DE"/>
           </a:p>
@@ -4478,7 +5652,7 @@
           <a:p>
             <a:fld id="{D994598B-DFB4-4A04-BDA2-CFCABF96753D}" type="datetimeFigureOut">
               <a:rPr lang="de-DE" smtClean="0"/>
-              <a:t>13.07.2023</a:t>
+              <a:t>14.07.2023</a:t>
             </a:fld>
             <a:endParaRPr lang="de-DE"/>
           </a:p>
@@ -4753,7 +5927,7 @@
           <a:p>
             <a:fld id="{D994598B-DFB4-4A04-BDA2-CFCABF96753D}" type="datetimeFigureOut">
               <a:rPr lang="de-DE" smtClean="0"/>
-              <a:t>13.07.2023</a:t>
+              <a:t>14.07.2023</a:t>
             </a:fld>
             <a:endParaRPr lang="de-DE"/>
           </a:p>
@@ -5018,7 +6192,7 @@
           <a:p>
             <a:fld id="{D994598B-DFB4-4A04-BDA2-CFCABF96753D}" type="datetimeFigureOut">
               <a:rPr lang="de-DE" smtClean="0"/>
-              <a:t>13.07.2023</a:t>
+              <a:t>14.07.2023</a:t>
             </a:fld>
             <a:endParaRPr lang="de-DE"/>
           </a:p>
@@ -5430,7 +6604,7 @@
           <a:p>
             <a:fld id="{D994598B-DFB4-4A04-BDA2-CFCABF96753D}" type="datetimeFigureOut">
               <a:rPr lang="de-DE" smtClean="0"/>
-              <a:t>13.07.2023</a:t>
+              <a:t>14.07.2023</a:t>
             </a:fld>
             <a:endParaRPr lang="de-DE"/>
           </a:p>
@@ -5571,7 +6745,7 @@
           <a:p>
             <a:fld id="{D994598B-DFB4-4A04-BDA2-CFCABF96753D}" type="datetimeFigureOut">
               <a:rPr lang="de-DE" smtClean="0"/>
-              <a:t>13.07.2023</a:t>
+              <a:t>14.07.2023</a:t>
             </a:fld>
             <a:endParaRPr lang="de-DE"/>
           </a:p>
@@ -5684,7 +6858,7 @@
           <a:p>
             <a:fld id="{D994598B-DFB4-4A04-BDA2-CFCABF96753D}" type="datetimeFigureOut">
               <a:rPr lang="de-DE" smtClean="0"/>
-              <a:t>13.07.2023</a:t>
+              <a:t>14.07.2023</a:t>
             </a:fld>
             <a:endParaRPr lang="de-DE"/>
           </a:p>
@@ -5995,7 +7169,7 @@
           <a:p>
             <a:fld id="{D994598B-DFB4-4A04-BDA2-CFCABF96753D}" type="datetimeFigureOut">
               <a:rPr lang="de-DE" smtClean="0"/>
-              <a:t>13.07.2023</a:t>
+              <a:t>14.07.2023</a:t>
             </a:fld>
             <a:endParaRPr lang="de-DE"/>
           </a:p>
@@ -6283,7 +7457,7 @@
           <a:p>
             <a:fld id="{D994598B-DFB4-4A04-BDA2-CFCABF96753D}" type="datetimeFigureOut">
               <a:rPr lang="de-DE" smtClean="0"/>
-              <a:t>13.07.2023</a:t>
+              <a:t>14.07.2023</a:t>
             </a:fld>
             <a:endParaRPr lang="de-DE"/>
           </a:p>
@@ -6524,7 +7698,7 @@
           <a:p>
             <a:fld id="{D994598B-DFB4-4A04-BDA2-CFCABF96753D}" type="datetimeFigureOut">
               <a:rPr lang="de-DE" smtClean="0"/>
-              <a:t>13.07.2023</a:t>
+              <a:t>14.07.2023</a:t>
             </a:fld>
             <a:endParaRPr lang="de-DE"/>
           </a:p>
@@ -7234,6 +8408,2265 @@
 </p:sld>
 </file>
 
+<file path=ppt/slides/slide10.xml><?xml version="1.0" encoding="utf-8"?>
+<p:sld xmlns:a="http://schemas.openxmlformats.org/drawingml/2006/main" xmlns:r="http://schemas.openxmlformats.org/officeDocument/2006/relationships" xmlns:p="http://schemas.openxmlformats.org/presentationml/2006/main">
+  <p:cSld>
+    <p:spTree>
+      <p:nvGrpSpPr>
+        <p:cNvPr id="1" name=""/>
+        <p:cNvGrpSpPr/>
+        <p:nvPr/>
+      </p:nvGrpSpPr>
+      <p:grpSpPr>
+        <a:xfrm>
+          <a:off x="0" y="0"/>
+          <a:ext cx="0" cy="0"/>
+          <a:chOff x="0" y="0"/>
+          <a:chExt cx="0" cy="0"/>
+        </a:xfrm>
+      </p:grpSpPr>
+      <p:sp>
+        <p:nvSpPr>
+          <p:cNvPr id="2" name="Titel 1">
+            <a:extLst>
+              <a:ext uri="{FF2B5EF4-FFF2-40B4-BE49-F238E27FC236}">
+                <a16:creationId xmlns:a16="http://schemas.microsoft.com/office/drawing/2014/main" id="{6F16C986-C0BD-DE5B-9E53-5F10D6D0EF24}"/>
+              </a:ext>
+            </a:extLst>
+          </p:cNvPr>
+          <p:cNvSpPr>
+            <a:spLocks noGrp="1"/>
+          </p:cNvSpPr>
+          <p:nvPr>
+            <p:ph type="title"/>
+          </p:nvPr>
+        </p:nvSpPr>
+        <p:spPr/>
+        <p:txBody>
+          <a:bodyPr/>
+          <a:lstStyle/>
+          <a:p>
+            <a:r>
+              <a:rPr lang="en-US"/>
+              <a:t>Grain Counting Anomalies</a:t>
+            </a:r>
+            <a:endParaRPr lang="en-US" dirty="0"/>
+          </a:p>
+        </p:txBody>
+      </p:sp>
+      <p:pic>
+        <p:nvPicPr>
+          <p:cNvPr id="5" name="Grafik 4">
+            <a:extLst>
+              <a:ext uri="{FF2B5EF4-FFF2-40B4-BE49-F238E27FC236}">
+                <a16:creationId xmlns:a16="http://schemas.microsoft.com/office/drawing/2014/main" id="{6CC31F3F-D2DA-D4AC-85F3-5903B25C6263}"/>
+              </a:ext>
+            </a:extLst>
+          </p:cNvPr>
+          <p:cNvPicPr>
+            <a:picLocks noChangeAspect="1"/>
+          </p:cNvPicPr>
+          <p:nvPr/>
+        </p:nvPicPr>
+        <p:blipFill rotWithShape="1">
+          <a:blip r:embed="rId2">
+            <a:extLst>
+              <a:ext uri="{28A0092B-C50C-407E-A947-70E740481C1C}">
+                <a14:useLocalDpi xmlns:a14="http://schemas.microsoft.com/office/drawing/2010/main" val="0"/>
+              </a:ext>
+            </a:extLst>
+          </a:blip>
+          <a:srcRect l="22929" t="27340" r="13435" b="28485"/>
+          <a:stretch/>
+        </p:blipFill>
+        <p:spPr>
+          <a:xfrm>
+            <a:off x="838200" y="2318327"/>
+            <a:ext cx="5818908" cy="3029527"/>
+          </a:xfrm>
+          <a:prstGeom prst="rect">
+            <a:avLst/>
+          </a:prstGeom>
+        </p:spPr>
+      </p:pic>
+      <p:pic>
+        <p:nvPicPr>
+          <p:cNvPr id="7" name="Grafik 6" descr="Ein Bild, das Person enthält.&#10;&#10;Automatisch generierte Beschreibung">
+            <a:extLst>
+              <a:ext uri="{FF2B5EF4-FFF2-40B4-BE49-F238E27FC236}">
+                <a16:creationId xmlns:a16="http://schemas.microsoft.com/office/drawing/2014/main" id="{B54974B6-23FB-AF18-01E8-11B3CFBD13FD}"/>
+              </a:ext>
+            </a:extLst>
+          </p:cNvPr>
+          <p:cNvPicPr>
+            <a:picLocks noChangeAspect="1"/>
+          </p:cNvPicPr>
+          <p:nvPr/>
+        </p:nvPicPr>
+        <p:blipFill>
+          <a:blip r:embed="rId3">
+            <a:extLst>
+              <a:ext uri="{28A0092B-C50C-407E-A947-70E740481C1C}">
+                <a14:useLocalDpi xmlns:a14="http://schemas.microsoft.com/office/drawing/2010/main" val="0"/>
+              </a:ext>
+            </a:extLst>
+          </a:blip>
+          <a:stretch>
+            <a:fillRect/>
+          </a:stretch>
+        </p:blipFill>
+        <p:spPr>
+          <a:xfrm>
+            <a:off x="7403523" y="1508990"/>
+            <a:ext cx="3486150" cy="4648200"/>
+          </a:xfrm>
+          <a:prstGeom prst="rect">
+            <a:avLst/>
+          </a:prstGeom>
+        </p:spPr>
+      </p:pic>
+    </p:spTree>
+    <p:extLst>
+      <p:ext uri="{BB962C8B-B14F-4D97-AF65-F5344CB8AC3E}">
+        <p14:creationId xmlns:p14="http://schemas.microsoft.com/office/powerpoint/2010/main" val="565871290"/>
+      </p:ext>
+    </p:extLst>
+  </p:cSld>
+  <p:clrMapOvr>
+    <a:masterClrMapping/>
+  </p:clrMapOvr>
+</p:sld>
+</file>
+
+<file path=ppt/slides/slide11.xml><?xml version="1.0" encoding="utf-8"?>
+<p:sld xmlns:a="http://schemas.openxmlformats.org/drawingml/2006/main" xmlns:r="http://schemas.openxmlformats.org/officeDocument/2006/relationships" xmlns:p="http://schemas.openxmlformats.org/presentationml/2006/main">
+  <p:cSld>
+    <p:spTree>
+      <p:nvGrpSpPr>
+        <p:cNvPr id="1" name=""/>
+        <p:cNvGrpSpPr/>
+        <p:nvPr/>
+      </p:nvGrpSpPr>
+      <p:grpSpPr>
+        <a:xfrm>
+          <a:off x="0" y="0"/>
+          <a:ext cx="0" cy="0"/>
+          <a:chOff x="0" y="0"/>
+          <a:chExt cx="0" cy="0"/>
+        </a:xfrm>
+      </p:grpSpPr>
+      <p:sp>
+        <p:nvSpPr>
+          <p:cNvPr id="2" name="Titel 1">
+            <a:extLst>
+              <a:ext uri="{FF2B5EF4-FFF2-40B4-BE49-F238E27FC236}">
+                <a16:creationId xmlns:a16="http://schemas.microsoft.com/office/drawing/2014/main" id="{94E5F6DF-6AB8-399C-D5B2-1188A3087BB0}"/>
+              </a:ext>
+            </a:extLst>
+          </p:cNvPr>
+          <p:cNvSpPr>
+            <a:spLocks noGrp="1"/>
+          </p:cNvSpPr>
+          <p:nvPr>
+            <p:ph type="title"/>
+          </p:nvPr>
+        </p:nvSpPr>
+        <p:spPr/>
+        <p:txBody>
+          <a:bodyPr/>
+          <a:lstStyle/>
+          <a:p>
+            <a:r>
+              <a:rPr lang="en-US" dirty="0"/>
+              <a:t>Statistical testing and visualization</a:t>
+            </a:r>
+          </a:p>
+        </p:txBody>
+      </p:sp>
+      <p:sp>
+        <p:nvSpPr>
+          <p:cNvPr id="3" name="Inhaltsplatzhalter 2">
+            <a:extLst>
+              <a:ext uri="{FF2B5EF4-FFF2-40B4-BE49-F238E27FC236}">
+                <a16:creationId xmlns:a16="http://schemas.microsoft.com/office/drawing/2014/main" id="{482C0FBC-BCD7-380F-F5D8-0C361828212C}"/>
+              </a:ext>
+            </a:extLst>
+          </p:cNvPr>
+          <p:cNvSpPr>
+            <a:spLocks noGrp="1"/>
+          </p:cNvSpPr>
+          <p:nvPr>
+            <p:ph idx="1"/>
+          </p:nvPr>
+        </p:nvSpPr>
+        <p:spPr/>
+        <p:txBody>
+          <a:bodyPr/>
+          <a:lstStyle/>
+          <a:p>
+            <a:r>
+              <a:rPr lang="en-US" dirty="0"/>
+              <a:t>For Hypothesis 1-3</a:t>
+            </a:r>
+          </a:p>
+          <a:p>
+            <a:pPr lvl="1"/>
+            <a:r>
+              <a:rPr lang="en-US" dirty="0"/>
+              <a:t>Data manipulation with R</a:t>
+            </a:r>
+          </a:p>
+          <a:p>
+            <a:pPr lvl="1"/>
+            <a:r>
+              <a:rPr lang="en-US" dirty="0"/>
+              <a:t>Data visualization with R</a:t>
+            </a:r>
+          </a:p>
+          <a:p>
+            <a:pPr lvl="2"/>
+            <a:r>
+              <a:rPr lang="en-US" dirty="0"/>
+              <a:t>Boxplots with </a:t>
+            </a:r>
+            <a:r>
+              <a:rPr lang="en-US" dirty="0" err="1"/>
+              <a:t>Scatterpoints</a:t>
+            </a:r>
+            <a:endParaRPr lang="en-US" dirty="0"/>
+          </a:p>
+          <a:p>
+            <a:pPr lvl="2"/>
+            <a:r>
+              <a:rPr lang="en-US" dirty="0"/>
+              <a:t>T-tests for significance testing</a:t>
+            </a:r>
+          </a:p>
+          <a:p>
+            <a:r>
+              <a:rPr lang="en-US" dirty="0"/>
+              <a:t>For Hypothesis 4</a:t>
+            </a:r>
+          </a:p>
+          <a:p>
+            <a:pPr lvl="1"/>
+            <a:r>
+              <a:rPr lang="en-US" dirty="0"/>
+              <a:t>Data manipulation with R</a:t>
+            </a:r>
+          </a:p>
+          <a:p>
+            <a:pPr lvl="1"/>
+            <a:r>
+              <a:rPr lang="en-US" dirty="0"/>
+              <a:t>Data visualization with R</a:t>
+            </a:r>
+          </a:p>
+          <a:p>
+            <a:pPr lvl="2"/>
+            <a:r>
+              <a:rPr lang="en-US" dirty="0"/>
+              <a:t>Line graph</a:t>
+            </a:r>
+          </a:p>
+          <a:p>
+            <a:pPr lvl="2"/>
+            <a:r>
+              <a:rPr lang="en-US" dirty="0"/>
+              <a:t>Standard deviations</a:t>
+            </a:r>
+          </a:p>
+          <a:p>
+            <a:pPr lvl="1"/>
+            <a:endParaRPr lang="en-US" dirty="0"/>
+          </a:p>
+        </p:txBody>
+      </p:sp>
+    </p:spTree>
+    <p:extLst>
+      <p:ext uri="{BB962C8B-B14F-4D97-AF65-F5344CB8AC3E}">
+        <p14:creationId xmlns:p14="http://schemas.microsoft.com/office/powerpoint/2010/main" val="4172182033"/>
+      </p:ext>
+    </p:extLst>
+  </p:cSld>
+  <p:clrMapOvr>
+    <a:masterClrMapping/>
+  </p:clrMapOvr>
+</p:sld>
+</file>
+
+<file path=ppt/slides/slide12.xml><?xml version="1.0" encoding="utf-8"?>
+<p:sld xmlns:a="http://schemas.openxmlformats.org/drawingml/2006/main" xmlns:r="http://schemas.openxmlformats.org/officeDocument/2006/relationships" xmlns:p="http://schemas.openxmlformats.org/presentationml/2006/main">
+  <p:cSld>
+    <p:spTree>
+      <p:nvGrpSpPr>
+        <p:cNvPr id="1" name=""/>
+        <p:cNvGrpSpPr/>
+        <p:nvPr/>
+      </p:nvGrpSpPr>
+      <p:grpSpPr>
+        <a:xfrm>
+          <a:off x="0" y="0"/>
+          <a:ext cx="0" cy="0"/>
+          <a:chOff x="0" y="0"/>
+          <a:chExt cx="0" cy="0"/>
+        </a:xfrm>
+      </p:grpSpPr>
+      <p:sp>
+        <p:nvSpPr>
+          <p:cNvPr id="2" name="Titel 1">
+            <a:extLst>
+              <a:ext uri="{FF2B5EF4-FFF2-40B4-BE49-F238E27FC236}">
+                <a16:creationId xmlns:a16="http://schemas.microsoft.com/office/drawing/2014/main" id="{8D506A20-1A93-3BB5-A96D-70708777E5C6}"/>
+              </a:ext>
+            </a:extLst>
+          </p:cNvPr>
+          <p:cNvSpPr>
+            <a:spLocks noGrp="1"/>
+          </p:cNvSpPr>
+          <p:nvPr>
+            <p:ph type="title"/>
+          </p:nvPr>
+        </p:nvSpPr>
+        <p:spPr/>
+        <p:txBody>
+          <a:bodyPr/>
+          <a:lstStyle/>
+          <a:p>
+            <a:r>
+              <a:rPr lang="en-US" dirty="0"/>
+              <a:t>Results (Hypothesis 1)</a:t>
+            </a:r>
+          </a:p>
+        </p:txBody>
+      </p:sp>
+      <p:pic>
+        <p:nvPicPr>
+          <p:cNvPr id="5" name="Inhaltsplatzhalter 4" descr="Ein Bild, das Text, Screenshot, Diagramm, Rechteck enthält.&#10;&#10;Automatisch generierte Beschreibung">
+            <a:extLst>
+              <a:ext uri="{FF2B5EF4-FFF2-40B4-BE49-F238E27FC236}">
+                <a16:creationId xmlns:a16="http://schemas.microsoft.com/office/drawing/2014/main" id="{2CE97369-6187-B950-8C0D-3B3A3EB24F7F}"/>
+              </a:ext>
+            </a:extLst>
+          </p:cNvPr>
+          <p:cNvPicPr>
+            <a:picLocks noGrp="1" noChangeAspect="1"/>
+          </p:cNvPicPr>
+          <p:nvPr>
+            <p:ph idx="1"/>
+          </p:nvPr>
+        </p:nvPicPr>
+        <p:blipFill>
+          <a:blip r:embed="rId2">
+            <a:extLst>
+              <a:ext uri="{28A0092B-C50C-407E-A947-70E740481C1C}">
+                <a14:useLocalDpi xmlns:a14="http://schemas.microsoft.com/office/drawing/2010/main" val="0"/>
+              </a:ext>
+            </a:extLst>
+          </a:blip>
+          <a:stretch>
+            <a:fillRect/>
+          </a:stretch>
+        </p:blipFill>
+        <p:spPr>
+          <a:xfrm>
+            <a:off x="838200" y="1690688"/>
+            <a:ext cx="4755070" cy="4351338"/>
+          </a:xfrm>
+        </p:spPr>
+      </p:pic>
+      <p:sp>
+        <p:nvSpPr>
+          <p:cNvPr id="6" name="Inhaltsplatzhalter 2">
+            <a:extLst>
+              <a:ext uri="{FF2B5EF4-FFF2-40B4-BE49-F238E27FC236}">
+                <a16:creationId xmlns:a16="http://schemas.microsoft.com/office/drawing/2014/main" id="{50F20F78-576E-5387-3CAA-3783F5595280}"/>
+              </a:ext>
+            </a:extLst>
+          </p:cNvPr>
+          <p:cNvSpPr txBox="1">
+            <a:spLocks/>
+          </p:cNvSpPr>
+          <p:nvPr/>
+        </p:nvSpPr>
+        <p:spPr>
+          <a:xfrm>
+            <a:off x="5624944" y="1825625"/>
+            <a:ext cx="5728855" cy="4351338"/>
+          </a:xfrm>
+          <a:prstGeom prst="rect">
+            <a:avLst/>
+          </a:prstGeom>
+        </p:spPr>
+        <p:txBody>
+          <a:bodyPr vert="horz" lIns="91440" tIns="45720" rIns="91440" bIns="45720" rtlCol="0">
+            <a:normAutofit/>
+          </a:bodyPr>
+          <a:lstStyle>
+            <a:lvl1pPr marL="228600" indent="-228600" algn="l" defTabSz="914400" rtl="0" eaLnBrk="1" latinLnBrk="0" hangingPunct="1">
+              <a:lnSpc>
+                <a:spcPct val="90000"/>
+              </a:lnSpc>
+              <a:spcBef>
+                <a:spcPts val="1000"/>
+              </a:spcBef>
+              <a:buFont typeface="Arial" panose="020B0604020202020204" pitchFamily="34" charset="0"/>
+              <a:buChar char="•"/>
+              <a:defRPr sz="2800" kern="1200">
+                <a:solidFill>
+                  <a:schemeClr val="tx1"/>
+                </a:solidFill>
+                <a:latin typeface="+mn-lt"/>
+                <a:ea typeface="+mn-ea"/>
+                <a:cs typeface="+mn-cs"/>
+              </a:defRPr>
+            </a:lvl1pPr>
+            <a:lvl2pPr marL="685800" indent="-228600" algn="l" defTabSz="914400" rtl="0" eaLnBrk="1" latinLnBrk="0" hangingPunct="1">
+              <a:lnSpc>
+                <a:spcPct val="90000"/>
+              </a:lnSpc>
+              <a:spcBef>
+                <a:spcPts val="500"/>
+              </a:spcBef>
+              <a:buFont typeface="Arial" panose="020B0604020202020204" pitchFamily="34" charset="0"/>
+              <a:buChar char="•"/>
+              <a:defRPr sz="2400" kern="1200">
+                <a:solidFill>
+                  <a:schemeClr val="tx1"/>
+                </a:solidFill>
+                <a:latin typeface="+mn-lt"/>
+                <a:ea typeface="+mn-ea"/>
+                <a:cs typeface="+mn-cs"/>
+              </a:defRPr>
+            </a:lvl2pPr>
+            <a:lvl3pPr marL="1143000" indent="-228600" algn="l" defTabSz="914400" rtl="0" eaLnBrk="1" latinLnBrk="0" hangingPunct="1">
+              <a:lnSpc>
+                <a:spcPct val="90000"/>
+              </a:lnSpc>
+              <a:spcBef>
+                <a:spcPts val="500"/>
+              </a:spcBef>
+              <a:buFont typeface="Arial" panose="020B0604020202020204" pitchFamily="34" charset="0"/>
+              <a:buChar char="•"/>
+              <a:defRPr sz="2000" kern="1200">
+                <a:solidFill>
+                  <a:schemeClr val="tx1"/>
+                </a:solidFill>
+                <a:latin typeface="+mn-lt"/>
+                <a:ea typeface="+mn-ea"/>
+                <a:cs typeface="+mn-cs"/>
+              </a:defRPr>
+            </a:lvl3pPr>
+            <a:lvl4pPr marL="1600200" indent="-228600" algn="l" defTabSz="914400" rtl="0" eaLnBrk="1" latinLnBrk="0" hangingPunct="1">
+              <a:lnSpc>
+                <a:spcPct val="90000"/>
+              </a:lnSpc>
+              <a:spcBef>
+                <a:spcPts val="500"/>
+              </a:spcBef>
+              <a:buFont typeface="Arial" panose="020B0604020202020204" pitchFamily="34" charset="0"/>
+              <a:buChar char="•"/>
+              <a:defRPr sz="1800" kern="1200">
+                <a:solidFill>
+                  <a:schemeClr val="tx1"/>
+                </a:solidFill>
+                <a:latin typeface="+mn-lt"/>
+                <a:ea typeface="+mn-ea"/>
+                <a:cs typeface="+mn-cs"/>
+              </a:defRPr>
+            </a:lvl4pPr>
+            <a:lvl5pPr marL="2057400" indent="-228600" algn="l" defTabSz="914400" rtl="0" eaLnBrk="1" latinLnBrk="0" hangingPunct="1">
+              <a:lnSpc>
+                <a:spcPct val="90000"/>
+              </a:lnSpc>
+              <a:spcBef>
+                <a:spcPts val="500"/>
+              </a:spcBef>
+              <a:buFont typeface="Arial" panose="020B0604020202020204" pitchFamily="34" charset="0"/>
+              <a:buChar char="•"/>
+              <a:defRPr sz="1800" kern="1200">
+                <a:solidFill>
+                  <a:schemeClr val="tx1"/>
+                </a:solidFill>
+                <a:latin typeface="+mn-lt"/>
+                <a:ea typeface="+mn-ea"/>
+                <a:cs typeface="+mn-cs"/>
+              </a:defRPr>
+            </a:lvl5pPr>
+            <a:lvl6pPr marL="2514600" indent="-228600" algn="l" defTabSz="914400" rtl="0" eaLnBrk="1" latinLnBrk="0" hangingPunct="1">
+              <a:lnSpc>
+                <a:spcPct val="90000"/>
+              </a:lnSpc>
+              <a:spcBef>
+                <a:spcPts val="500"/>
+              </a:spcBef>
+              <a:buFont typeface="Arial" panose="020B0604020202020204" pitchFamily="34" charset="0"/>
+              <a:buChar char="•"/>
+              <a:defRPr sz="1800" kern="1200">
+                <a:solidFill>
+                  <a:schemeClr val="tx1"/>
+                </a:solidFill>
+                <a:latin typeface="+mn-lt"/>
+                <a:ea typeface="+mn-ea"/>
+                <a:cs typeface="+mn-cs"/>
+              </a:defRPr>
+            </a:lvl6pPr>
+            <a:lvl7pPr marL="2971800" indent="-228600" algn="l" defTabSz="914400" rtl="0" eaLnBrk="1" latinLnBrk="0" hangingPunct="1">
+              <a:lnSpc>
+                <a:spcPct val="90000"/>
+              </a:lnSpc>
+              <a:spcBef>
+                <a:spcPts val="500"/>
+              </a:spcBef>
+              <a:buFont typeface="Arial" panose="020B0604020202020204" pitchFamily="34" charset="0"/>
+              <a:buChar char="•"/>
+              <a:defRPr sz="1800" kern="1200">
+                <a:solidFill>
+                  <a:schemeClr val="tx1"/>
+                </a:solidFill>
+                <a:latin typeface="+mn-lt"/>
+                <a:ea typeface="+mn-ea"/>
+                <a:cs typeface="+mn-cs"/>
+              </a:defRPr>
+            </a:lvl7pPr>
+            <a:lvl8pPr marL="3429000" indent="-228600" algn="l" defTabSz="914400" rtl="0" eaLnBrk="1" latinLnBrk="0" hangingPunct="1">
+              <a:lnSpc>
+                <a:spcPct val="90000"/>
+              </a:lnSpc>
+              <a:spcBef>
+                <a:spcPts val="500"/>
+              </a:spcBef>
+              <a:buFont typeface="Arial" panose="020B0604020202020204" pitchFamily="34" charset="0"/>
+              <a:buChar char="•"/>
+              <a:defRPr sz="1800" kern="1200">
+                <a:solidFill>
+                  <a:schemeClr val="tx1"/>
+                </a:solidFill>
+                <a:latin typeface="+mn-lt"/>
+                <a:ea typeface="+mn-ea"/>
+                <a:cs typeface="+mn-cs"/>
+              </a:defRPr>
+            </a:lvl8pPr>
+            <a:lvl9pPr marL="3886200" indent="-228600" algn="l" defTabSz="914400" rtl="0" eaLnBrk="1" latinLnBrk="0" hangingPunct="1">
+              <a:lnSpc>
+                <a:spcPct val="90000"/>
+              </a:lnSpc>
+              <a:spcBef>
+                <a:spcPts val="500"/>
+              </a:spcBef>
+              <a:buFont typeface="Arial" panose="020B0604020202020204" pitchFamily="34" charset="0"/>
+              <a:buChar char="•"/>
+              <a:defRPr sz="1800" kern="1200">
+                <a:solidFill>
+                  <a:schemeClr val="tx1"/>
+                </a:solidFill>
+                <a:latin typeface="+mn-lt"/>
+                <a:ea typeface="+mn-ea"/>
+                <a:cs typeface="+mn-cs"/>
+              </a:defRPr>
+            </a:lvl9pPr>
+          </a:lstStyle>
+          <a:p>
+            <a:r>
+              <a:rPr lang="en-US" dirty="0"/>
+              <a:t>“Treatments with early sowing will have different (</a:t>
+            </a:r>
+            <a:r>
+              <a:rPr lang="en-US" dirty="0" err="1"/>
+              <a:t>a</a:t>
+            </a:r>
+            <a:r>
+              <a:rPr lang="en-US" dirty="0" err="1">
+                <a:latin typeface="Calibri" panose="020F0502020204030204" pitchFamily="34" charset="0"/>
+                <a:cs typeface="Calibri" panose="020F0502020204030204" pitchFamily="34" charset="0"/>
+              </a:rPr>
+              <a:t>≠b</a:t>
+            </a:r>
+            <a:r>
+              <a:rPr lang="en-US" dirty="0"/>
+              <a:t>) grain counts compared to those with late sowing”</a:t>
+            </a:r>
+          </a:p>
+          <a:p>
+            <a:pPr lvl="1"/>
+            <a:r>
+              <a:rPr lang="en-US" dirty="0"/>
+              <a:t>No significant difference</a:t>
+            </a:r>
+          </a:p>
+          <a:p>
+            <a:pPr lvl="1"/>
+            <a:r>
+              <a:rPr lang="en-US" dirty="0"/>
+              <a:t>Early sowing shows a higher variance</a:t>
+            </a:r>
+          </a:p>
+          <a:p>
+            <a:endParaRPr lang="en-US" dirty="0"/>
+          </a:p>
+          <a:p>
+            <a:endParaRPr lang="en-US" dirty="0"/>
+          </a:p>
+        </p:txBody>
+      </p:sp>
+    </p:spTree>
+    <p:extLst>
+      <p:ext uri="{BB962C8B-B14F-4D97-AF65-F5344CB8AC3E}">
+        <p14:creationId xmlns:p14="http://schemas.microsoft.com/office/powerpoint/2010/main" val="1534030064"/>
+      </p:ext>
+    </p:extLst>
+  </p:cSld>
+  <p:clrMapOvr>
+    <a:masterClrMapping/>
+  </p:clrMapOvr>
+</p:sld>
+</file>
+
+<file path=ppt/slides/slide13.xml><?xml version="1.0" encoding="utf-8"?>
+<p:sld xmlns:a="http://schemas.openxmlformats.org/drawingml/2006/main" xmlns:r="http://schemas.openxmlformats.org/officeDocument/2006/relationships" xmlns:p="http://schemas.openxmlformats.org/presentationml/2006/main">
+  <p:cSld>
+    <p:spTree>
+      <p:nvGrpSpPr>
+        <p:cNvPr id="1" name=""/>
+        <p:cNvGrpSpPr/>
+        <p:nvPr/>
+      </p:nvGrpSpPr>
+      <p:grpSpPr>
+        <a:xfrm>
+          <a:off x="0" y="0"/>
+          <a:ext cx="0" cy="0"/>
+          <a:chOff x="0" y="0"/>
+          <a:chExt cx="0" cy="0"/>
+        </a:xfrm>
+      </p:grpSpPr>
+      <p:sp>
+        <p:nvSpPr>
+          <p:cNvPr id="2" name="Titel 1">
+            <a:extLst>
+              <a:ext uri="{FF2B5EF4-FFF2-40B4-BE49-F238E27FC236}">
+                <a16:creationId xmlns:a16="http://schemas.microsoft.com/office/drawing/2014/main" id="{A1407B71-ADC3-551D-4A85-6234A95D234F}"/>
+              </a:ext>
+            </a:extLst>
+          </p:cNvPr>
+          <p:cNvSpPr>
+            <a:spLocks noGrp="1"/>
+          </p:cNvSpPr>
+          <p:nvPr>
+            <p:ph type="title"/>
+          </p:nvPr>
+        </p:nvSpPr>
+        <p:spPr/>
+        <p:txBody>
+          <a:bodyPr/>
+          <a:lstStyle/>
+          <a:p>
+            <a:r>
+              <a:rPr lang="en-US" dirty="0"/>
+              <a:t>Results (Hypothesis 2)</a:t>
+            </a:r>
+          </a:p>
+        </p:txBody>
+      </p:sp>
+      <p:pic>
+        <p:nvPicPr>
+          <p:cNvPr id="9" name="Inhaltsplatzhalter 8" descr="Ein Bild, das Text, Screenshot, Diagramm, Zahl enthält.&#10;&#10;Automatisch generierte Beschreibung">
+            <a:extLst>
+              <a:ext uri="{FF2B5EF4-FFF2-40B4-BE49-F238E27FC236}">
+                <a16:creationId xmlns:a16="http://schemas.microsoft.com/office/drawing/2014/main" id="{5AB96289-3BB1-13DD-9446-7C365C5BEFE9}"/>
+              </a:ext>
+            </a:extLst>
+          </p:cNvPr>
+          <p:cNvPicPr>
+            <a:picLocks noGrp="1" noChangeAspect="1"/>
+          </p:cNvPicPr>
+          <p:nvPr>
+            <p:ph idx="1"/>
+          </p:nvPr>
+        </p:nvPicPr>
+        <p:blipFill>
+          <a:blip r:embed="rId2">
+            <a:extLst>
+              <a:ext uri="{28A0092B-C50C-407E-A947-70E740481C1C}">
+                <a14:useLocalDpi xmlns:a14="http://schemas.microsoft.com/office/drawing/2010/main" val="0"/>
+              </a:ext>
+            </a:extLst>
+          </a:blip>
+          <a:stretch>
+            <a:fillRect/>
+          </a:stretch>
+        </p:blipFill>
+        <p:spPr>
+          <a:xfrm>
+            <a:off x="838200" y="1690688"/>
+            <a:ext cx="4755070" cy="4351338"/>
+          </a:xfrm>
+        </p:spPr>
+      </p:pic>
+      <p:sp>
+        <p:nvSpPr>
+          <p:cNvPr id="10" name="Inhaltsplatzhalter 2">
+            <a:extLst>
+              <a:ext uri="{FF2B5EF4-FFF2-40B4-BE49-F238E27FC236}">
+                <a16:creationId xmlns:a16="http://schemas.microsoft.com/office/drawing/2014/main" id="{1745E308-048F-24B8-C0F5-0AE6B115898B}"/>
+              </a:ext>
+            </a:extLst>
+          </p:cNvPr>
+          <p:cNvSpPr txBox="1">
+            <a:spLocks/>
+          </p:cNvSpPr>
+          <p:nvPr/>
+        </p:nvSpPr>
+        <p:spPr>
+          <a:xfrm>
+            <a:off x="5624944" y="1825625"/>
+            <a:ext cx="5728855" cy="4351338"/>
+          </a:xfrm>
+          <a:prstGeom prst="rect">
+            <a:avLst/>
+          </a:prstGeom>
+        </p:spPr>
+        <p:txBody>
+          <a:bodyPr vert="horz" lIns="91440" tIns="45720" rIns="91440" bIns="45720" rtlCol="0">
+            <a:normAutofit/>
+          </a:bodyPr>
+          <a:lstStyle>
+            <a:lvl1pPr marL="228600" indent="-228600" algn="l" defTabSz="914400" rtl="0" eaLnBrk="1" latinLnBrk="0" hangingPunct="1">
+              <a:lnSpc>
+                <a:spcPct val="90000"/>
+              </a:lnSpc>
+              <a:spcBef>
+                <a:spcPts val="1000"/>
+              </a:spcBef>
+              <a:buFont typeface="Arial" panose="020B0604020202020204" pitchFamily="34" charset="0"/>
+              <a:buChar char="•"/>
+              <a:defRPr sz="2800" kern="1200">
+                <a:solidFill>
+                  <a:schemeClr val="tx1"/>
+                </a:solidFill>
+                <a:latin typeface="+mn-lt"/>
+                <a:ea typeface="+mn-ea"/>
+                <a:cs typeface="+mn-cs"/>
+              </a:defRPr>
+            </a:lvl1pPr>
+            <a:lvl2pPr marL="685800" indent="-228600" algn="l" defTabSz="914400" rtl="0" eaLnBrk="1" latinLnBrk="0" hangingPunct="1">
+              <a:lnSpc>
+                <a:spcPct val="90000"/>
+              </a:lnSpc>
+              <a:spcBef>
+                <a:spcPts val="500"/>
+              </a:spcBef>
+              <a:buFont typeface="Arial" panose="020B0604020202020204" pitchFamily="34" charset="0"/>
+              <a:buChar char="•"/>
+              <a:defRPr sz="2400" kern="1200">
+                <a:solidFill>
+                  <a:schemeClr val="tx1"/>
+                </a:solidFill>
+                <a:latin typeface="+mn-lt"/>
+                <a:ea typeface="+mn-ea"/>
+                <a:cs typeface="+mn-cs"/>
+              </a:defRPr>
+            </a:lvl2pPr>
+            <a:lvl3pPr marL="1143000" indent="-228600" algn="l" defTabSz="914400" rtl="0" eaLnBrk="1" latinLnBrk="0" hangingPunct="1">
+              <a:lnSpc>
+                <a:spcPct val="90000"/>
+              </a:lnSpc>
+              <a:spcBef>
+                <a:spcPts val="500"/>
+              </a:spcBef>
+              <a:buFont typeface="Arial" panose="020B0604020202020204" pitchFamily="34" charset="0"/>
+              <a:buChar char="•"/>
+              <a:defRPr sz="2000" kern="1200">
+                <a:solidFill>
+                  <a:schemeClr val="tx1"/>
+                </a:solidFill>
+                <a:latin typeface="+mn-lt"/>
+                <a:ea typeface="+mn-ea"/>
+                <a:cs typeface="+mn-cs"/>
+              </a:defRPr>
+            </a:lvl3pPr>
+            <a:lvl4pPr marL="1600200" indent="-228600" algn="l" defTabSz="914400" rtl="0" eaLnBrk="1" latinLnBrk="0" hangingPunct="1">
+              <a:lnSpc>
+                <a:spcPct val="90000"/>
+              </a:lnSpc>
+              <a:spcBef>
+                <a:spcPts val="500"/>
+              </a:spcBef>
+              <a:buFont typeface="Arial" panose="020B0604020202020204" pitchFamily="34" charset="0"/>
+              <a:buChar char="•"/>
+              <a:defRPr sz="1800" kern="1200">
+                <a:solidFill>
+                  <a:schemeClr val="tx1"/>
+                </a:solidFill>
+                <a:latin typeface="+mn-lt"/>
+                <a:ea typeface="+mn-ea"/>
+                <a:cs typeface="+mn-cs"/>
+              </a:defRPr>
+            </a:lvl4pPr>
+            <a:lvl5pPr marL="2057400" indent="-228600" algn="l" defTabSz="914400" rtl="0" eaLnBrk="1" latinLnBrk="0" hangingPunct="1">
+              <a:lnSpc>
+                <a:spcPct val="90000"/>
+              </a:lnSpc>
+              <a:spcBef>
+                <a:spcPts val="500"/>
+              </a:spcBef>
+              <a:buFont typeface="Arial" panose="020B0604020202020204" pitchFamily="34" charset="0"/>
+              <a:buChar char="•"/>
+              <a:defRPr sz="1800" kern="1200">
+                <a:solidFill>
+                  <a:schemeClr val="tx1"/>
+                </a:solidFill>
+                <a:latin typeface="+mn-lt"/>
+                <a:ea typeface="+mn-ea"/>
+                <a:cs typeface="+mn-cs"/>
+              </a:defRPr>
+            </a:lvl5pPr>
+            <a:lvl6pPr marL="2514600" indent="-228600" algn="l" defTabSz="914400" rtl="0" eaLnBrk="1" latinLnBrk="0" hangingPunct="1">
+              <a:lnSpc>
+                <a:spcPct val="90000"/>
+              </a:lnSpc>
+              <a:spcBef>
+                <a:spcPts val="500"/>
+              </a:spcBef>
+              <a:buFont typeface="Arial" panose="020B0604020202020204" pitchFamily="34" charset="0"/>
+              <a:buChar char="•"/>
+              <a:defRPr sz="1800" kern="1200">
+                <a:solidFill>
+                  <a:schemeClr val="tx1"/>
+                </a:solidFill>
+                <a:latin typeface="+mn-lt"/>
+                <a:ea typeface="+mn-ea"/>
+                <a:cs typeface="+mn-cs"/>
+              </a:defRPr>
+            </a:lvl6pPr>
+            <a:lvl7pPr marL="2971800" indent="-228600" algn="l" defTabSz="914400" rtl="0" eaLnBrk="1" latinLnBrk="0" hangingPunct="1">
+              <a:lnSpc>
+                <a:spcPct val="90000"/>
+              </a:lnSpc>
+              <a:spcBef>
+                <a:spcPts val="500"/>
+              </a:spcBef>
+              <a:buFont typeface="Arial" panose="020B0604020202020204" pitchFamily="34" charset="0"/>
+              <a:buChar char="•"/>
+              <a:defRPr sz="1800" kern="1200">
+                <a:solidFill>
+                  <a:schemeClr val="tx1"/>
+                </a:solidFill>
+                <a:latin typeface="+mn-lt"/>
+                <a:ea typeface="+mn-ea"/>
+                <a:cs typeface="+mn-cs"/>
+              </a:defRPr>
+            </a:lvl7pPr>
+            <a:lvl8pPr marL="3429000" indent="-228600" algn="l" defTabSz="914400" rtl="0" eaLnBrk="1" latinLnBrk="0" hangingPunct="1">
+              <a:lnSpc>
+                <a:spcPct val="90000"/>
+              </a:lnSpc>
+              <a:spcBef>
+                <a:spcPts val="500"/>
+              </a:spcBef>
+              <a:buFont typeface="Arial" panose="020B0604020202020204" pitchFamily="34" charset="0"/>
+              <a:buChar char="•"/>
+              <a:defRPr sz="1800" kern="1200">
+                <a:solidFill>
+                  <a:schemeClr val="tx1"/>
+                </a:solidFill>
+                <a:latin typeface="+mn-lt"/>
+                <a:ea typeface="+mn-ea"/>
+                <a:cs typeface="+mn-cs"/>
+              </a:defRPr>
+            </a:lvl8pPr>
+            <a:lvl9pPr marL="3886200" indent="-228600" algn="l" defTabSz="914400" rtl="0" eaLnBrk="1" latinLnBrk="0" hangingPunct="1">
+              <a:lnSpc>
+                <a:spcPct val="90000"/>
+              </a:lnSpc>
+              <a:spcBef>
+                <a:spcPts val="500"/>
+              </a:spcBef>
+              <a:buFont typeface="Arial" panose="020B0604020202020204" pitchFamily="34" charset="0"/>
+              <a:buChar char="•"/>
+              <a:defRPr sz="1800" kern="1200">
+                <a:solidFill>
+                  <a:schemeClr val="tx1"/>
+                </a:solidFill>
+                <a:latin typeface="+mn-lt"/>
+                <a:ea typeface="+mn-ea"/>
+                <a:cs typeface="+mn-cs"/>
+              </a:defRPr>
+            </a:lvl9pPr>
+          </a:lstStyle>
+          <a:p>
+            <a:r>
+              <a:rPr lang="en-US" dirty="0"/>
+              <a:t>“Treatments with early sowing will have different (</a:t>
+            </a:r>
+            <a:r>
+              <a:rPr lang="en-US" dirty="0" err="1"/>
+              <a:t>a</a:t>
+            </a:r>
+            <a:r>
+              <a:rPr lang="en-US" dirty="0" err="1">
+                <a:latin typeface="Calibri" panose="020F0502020204030204" pitchFamily="34" charset="0"/>
+                <a:cs typeface="Calibri" panose="020F0502020204030204" pitchFamily="34" charset="0"/>
+              </a:rPr>
+              <a:t>≠b</a:t>
+            </a:r>
+            <a:r>
+              <a:rPr lang="en-US" dirty="0"/>
+              <a:t>) counts of larger and medium grains compared to those with late sowing”</a:t>
+            </a:r>
+          </a:p>
+          <a:p>
+            <a:pPr lvl="1"/>
+            <a:r>
+              <a:rPr lang="en-US" dirty="0"/>
+              <a:t>No significant difference</a:t>
+            </a:r>
+          </a:p>
+          <a:p>
+            <a:pPr lvl="1"/>
+            <a:r>
+              <a:rPr lang="en-US" dirty="0"/>
+              <a:t>Early sowing shows a higher variance in large and small kernels</a:t>
+            </a:r>
+          </a:p>
+          <a:p>
+            <a:endParaRPr lang="en-US" dirty="0"/>
+          </a:p>
+          <a:p>
+            <a:endParaRPr lang="en-US" dirty="0"/>
+          </a:p>
+        </p:txBody>
+      </p:sp>
+    </p:spTree>
+    <p:extLst>
+      <p:ext uri="{BB962C8B-B14F-4D97-AF65-F5344CB8AC3E}">
+        <p14:creationId xmlns:p14="http://schemas.microsoft.com/office/powerpoint/2010/main" val="4015151896"/>
+      </p:ext>
+    </p:extLst>
+  </p:cSld>
+  <p:clrMapOvr>
+    <a:masterClrMapping/>
+  </p:clrMapOvr>
+</p:sld>
+</file>
+
+<file path=ppt/slides/slide14.xml><?xml version="1.0" encoding="utf-8"?>
+<p:sld xmlns:a="http://schemas.openxmlformats.org/drawingml/2006/main" xmlns:r="http://schemas.openxmlformats.org/officeDocument/2006/relationships" xmlns:p="http://schemas.openxmlformats.org/presentationml/2006/main">
+  <p:cSld>
+    <p:spTree>
+      <p:nvGrpSpPr>
+        <p:cNvPr id="1" name=""/>
+        <p:cNvGrpSpPr/>
+        <p:nvPr/>
+      </p:nvGrpSpPr>
+      <p:grpSpPr>
+        <a:xfrm>
+          <a:off x="0" y="0"/>
+          <a:ext cx="0" cy="0"/>
+          <a:chOff x="0" y="0"/>
+          <a:chExt cx="0" cy="0"/>
+        </a:xfrm>
+      </p:grpSpPr>
+      <p:sp>
+        <p:nvSpPr>
+          <p:cNvPr id="2" name="Titel 1">
+            <a:extLst>
+              <a:ext uri="{FF2B5EF4-FFF2-40B4-BE49-F238E27FC236}">
+                <a16:creationId xmlns:a16="http://schemas.microsoft.com/office/drawing/2014/main" id="{3BFF9694-F36E-DFCE-C773-65287CAB2E55}"/>
+              </a:ext>
+            </a:extLst>
+          </p:cNvPr>
+          <p:cNvSpPr>
+            <a:spLocks noGrp="1"/>
+          </p:cNvSpPr>
+          <p:nvPr>
+            <p:ph type="title"/>
+          </p:nvPr>
+        </p:nvSpPr>
+        <p:spPr/>
+        <p:txBody>
+          <a:bodyPr/>
+          <a:lstStyle/>
+          <a:p>
+            <a:r>
+              <a:rPr lang="en-US" dirty="0"/>
+              <a:t>Results (Hypothesis 3)</a:t>
+            </a:r>
+          </a:p>
+        </p:txBody>
+      </p:sp>
+      <p:pic>
+        <p:nvPicPr>
+          <p:cNvPr id="5" name="Inhaltsplatzhalter 4" descr="Ein Bild, das Text, Screenshot, Diagramm, Reihe enthält.&#10;&#10;Automatisch generierte Beschreibung">
+            <a:extLst>
+              <a:ext uri="{FF2B5EF4-FFF2-40B4-BE49-F238E27FC236}">
+                <a16:creationId xmlns:a16="http://schemas.microsoft.com/office/drawing/2014/main" id="{45DB9601-BCC8-1E1C-B1D3-01CC99AC931B}"/>
+              </a:ext>
+            </a:extLst>
+          </p:cNvPr>
+          <p:cNvPicPr>
+            <a:picLocks noGrp="1" noChangeAspect="1"/>
+          </p:cNvPicPr>
+          <p:nvPr>
+            <p:ph idx="1"/>
+          </p:nvPr>
+        </p:nvPicPr>
+        <p:blipFill>
+          <a:blip r:embed="rId2">
+            <a:extLst>
+              <a:ext uri="{28A0092B-C50C-407E-A947-70E740481C1C}">
+                <a14:useLocalDpi xmlns:a14="http://schemas.microsoft.com/office/drawing/2010/main" val="0"/>
+              </a:ext>
+            </a:extLst>
+          </a:blip>
+          <a:stretch>
+            <a:fillRect/>
+          </a:stretch>
+        </p:blipFill>
+        <p:spPr>
+          <a:xfrm>
+            <a:off x="838200" y="1690688"/>
+            <a:ext cx="4755070" cy="4351338"/>
+          </a:xfrm>
+        </p:spPr>
+      </p:pic>
+      <p:sp>
+        <p:nvSpPr>
+          <p:cNvPr id="6" name="Inhaltsplatzhalter 2">
+            <a:extLst>
+              <a:ext uri="{FF2B5EF4-FFF2-40B4-BE49-F238E27FC236}">
+                <a16:creationId xmlns:a16="http://schemas.microsoft.com/office/drawing/2014/main" id="{FFF80767-4A14-17FF-FAE3-6B4D4B9D60B8}"/>
+              </a:ext>
+            </a:extLst>
+          </p:cNvPr>
+          <p:cNvSpPr txBox="1">
+            <a:spLocks/>
+          </p:cNvSpPr>
+          <p:nvPr/>
+        </p:nvSpPr>
+        <p:spPr>
+          <a:xfrm>
+            <a:off x="5624944" y="1825625"/>
+            <a:ext cx="5728855" cy="4351338"/>
+          </a:xfrm>
+          <a:prstGeom prst="rect">
+            <a:avLst/>
+          </a:prstGeom>
+        </p:spPr>
+        <p:txBody>
+          <a:bodyPr vert="horz" lIns="91440" tIns="45720" rIns="91440" bIns="45720" rtlCol="0">
+            <a:normAutofit/>
+          </a:bodyPr>
+          <a:lstStyle>
+            <a:lvl1pPr marL="228600" indent="-228600" algn="l" defTabSz="914400" rtl="0" eaLnBrk="1" latinLnBrk="0" hangingPunct="1">
+              <a:lnSpc>
+                <a:spcPct val="90000"/>
+              </a:lnSpc>
+              <a:spcBef>
+                <a:spcPts val="1000"/>
+              </a:spcBef>
+              <a:buFont typeface="Arial" panose="020B0604020202020204" pitchFamily="34" charset="0"/>
+              <a:buChar char="•"/>
+              <a:defRPr sz="2800" kern="1200">
+                <a:solidFill>
+                  <a:schemeClr val="tx1"/>
+                </a:solidFill>
+                <a:latin typeface="+mn-lt"/>
+                <a:ea typeface="+mn-ea"/>
+                <a:cs typeface="+mn-cs"/>
+              </a:defRPr>
+            </a:lvl1pPr>
+            <a:lvl2pPr marL="685800" indent="-228600" algn="l" defTabSz="914400" rtl="0" eaLnBrk="1" latinLnBrk="0" hangingPunct="1">
+              <a:lnSpc>
+                <a:spcPct val="90000"/>
+              </a:lnSpc>
+              <a:spcBef>
+                <a:spcPts val="500"/>
+              </a:spcBef>
+              <a:buFont typeface="Arial" panose="020B0604020202020204" pitchFamily="34" charset="0"/>
+              <a:buChar char="•"/>
+              <a:defRPr sz="2400" kern="1200">
+                <a:solidFill>
+                  <a:schemeClr val="tx1"/>
+                </a:solidFill>
+                <a:latin typeface="+mn-lt"/>
+                <a:ea typeface="+mn-ea"/>
+                <a:cs typeface="+mn-cs"/>
+              </a:defRPr>
+            </a:lvl2pPr>
+            <a:lvl3pPr marL="1143000" indent="-228600" algn="l" defTabSz="914400" rtl="0" eaLnBrk="1" latinLnBrk="0" hangingPunct="1">
+              <a:lnSpc>
+                <a:spcPct val="90000"/>
+              </a:lnSpc>
+              <a:spcBef>
+                <a:spcPts val="500"/>
+              </a:spcBef>
+              <a:buFont typeface="Arial" panose="020B0604020202020204" pitchFamily="34" charset="0"/>
+              <a:buChar char="•"/>
+              <a:defRPr sz="2000" kern="1200">
+                <a:solidFill>
+                  <a:schemeClr val="tx1"/>
+                </a:solidFill>
+                <a:latin typeface="+mn-lt"/>
+                <a:ea typeface="+mn-ea"/>
+                <a:cs typeface="+mn-cs"/>
+              </a:defRPr>
+            </a:lvl3pPr>
+            <a:lvl4pPr marL="1600200" indent="-228600" algn="l" defTabSz="914400" rtl="0" eaLnBrk="1" latinLnBrk="0" hangingPunct="1">
+              <a:lnSpc>
+                <a:spcPct val="90000"/>
+              </a:lnSpc>
+              <a:spcBef>
+                <a:spcPts val="500"/>
+              </a:spcBef>
+              <a:buFont typeface="Arial" panose="020B0604020202020204" pitchFamily="34" charset="0"/>
+              <a:buChar char="•"/>
+              <a:defRPr sz="1800" kern="1200">
+                <a:solidFill>
+                  <a:schemeClr val="tx1"/>
+                </a:solidFill>
+                <a:latin typeface="+mn-lt"/>
+                <a:ea typeface="+mn-ea"/>
+                <a:cs typeface="+mn-cs"/>
+              </a:defRPr>
+            </a:lvl4pPr>
+            <a:lvl5pPr marL="2057400" indent="-228600" algn="l" defTabSz="914400" rtl="0" eaLnBrk="1" latinLnBrk="0" hangingPunct="1">
+              <a:lnSpc>
+                <a:spcPct val="90000"/>
+              </a:lnSpc>
+              <a:spcBef>
+                <a:spcPts val="500"/>
+              </a:spcBef>
+              <a:buFont typeface="Arial" panose="020B0604020202020204" pitchFamily="34" charset="0"/>
+              <a:buChar char="•"/>
+              <a:defRPr sz="1800" kern="1200">
+                <a:solidFill>
+                  <a:schemeClr val="tx1"/>
+                </a:solidFill>
+                <a:latin typeface="+mn-lt"/>
+                <a:ea typeface="+mn-ea"/>
+                <a:cs typeface="+mn-cs"/>
+              </a:defRPr>
+            </a:lvl5pPr>
+            <a:lvl6pPr marL="2514600" indent="-228600" algn="l" defTabSz="914400" rtl="0" eaLnBrk="1" latinLnBrk="0" hangingPunct="1">
+              <a:lnSpc>
+                <a:spcPct val="90000"/>
+              </a:lnSpc>
+              <a:spcBef>
+                <a:spcPts val="500"/>
+              </a:spcBef>
+              <a:buFont typeface="Arial" panose="020B0604020202020204" pitchFamily="34" charset="0"/>
+              <a:buChar char="•"/>
+              <a:defRPr sz="1800" kern="1200">
+                <a:solidFill>
+                  <a:schemeClr val="tx1"/>
+                </a:solidFill>
+                <a:latin typeface="+mn-lt"/>
+                <a:ea typeface="+mn-ea"/>
+                <a:cs typeface="+mn-cs"/>
+              </a:defRPr>
+            </a:lvl6pPr>
+            <a:lvl7pPr marL="2971800" indent="-228600" algn="l" defTabSz="914400" rtl="0" eaLnBrk="1" latinLnBrk="0" hangingPunct="1">
+              <a:lnSpc>
+                <a:spcPct val="90000"/>
+              </a:lnSpc>
+              <a:spcBef>
+                <a:spcPts val="500"/>
+              </a:spcBef>
+              <a:buFont typeface="Arial" panose="020B0604020202020204" pitchFamily="34" charset="0"/>
+              <a:buChar char="•"/>
+              <a:defRPr sz="1800" kern="1200">
+                <a:solidFill>
+                  <a:schemeClr val="tx1"/>
+                </a:solidFill>
+                <a:latin typeface="+mn-lt"/>
+                <a:ea typeface="+mn-ea"/>
+                <a:cs typeface="+mn-cs"/>
+              </a:defRPr>
+            </a:lvl7pPr>
+            <a:lvl8pPr marL="3429000" indent="-228600" algn="l" defTabSz="914400" rtl="0" eaLnBrk="1" latinLnBrk="0" hangingPunct="1">
+              <a:lnSpc>
+                <a:spcPct val="90000"/>
+              </a:lnSpc>
+              <a:spcBef>
+                <a:spcPts val="500"/>
+              </a:spcBef>
+              <a:buFont typeface="Arial" panose="020B0604020202020204" pitchFamily="34" charset="0"/>
+              <a:buChar char="•"/>
+              <a:defRPr sz="1800" kern="1200">
+                <a:solidFill>
+                  <a:schemeClr val="tx1"/>
+                </a:solidFill>
+                <a:latin typeface="+mn-lt"/>
+                <a:ea typeface="+mn-ea"/>
+                <a:cs typeface="+mn-cs"/>
+              </a:defRPr>
+            </a:lvl8pPr>
+            <a:lvl9pPr marL="3886200" indent="-228600" algn="l" defTabSz="914400" rtl="0" eaLnBrk="1" latinLnBrk="0" hangingPunct="1">
+              <a:lnSpc>
+                <a:spcPct val="90000"/>
+              </a:lnSpc>
+              <a:spcBef>
+                <a:spcPts val="500"/>
+              </a:spcBef>
+              <a:buFont typeface="Arial" panose="020B0604020202020204" pitchFamily="34" charset="0"/>
+              <a:buChar char="•"/>
+              <a:defRPr sz="1800" kern="1200">
+                <a:solidFill>
+                  <a:schemeClr val="tx1"/>
+                </a:solidFill>
+                <a:latin typeface="+mn-lt"/>
+                <a:ea typeface="+mn-ea"/>
+                <a:cs typeface="+mn-cs"/>
+              </a:defRPr>
+            </a:lvl9pPr>
+          </a:lstStyle>
+          <a:p>
+            <a:r>
+              <a:rPr lang="en-US" dirty="0"/>
+              <a:t>Grain setting will be different (</a:t>
+            </a:r>
+            <a:r>
+              <a:rPr lang="en-US" dirty="0" err="1"/>
+              <a:t>a≠b</a:t>
+            </a:r>
+            <a:r>
+              <a:rPr lang="en-US" dirty="0"/>
+              <a:t>) in treatments with late sowing</a:t>
+            </a:r>
+          </a:p>
+          <a:p>
+            <a:pPr lvl="1"/>
+            <a:r>
+              <a:rPr lang="en-US" dirty="0"/>
+              <a:t>Significant difference between treatments </a:t>
+            </a:r>
+            <a:r>
+              <a:rPr lang="en-US" dirty="0">
+                <a:highlight>
+                  <a:srgbClr val="00FF00"/>
+                </a:highlight>
+              </a:rPr>
+              <a:t>(</a:t>
+            </a:r>
+            <a:r>
+              <a:rPr lang="en-US" dirty="0" err="1">
+                <a:highlight>
+                  <a:srgbClr val="00FF00"/>
+                </a:highlight>
+              </a:rPr>
+              <a:t>a≠b</a:t>
+            </a:r>
+            <a:r>
+              <a:rPr lang="en-US" dirty="0">
+                <a:highlight>
+                  <a:srgbClr val="00FF00"/>
+                </a:highlight>
+              </a:rPr>
+              <a:t>) </a:t>
+            </a:r>
+          </a:p>
+          <a:p>
+            <a:pPr lvl="1"/>
+            <a:r>
+              <a:rPr lang="en-US" dirty="0"/>
+              <a:t>Early sowing shows a higher variance</a:t>
+            </a:r>
+          </a:p>
+          <a:p>
+            <a:endParaRPr lang="en-US" dirty="0"/>
+          </a:p>
+          <a:p>
+            <a:endParaRPr lang="en-US" dirty="0"/>
+          </a:p>
+        </p:txBody>
+      </p:sp>
+    </p:spTree>
+    <p:extLst>
+      <p:ext uri="{BB962C8B-B14F-4D97-AF65-F5344CB8AC3E}">
+        <p14:creationId xmlns:p14="http://schemas.microsoft.com/office/powerpoint/2010/main" val="3764413231"/>
+      </p:ext>
+    </p:extLst>
+  </p:cSld>
+  <p:clrMapOvr>
+    <a:masterClrMapping/>
+  </p:clrMapOvr>
+</p:sld>
+</file>
+
+<file path=ppt/slides/slide15.xml><?xml version="1.0" encoding="utf-8"?>
+<p:sld xmlns:a="http://schemas.openxmlformats.org/drawingml/2006/main" xmlns:r="http://schemas.openxmlformats.org/officeDocument/2006/relationships" xmlns:p="http://schemas.openxmlformats.org/presentationml/2006/main">
+  <p:cSld>
+    <p:spTree>
+      <p:nvGrpSpPr>
+        <p:cNvPr id="1" name=""/>
+        <p:cNvGrpSpPr/>
+        <p:nvPr/>
+      </p:nvGrpSpPr>
+      <p:grpSpPr>
+        <a:xfrm>
+          <a:off x="0" y="0"/>
+          <a:ext cx="0" cy="0"/>
+          <a:chOff x="0" y="0"/>
+          <a:chExt cx="0" cy="0"/>
+        </a:xfrm>
+      </p:grpSpPr>
+      <p:sp>
+        <p:nvSpPr>
+          <p:cNvPr id="2" name="Titel 1">
+            <a:extLst>
+              <a:ext uri="{FF2B5EF4-FFF2-40B4-BE49-F238E27FC236}">
+                <a16:creationId xmlns:a16="http://schemas.microsoft.com/office/drawing/2014/main" id="{B0097975-B7E1-AD04-6458-2A9CDA521AE9}"/>
+              </a:ext>
+            </a:extLst>
+          </p:cNvPr>
+          <p:cNvSpPr>
+            <a:spLocks noGrp="1"/>
+          </p:cNvSpPr>
+          <p:nvPr>
+            <p:ph type="title"/>
+          </p:nvPr>
+        </p:nvSpPr>
+        <p:spPr/>
+        <p:txBody>
+          <a:bodyPr/>
+          <a:lstStyle/>
+          <a:p>
+            <a:r>
+              <a:rPr lang="en-US" dirty="0"/>
+              <a:t>Results (Hypothesis 4)</a:t>
+            </a:r>
+          </a:p>
+        </p:txBody>
+      </p:sp>
+      <p:pic>
+        <p:nvPicPr>
+          <p:cNvPr id="5" name="Inhaltsplatzhalter 4" descr="Ein Bild, das Text, Diagramm, Reihe, Screenshot enthält.&#10;&#10;Automatisch generierte Beschreibung">
+            <a:extLst>
+              <a:ext uri="{FF2B5EF4-FFF2-40B4-BE49-F238E27FC236}">
+                <a16:creationId xmlns:a16="http://schemas.microsoft.com/office/drawing/2014/main" id="{729F24DE-30FE-58A8-7357-F3C6529AE413}"/>
+              </a:ext>
+            </a:extLst>
+          </p:cNvPr>
+          <p:cNvPicPr>
+            <a:picLocks noGrp="1" noChangeAspect="1"/>
+          </p:cNvPicPr>
+          <p:nvPr>
+            <p:ph idx="1"/>
+          </p:nvPr>
+        </p:nvPicPr>
+        <p:blipFill>
+          <a:blip r:embed="rId2">
+            <a:extLst>
+              <a:ext uri="{28A0092B-C50C-407E-A947-70E740481C1C}">
+                <a14:useLocalDpi xmlns:a14="http://schemas.microsoft.com/office/drawing/2010/main" val="0"/>
+              </a:ext>
+            </a:extLst>
+          </a:blip>
+          <a:stretch>
+            <a:fillRect/>
+          </a:stretch>
+        </p:blipFill>
+        <p:spPr>
+          <a:xfrm>
+            <a:off x="838200" y="1690688"/>
+            <a:ext cx="4755070" cy="4351338"/>
+          </a:xfrm>
+        </p:spPr>
+      </p:pic>
+      <p:sp>
+        <p:nvSpPr>
+          <p:cNvPr id="6" name="Inhaltsplatzhalter 2">
+            <a:extLst>
+              <a:ext uri="{FF2B5EF4-FFF2-40B4-BE49-F238E27FC236}">
+                <a16:creationId xmlns:a16="http://schemas.microsoft.com/office/drawing/2014/main" id="{3C51DD4D-2897-B35B-38B4-B463DCC51CD4}"/>
+              </a:ext>
+            </a:extLst>
+          </p:cNvPr>
+          <p:cNvSpPr txBox="1">
+            <a:spLocks/>
+          </p:cNvSpPr>
+          <p:nvPr/>
+        </p:nvSpPr>
+        <p:spPr>
+          <a:xfrm>
+            <a:off x="5624944" y="1825625"/>
+            <a:ext cx="5728855" cy="4351338"/>
+          </a:xfrm>
+          <a:prstGeom prst="rect">
+            <a:avLst/>
+          </a:prstGeom>
+        </p:spPr>
+        <p:txBody>
+          <a:bodyPr vert="horz" lIns="91440" tIns="45720" rIns="91440" bIns="45720" rtlCol="0">
+            <a:normAutofit/>
+          </a:bodyPr>
+          <a:lstStyle>
+            <a:lvl1pPr marL="228600" indent="-228600" algn="l" defTabSz="914400" rtl="0" eaLnBrk="1" latinLnBrk="0" hangingPunct="1">
+              <a:lnSpc>
+                <a:spcPct val="90000"/>
+              </a:lnSpc>
+              <a:spcBef>
+                <a:spcPts val="1000"/>
+              </a:spcBef>
+              <a:buFont typeface="Arial" panose="020B0604020202020204" pitchFamily="34" charset="0"/>
+              <a:buChar char="•"/>
+              <a:defRPr sz="2800" kern="1200">
+                <a:solidFill>
+                  <a:schemeClr val="tx1"/>
+                </a:solidFill>
+                <a:latin typeface="+mn-lt"/>
+                <a:ea typeface="+mn-ea"/>
+                <a:cs typeface="+mn-cs"/>
+              </a:defRPr>
+            </a:lvl1pPr>
+            <a:lvl2pPr marL="685800" indent="-228600" algn="l" defTabSz="914400" rtl="0" eaLnBrk="1" latinLnBrk="0" hangingPunct="1">
+              <a:lnSpc>
+                <a:spcPct val="90000"/>
+              </a:lnSpc>
+              <a:spcBef>
+                <a:spcPts val="500"/>
+              </a:spcBef>
+              <a:buFont typeface="Arial" panose="020B0604020202020204" pitchFamily="34" charset="0"/>
+              <a:buChar char="•"/>
+              <a:defRPr sz="2400" kern="1200">
+                <a:solidFill>
+                  <a:schemeClr val="tx1"/>
+                </a:solidFill>
+                <a:latin typeface="+mn-lt"/>
+                <a:ea typeface="+mn-ea"/>
+                <a:cs typeface="+mn-cs"/>
+              </a:defRPr>
+            </a:lvl2pPr>
+            <a:lvl3pPr marL="1143000" indent="-228600" algn="l" defTabSz="914400" rtl="0" eaLnBrk="1" latinLnBrk="0" hangingPunct="1">
+              <a:lnSpc>
+                <a:spcPct val="90000"/>
+              </a:lnSpc>
+              <a:spcBef>
+                <a:spcPts val="500"/>
+              </a:spcBef>
+              <a:buFont typeface="Arial" panose="020B0604020202020204" pitchFamily="34" charset="0"/>
+              <a:buChar char="•"/>
+              <a:defRPr sz="2000" kern="1200">
+                <a:solidFill>
+                  <a:schemeClr val="tx1"/>
+                </a:solidFill>
+                <a:latin typeface="+mn-lt"/>
+                <a:ea typeface="+mn-ea"/>
+                <a:cs typeface="+mn-cs"/>
+              </a:defRPr>
+            </a:lvl3pPr>
+            <a:lvl4pPr marL="1600200" indent="-228600" algn="l" defTabSz="914400" rtl="0" eaLnBrk="1" latinLnBrk="0" hangingPunct="1">
+              <a:lnSpc>
+                <a:spcPct val="90000"/>
+              </a:lnSpc>
+              <a:spcBef>
+                <a:spcPts val="500"/>
+              </a:spcBef>
+              <a:buFont typeface="Arial" panose="020B0604020202020204" pitchFamily="34" charset="0"/>
+              <a:buChar char="•"/>
+              <a:defRPr sz="1800" kern="1200">
+                <a:solidFill>
+                  <a:schemeClr val="tx1"/>
+                </a:solidFill>
+                <a:latin typeface="+mn-lt"/>
+                <a:ea typeface="+mn-ea"/>
+                <a:cs typeface="+mn-cs"/>
+              </a:defRPr>
+            </a:lvl4pPr>
+            <a:lvl5pPr marL="2057400" indent="-228600" algn="l" defTabSz="914400" rtl="0" eaLnBrk="1" latinLnBrk="0" hangingPunct="1">
+              <a:lnSpc>
+                <a:spcPct val="90000"/>
+              </a:lnSpc>
+              <a:spcBef>
+                <a:spcPts val="500"/>
+              </a:spcBef>
+              <a:buFont typeface="Arial" panose="020B0604020202020204" pitchFamily="34" charset="0"/>
+              <a:buChar char="•"/>
+              <a:defRPr sz="1800" kern="1200">
+                <a:solidFill>
+                  <a:schemeClr val="tx1"/>
+                </a:solidFill>
+                <a:latin typeface="+mn-lt"/>
+                <a:ea typeface="+mn-ea"/>
+                <a:cs typeface="+mn-cs"/>
+              </a:defRPr>
+            </a:lvl5pPr>
+            <a:lvl6pPr marL="2514600" indent="-228600" algn="l" defTabSz="914400" rtl="0" eaLnBrk="1" latinLnBrk="0" hangingPunct="1">
+              <a:lnSpc>
+                <a:spcPct val="90000"/>
+              </a:lnSpc>
+              <a:spcBef>
+                <a:spcPts val="500"/>
+              </a:spcBef>
+              <a:buFont typeface="Arial" panose="020B0604020202020204" pitchFamily="34" charset="0"/>
+              <a:buChar char="•"/>
+              <a:defRPr sz="1800" kern="1200">
+                <a:solidFill>
+                  <a:schemeClr val="tx1"/>
+                </a:solidFill>
+                <a:latin typeface="+mn-lt"/>
+                <a:ea typeface="+mn-ea"/>
+                <a:cs typeface="+mn-cs"/>
+              </a:defRPr>
+            </a:lvl6pPr>
+            <a:lvl7pPr marL="2971800" indent="-228600" algn="l" defTabSz="914400" rtl="0" eaLnBrk="1" latinLnBrk="0" hangingPunct="1">
+              <a:lnSpc>
+                <a:spcPct val="90000"/>
+              </a:lnSpc>
+              <a:spcBef>
+                <a:spcPts val="500"/>
+              </a:spcBef>
+              <a:buFont typeface="Arial" panose="020B0604020202020204" pitchFamily="34" charset="0"/>
+              <a:buChar char="•"/>
+              <a:defRPr sz="1800" kern="1200">
+                <a:solidFill>
+                  <a:schemeClr val="tx1"/>
+                </a:solidFill>
+                <a:latin typeface="+mn-lt"/>
+                <a:ea typeface="+mn-ea"/>
+                <a:cs typeface="+mn-cs"/>
+              </a:defRPr>
+            </a:lvl7pPr>
+            <a:lvl8pPr marL="3429000" indent="-228600" algn="l" defTabSz="914400" rtl="0" eaLnBrk="1" latinLnBrk="0" hangingPunct="1">
+              <a:lnSpc>
+                <a:spcPct val="90000"/>
+              </a:lnSpc>
+              <a:spcBef>
+                <a:spcPts val="500"/>
+              </a:spcBef>
+              <a:buFont typeface="Arial" panose="020B0604020202020204" pitchFamily="34" charset="0"/>
+              <a:buChar char="•"/>
+              <a:defRPr sz="1800" kern="1200">
+                <a:solidFill>
+                  <a:schemeClr val="tx1"/>
+                </a:solidFill>
+                <a:latin typeface="+mn-lt"/>
+                <a:ea typeface="+mn-ea"/>
+                <a:cs typeface="+mn-cs"/>
+              </a:defRPr>
+            </a:lvl8pPr>
+            <a:lvl9pPr marL="3886200" indent="-228600" algn="l" defTabSz="914400" rtl="0" eaLnBrk="1" latinLnBrk="0" hangingPunct="1">
+              <a:lnSpc>
+                <a:spcPct val="90000"/>
+              </a:lnSpc>
+              <a:spcBef>
+                <a:spcPts val="500"/>
+              </a:spcBef>
+              <a:buFont typeface="Arial" panose="020B0604020202020204" pitchFamily="34" charset="0"/>
+              <a:buChar char="•"/>
+              <a:defRPr sz="1800" kern="1200">
+                <a:solidFill>
+                  <a:schemeClr val="tx1"/>
+                </a:solidFill>
+                <a:latin typeface="+mn-lt"/>
+                <a:ea typeface="+mn-ea"/>
+                <a:cs typeface="+mn-cs"/>
+              </a:defRPr>
+            </a:lvl9pPr>
+          </a:lstStyle>
+          <a:p>
+            <a:r>
+              <a:rPr lang="en-US" dirty="0"/>
+              <a:t>“There should not be a significant difference (a=b) between floret numbers between batches”</a:t>
+            </a:r>
+          </a:p>
+          <a:p>
+            <a:pPr lvl="1"/>
+            <a:r>
+              <a:rPr lang="en-US" dirty="0"/>
+              <a:t>No visible difference</a:t>
+            </a:r>
+          </a:p>
+          <a:p>
+            <a:pPr lvl="1"/>
+            <a:r>
+              <a:rPr lang="en-US" dirty="0"/>
+              <a:t>Small sample size</a:t>
+            </a:r>
+          </a:p>
+          <a:p>
+            <a:pPr marL="0" indent="0">
+              <a:buNone/>
+            </a:pPr>
+            <a:endParaRPr lang="en-US" dirty="0"/>
+          </a:p>
+        </p:txBody>
+      </p:sp>
+    </p:spTree>
+    <p:extLst>
+      <p:ext uri="{BB962C8B-B14F-4D97-AF65-F5344CB8AC3E}">
+        <p14:creationId xmlns:p14="http://schemas.microsoft.com/office/powerpoint/2010/main" val="1851554503"/>
+      </p:ext>
+    </p:extLst>
+  </p:cSld>
+  <p:clrMapOvr>
+    <a:masterClrMapping/>
+  </p:clrMapOvr>
+</p:sld>
+</file>
+
+<file path=ppt/slides/slide16.xml><?xml version="1.0" encoding="utf-8"?>
+<p:sld xmlns:a="http://schemas.openxmlformats.org/drawingml/2006/main" xmlns:r="http://schemas.openxmlformats.org/officeDocument/2006/relationships" xmlns:p="http://schemas.openxmlformats.org/presentationml/2006/main">
+  <p:cSld>
+    <p:spTree>
+      <p:nvGrpSpPr>
+        <p:cNvPr id="1" name=""/>
+        <p:cNvGrpSpPr/>
+        <p:nvPr/>
+      </p:nvGrpSpPr>
+      <p:grpSpPr>
+        <a:xfrm>
+          <a:off x="0" y="0"/>
+          <a:ext cx="0" cy="0"/>
+          <a:chOff x="0" y="0"/>
+          <a:chExt cx="0" cy="0"/>
+        </a:xfrm>
+      </p:grpSpPr>
+      <p:sp>
+        <p:nvSpPr>
+          <p:cNvPr id="2" name="Titel 1">
+            <a:extLst>
+              <a:ext uri="{FF2B5EF4-FFF2-40B4-BE49-F238E27FC236}">
+                <a16:creationId xmlns:a16="http://schemas.microsoft.com/office/drawing/2014/main" id="{E04C4384-5F2E-5A18-A019-78E30E0B5747}"/>
+              </a:ext>
+            </a:extLst>
+          </p:cNvPr>
+          <p:cNvSpPr>
+            <a:spLocks noGrp="1"/>
+          </p:cNvSpPr>
+          <p:nvPr>
+            <p:ph type="title"/>
+          </p:nvPr>
+        </p:nvSpPr>
+        <p:spPr/>
+        <p:txBody>
+          <a:bodyPr/>
+          <a:lstStyle/>
+          <a:p>
+            <a:r>
+              <a:rPr lang="en-US" dirty="0"/>
+              <a:t>Discussion (Hypotheses 1-2)</a:t>
+            </a:r>
+          </a:p>
+        </p:txBody>
+      </p:sp>
+      <p:sp>
+        <p:nvSpPr>
+          <p:cNvPr id="3" name="Inhaltsplatzhalter 2">
+            <a:extLst>
+              <a:ext uri="{FF2B5EF4-FFF2-40B4-BE49-F238E27FC236}">
+                <a16:creationId xmlns:a16="http://schemas.microsoft.com/office/drawing/2014/main" id="{D256D4C7-7573-2A02-5E34-FE7BB19AB0B6}"/>
+              </a:ext>
+            </a:extLst>
+          </p:cNvPr>
+          <p:cNvSpPr>
+            <a:spLocks noGrp="1"/>
+          </p:cNvSpPr>
+          <p:nvPr>
+            <p:ph idx="1"/>
+          </p:nvPr>
+        </p:nvSpPr>
+        <p:spPr>
+          <a:xfrm>
+            <a:off x="838200" y="1825625"/>
+            <a:ext cx="5479473" cy="4351338"/>
+          </a:xfrm>
+        </p:spPr>
+        <p:txBody>
+          <a:bodyPr>
+            <a:normAutofit fontScale="77500" lnSpcReduction="20000"/>
+          </a:bodyPr>
+          <a:lstStyle/>
+          <a:p>
+            <a:r>
+              <a:rPr lang="en-US" dirty="0"/>
+              <a:t>Both sowing dates produce similar grain counts</a:t>
+            </a:r>
+          </a:p>
+          <a:p>
+            <a:r>
+              <a:rPr lang="en-US" dirty="0"/>
+              <a:t>The chosen sowing dates don’t seem to affect the </a:t>
+            </a:r>
+          </a:p>
+          <a:p>
+            <a:r>
+              <a:rPr lang="en-US" dirty="0"/>
+              <a:t>Differences might show in kernel weight or quality</a:t>
+            </a:r>
+          </a:p>
+          <a:p>
+            <a:r>
+              <a:rPr lang="en-US" dirty="0"/>
+              <a:t>Yield sensitive period is not affected by sowing dates (</a:t>
+            </a:r>
+            <a:r>
+              <a:rPr lang="en-US" sz="2800" dirty="0"/>
+              <a:t>Gustavo A. et. al, 2021, [4])</a:t>
+            </a:r>
+            <a:endParaRPr lang="en-US" dirty="0"/>
+          </a:p>
+          <a:p>
+            <a:r>
+              <a:rPr lang="en-US" dirty="0"/>
+              <a:t>Optimal sowing dates are within a range, so both dates might be optimal (</a:t>
+            </a:r>
+            <a:r>
+              <a:rPr lang="da-DK" dirty="0"/>
+              <a:t>Ali, Muhammad Anjum et al., 2010, </a:t>
+            </a:r>
+            <a:r>
+              <a:rPr lang="en-US" dirty="0"/>
+              <a:t>[3])</a:t>
+            </a:r>
+          </a:p>
+          <a:p>
+            <a:r>
+              <a:rPr lang="en-US" dirty="0"/>
+              <a:t>Sowing date influences number of ears rather than the ears themselves (</a:t>
+            </a:r>
+            <a:r>
+              <a:rPr lang="en-US" sz="2800" dirty="0"/>
+              <a:t>Spink, J. H. et. al. (2000), [9])</a:t>
+            </a:r>
+            <a:endParaRPr lang="en-US" dirty="0"/>
+          </a:p>
+          <a:p>
+            <a:pPr marL="0" indent="0">
+              <a:buNone/>
+            </a:pPr>
+            <a:endParaRPr lang="en-US" dirty="0"/>
+          </a:p>
+          <a:p>
+            <a:endParaRPr lang="en-US" dirty="0"/>
+          </a:p>
+          <a:p>
+            <a:endParaRPr lang="en-US" dirty="0"/>
+          </a:p>
+        </p:txBody>
+      </p:sp>
+      <p:pic>
+        <p:nvPicPr>
+          <p:cNvPr id="4" name="Grafik 3">
+            <a:extLst>
+              <a:ext uri="{FF2B5EF4-FFF2-40B4-BE49-F238E27FC236}">
+                <a16:creationId xmlns:a16="http://schemas.microsoft.com/office/drawing/2014/main" id="{0731B207-CED2-5CAC-AAF2-22ED5DEEA711}"/>
+              </a:ext>
+            </a:extLst>
+          </p:cNvPr>
+          <p:cNvPicPr>
+            <a:picLocks noChangeAspect="1"/>
+          </p:cNvPicPr>
+          <p:nvPr/>
+        </p:nvPicPr>
+        <p:blipFill>
+          <a:blip r:embed="rId2"/>
+          <a:stretch>
+            <a:fillRect/>
+          </a:stretch>
+        </p:blipFill>
+        <p:spPr>
+          <a:xfrm>
+            <a:off x="6598508" y="1824042"/>
+            <a:ext cx="4755292" cy="4352921"/>
+          </a:xfrm>
+          <a:prstGeom prst="rect">
+            <a:avLst/>
+          </a:prstGeom>
+        </p:spPr>
+      </p:pic>
+    </p:spTree>
+    <p:extLst>
+      <p:ext uri="{BB962C8B-B14F-4D97-AF65-F5344CB8AC3E}">
+        <p14:creationId xmlns:p14="http://schemas.microsoft.com/office/powerpoint/2010/main" val="1016015731"/>
+      </p:ext>
+    </p:extLst>
+  </p:cSld>
+  <p:clrMapOvr>
+    <a:masterClrMapping/>
+  </p:clrMapOvr>
+</p:sld>
+</file>
+
+<file path=ppt/slides/slide17.xml><?xml version="1.0" encoding="utf-8"?>
+<p:sld xmlns:a="http://schemas.openxmlformats.org/drawingml/2006/main" xmlns:r="http://schemas.openxmlformats.org/officeDocument/2006/relationships" xmlns:p="http://schemas.openxmlformats.org/presentationml/2006/main">
+  <p:cSld>
+    <p:spTree>
+      <p:nvGrpSpPr>
+        <p:cNvPr id="1" name=""/>
+        <p:cNvGrpSpPr/>
+        <p:nvPr/>
+      </p:nvGrpSpPr>
+      <p:grpSpPr>
+        <a:xfrm>
+          <a:off x="0" y="0"/>
+          <a:ext cx="0" cy="0"/>
+          <a:chOff x="0" y="0"/>
+          <a:chExt cx="0" cy="0"/>
+        </a:xfrm>
+      </p:grpSpPr>
+      <p:sp>
+        <p:nvSpPr>
+          <p:cNvPr id="2" name="Titel 1">
+            <a:extLst>
+              <a:ext uri="{FF2B5EF4-FFF2-40B4-BE49-F238E27FC236}">
+                <a16:creationId xmlns:a16="http://schemas.microsoft.com/office/drawing/2014/main" id="{0FD61DED-4E26-6907-3D81-F758720A0E99}"/>
+              </a:ext>
+            </a:extLst>
+          </p:cNvPr>
+          <p:cNvSpPr>
+            <a:spLocks noGrp="1"/>
+          </p:cNvSpPr>
+          <p:nvPr>
+            <p:ph type="title"/>
+          </p:nvPr>
+        </p:nvSpPr>
+        <p:spPr/>
+        <p:txBody>
+          <a:bodyPr/>
+          <a:lstStyle/>
+          <a:p>
+            <a:r>
+              <a:rPr lang="en-US" dirty="0"/>
+              <a:t>Discussion (Hypothesis 3)</a:t>
+            </a:r>
+          </a:p>
+        </p:txBody>
+      </p:sp>
+      <p:sp>
+        <p:nvSpPr>
+          <p:cNvPr id="3" name="Inhaltsplatzhalter 2">
+            <a:extLst>
+              <a:ext uri="{FF2B5EF4-FFF2-40B4-BE49-F238E27FC236}">
+                <a16:creationId xmlns:a16="http://schemas.microsoft.com/office/drawing/2014/main" id="{F097FBB4-D16E-549B-2548-CB4C86D3A6E7}"/>
+              </a:ext>
+            </a:extLst>
+          </p:cNvPr>
+          <p:cNvSpPr>
+            <a:spLocks noGrp="1"/>
+          </p:cNvSpPr>
+          <p:nvPr>
+            <p:ph idx="1"/>
+          </p:nvPr>
+        </p:nvSpPr>
+        <p:spPr>
+          <a:xfrm>
+            <a:off x="838200" y="1825625"/>
+            <a:ext cx="5760308" cy="4351338"/>
+          </a:xfrm>
+        </p:spPr>
+        <p:txBody>
+          <a:bodyPr>
+            <a:normAutofit lnSpcReduction="10000"/>
+          </a:bodyPr>
+          <a:lstStyle/>
+          <a:p>
+            <a:r>
+              <a:rPr lang="en-US" dirty="0"/>
+              <a:t>Very small sample size</a:t>
+            </a:r>
+          </a:p>
+          <a:p>
+            <a:pPr lvl="1"/>
+            <a:r>
+              <a:rPr lang="en-US" dirty="0"/>
+              <a:t>Might not be representative</a:t>
+            </a:r>
+          </a:p>
+          <a:p>
+            <a:r>
+              <a:rPr lang="en-US" dirty="0"/>
+              <a:t>Differences might be explained by:</a:t>
+            </a:r>
+          </a:p>
+          <a:p>
+            <a:pPr lvl="1"/>
+            <a:r>
+              <a:rPr lang="en-US" dirty="0"/>
+              <a:t>Heat stress</a:t>
+            </a:r>
+          </a:p>
+          <a:p>
+            <a:pPr lvl="1"/>
+            <a:r>
+              <a:rPr lang="en-US" dirty="0"/>
+              <a:t>Water stress</a:t>
+            </a:r>
+          </a:p>
+          <a:p>
+            <a:pPr lvl="1"/>
+            <a:r>
+              <a:rPr lang="en-US" dirty="0"/>
+              <a:t>Disease and pest pressure</a:t>
+            </a:r>
+          </a:p>
+          <a:p>
+            <a:pPr lvl="1"/>
+            <a:r>
+              <a:rPr lang="en-US" dirty="0"/>
+              <a:t>Competition with wheat</a:t>
+            </a:r>
+          </a:p>
+          <a:p>
+            <a:r>
+              <a:rPr lang="en-US" dirty="0"/>
+              <a:t>Grain setting </a:t>
+            </a:r>
+            <a:r>
+              <a:rPr lang="en-US" dirty="0">
+                <a:latin typeface="Calibri" panose="020F0502020204030204" pitchFamily="34" charset="0"/>
+                <a:cs typeface="Calibri" panose="020F0502020204030204" pitchFamily="34" charset="0"/>
+              </a:rPr>
+              <a:t>≠ yield</a:t>
+            </a:r>
+            <a:endParaRPr lang="en-US" dirty="0"/>
+          </a:p>
+          <a:p>
+            <a:r>
+              <a:rPr lang="en-US" dirty="0"/>
+              <a:t>Researchers usually look at different variables when they’re comparing sowing dates</a:t>
+            </a:r>
+          </a:p>
+          <a:p>
+            <a:pPr marL="457200" lvl="1" indent="0">
+              <a:buNone/>
+            </a:pPr>
+            <a:endParaRPr lang="en-US" dirty="0"/>
+          </a:p>
+        </p:txBody>
+      </p:sp>
+      <p:pic>
+        <p:nvPicPr>
+          <p:cNvPr id="4" name="Grafik 3">
+            <a:extLst>
+              <a:ext uri="{FF2B5EF4-FFF2-40B4-BE49-F238E27FC236}">
+                <a16:creationId xmlns:a16="http://schemas.microsoft.com/office/drawing/2014/main" id="{BB2046B7-9A6E-CE5D-C228-F90FC8C2AC51}"/>
+              </a:ext>
+            </a:extLst>
+          </p:cNvPr>
+          <p:cNvPicPr>
+            <a:picLocks noChangeAspect="1"/>
+          </p:cNvPicPr>
+          <p:nvPr/>
+        </p:nvPicPr>
+        <p:blipFill>
+          <a:blip r:embed="rId2"/>
+          <a:stretch>
+            <a:fillRect/>
+          </a:stretch>
+        </p:blipFill>
+        <p:spPr>
+          <a:xfrm>
+            <a:off x="6598508" y="1824042"/>
+            <a:ext cx="4755292" cy="4352921"/>
+          </a:xfrm>
+          <a:prstGeom prst="rect">
+            <a:avLst/>
+          </a:prstGeom>
+        </p:spPr>
+      </p:pic>
+    </p:spTree>
+    <p:extLst>
+      <p:ext uri="{BB962C8B-B14F-4D97-AF65-F5344CB8AC3E}">
+        <p14:creationId xmlns:p14="http://schemas.microsoft.com/office/powerpoint/2010/main" val="2665599542"/>
+      </p:ext>
+    </p:extLst>
+  </p:cSld>
+  <p:clrMapOvr>
+    <a:masterClrMapping/>
+  </p:clrMapOvr>
+</p:sld>
+</file>
+
+<file path=ppt/slides/slide18.xml><?xml version="1.0" encoding="utf-8"?>
+<p:sld xmlns:a="http://schemas.openxmlformats.org/drawingml/2006/main" xmlns:r="http://schemas.openxmlformats.org/officeDocument/2006/relationships" xmlns:p="http://schemas.openxmlformats.org/presentationml/2006/main">
+  <p:cSld>
+    <p:spTree>
+      <p:nvGrpSpPr>
+        <p:cNvPr id="1" name=""/>
+        <p:cNvGrpSpPr/>
+        <p:nvPr/>
+      </p:nvGrpSpPr>
+      <p:grpSpPr>
+        <a:xfrm>
+          <a:off x="0" y="0"/>
+          <a:ext cx="0" cy="0"/>
+          <a:chOff x="0" y="0"/>
+          <a:chExt cx="0" cy="0"/>
+        </a:xfrm>
+      </p:grpSpPr>
+      <p:sp>
+        <p:nvSpPr>
+          <p:cNvPr id="2" name="Titel 1">
+            <a:extLst>
+              <a:ext uri="{FF2B5EF4-FFF2-40B4-BE49-F238E27FC236}">
+                <a16:creationId xmlns:a16="http://schemas.microsoft.com/office/drawing/2014/main" id="{3F65A7DB-C055-77E0-7262-8B2655505427}"/>
+              </a:ext>
+            </a:extLst>
+          </p:cNvPr>
+          <p:cNvSpPr>
+            <a:spLocks noGrp="1"/>
+          </p:cNvSpPr>
+          <p:nvPr>
+            <p:ph type="title"/>
+          </p:nvPr>
+        </p:nvSpPr>
+        <p:spPr/>
+        <p:txBody>
+          <a:bodyPr/>
+          <a:lstStyle/>
+          <a:p>
+            <a:r>
+              <a:rPr lang="en-US" dirty="0"/>
+              <a:t>Discussion (Hypothesis 4)</a:t>
+            </a:r>
+          </a:p>
+        </p:txBody>
+      </p:sp>
+      <p:sp>
+        <p:nvSpPr>
+          <p:cNvPr id="3" name="Inhaltsplatzhalter 2">
+            <a:extLst>
+              <a:ext uri="{FF2B5EF4-FFF2-40B4-BE49-F238E27FC236}">
+                <a16:creationId xmlns:a16="http://schemas.microsoft.com/office/drawing/2014/main" id="{8DB9BFAC-4DE7-DDB9-3C17-3F30F60CCA0B}"/>
+              </a:ext>
+            </a:extLst>
+          </p:cNvPr>
+          <p:cNvSpPr>
+            <a:spLocks noGrp="1"/>
+          </p:cNvSpPr>
+          <p:nvPr>
+            <p:ph idx="1"/>
+          </p:nvPr>
+        </p:nvSpPr>
+        <p:spPr>
+          <a:xfrm>
+            <a:off x="838200" y="1825625"/>
+            <a:ext cx="5760530" cy="4351338"/>
+          </a:xfrm>
+        </p:spPr>
+        <p:txBody>
+          <a:bodyPr/>
+          <a:lstStyle/>
+          <a:p>
+            <a:r>
+              <a:rPr lang="en-US" dirty="0"/>
+              <a:t>Small differences might be due to the small sample size</a:t>
+            </a:r>
+          </a:p>
+          <a:p>
+            <a:pPr lvl="1"/>
+            <a:r>
+              <a:rPr lang="en-US" dirty="0"/>
+              <a:t>Differences should be smaller in higher sample sizes</a:t>
+            </a:r>
+          </a:p>
+          <a:p>
+            <a:pPr lvl="1"/>
+            <a:r>
+              <a:rPr lang="en-US" dirty="0"/>
+              <a:t>Random effects</a:t>
+            </a:r>
+          </a:p>
+          <a:p>
+            <a:pPr lvl="1"/>
+            <a:r>
+              <a:rPr lang="en-US" dirty="0"/>
+              <a:t>Counting errors</a:t>
+            </a:r>
+          </a:p>
+          <a:p>
+            <a:r>
+              <a:rPr lang="en-US" dirty="0"/>
+              <a:t>Generally, what is expected to be found</a:t>
+            </a:r>
+          </a:p>
+          <a:p>
+            <a:r>
+              <a:rPr lang="en-US" dirty="0"/>
+              <a:t>Floret abortion happens before anthesis </a:t>
+            </a:r>
+            <a:r>
+              <a:rPr lang="da-DK" dirty="0"/>
+              <a:t>(Guo, Z. et. al. (2015), [6])</a:t>
+            </a:r>
+          </a:p>
+          <a:p>
+            <a:pPr marL="0" indent="0">
+              <a:buNone/>
+            </a:pPr>
+            <a:endParaRPr lang="da-DK" dirty="0"/>
+          </a:p>
+          <a:p>
+            <a:pPr marL="0" indent="0">
+              <a:buNone/>
+            </a:pPr>
+            <a:endParaRPr lang="en-US" dirty="0"/>
+          </a:p>
+          <a:p>
+            <a:endParaRPr lang="en-US" dirty="0"/>
+          </a:p>
+          <a:p>
+            <a:endParaRPr lang="en-US" dirty="0"/>
+          </a:p>
+        </p:txBody>
+      </p:sp>
+      <p:pic>
+        <p:nvPicPr>
+          <p:cNvPr id="4" name="Inhaltsplatzhalter 4" descr="Ein Bild, das Text, Diagramm, Reihe, Screenshot enthält.&#10;&#10;Automatisch generierte Beschreibung">
+            <a:extLst>
+              <a:ext uri="{FF2B5EF4-FFF2-40B4-BE49-F238E27FC236}">
+                <a16:creationId xmlns:a16="http://schemas.microsoft.com/office/drawing/2014/main" id="{E4D57FDA-4BB9-6875-517E-A4068CECD944}"/>
+              </a:ext>
+            </a:extLst>
+          </p:cNvPr>
+          <p:cNvPicPr>
+            <a:picLocks noChangeAspect="1"/>
+          </p:cNvPicPr>
+          <p:nvPr/>
+        </p:nvPicPr>
+        <p:blipFill>
+          <a:blip r:embed="rId2">
+            <a:extLst>
+              <a:ext uri="{28A0092B-C50C-407E-A947-70E740481C1C}">
+                <a14:useLocalDpi xmlns:a14="http://schemas.microsoft.com/office/drawing/2010/main" val="0"/>
+              </a:ext>
+            </a:extLst>
+          </a:blip>
+          <a:stretch>
+            <a:fillRect/>
+          </a:stretch>
+        </p:blipFill>
+        <p:spPr>
+          <a:xfrm>
+            <a:off x="6598730" y="1825625"/>
+            <a:ext cx="4755070" cy="4351338"/>
+          </a:xfrm>
+          <a:prstGeom prst="rect">
+            <a:avLst/>
+          </a:prstGeom>
+        </p:spPr>
+      </p:pic>
+    </p:spTree>
+    <p:extLst>
+      <p:ext uri="{BB962C8B-B14F-4D97-AF65-F5344CB8AC3E}">
+        <p14:creationId xmlns:p14="http://schemas.microsoft.com/office/powerpoint/2010/main" val="2288234072"/>
+      </p:ext>
+    </p:extLst>
+  </p:cSld>
+  <p:clrMapOvr>
+    <a:masterClrMapping/>
+  </p:clrMapOvr>
+</p:sld>
+</file>
+
+<file path=ppt/slides/slide19.xml><?xml version="1.0" encoding="utf-8"?>
+<p:sld xmlns:a="http://schemas.openxmlformats.org/drawingml/2006/main" xmlns:r="http://schemas.openxmlformats.org/officeDocument/2006/relationships" xmlns:p="http://schemas.openxmlformats.org/presentationml/2006/main">
+  <p:cSld>
+    <p:spTree>
+      <p:nvGrpSpPr>
+        <p:cNvPr id="1" name=""/>
+        <p:cNvGrpSpPr/>
+        <p:nvPr/>
+      </p:nvGrpSpPr>
+      <p:grpSpPr>
+        <a:xfrm>
+          <a:off x="0" y="0"/>
+          <a:ext cx="0" cy="0"/>
+          <a:chOff x="0" y="0"/>
+          <a:chExt cx="0" cy="0"/>
+        </a:xfrm>
+      </p:grpSpPr>
+      <p:sp>
+        <p:nvSpPr>
+          <p:cNvPr id="2" name="Titel 1">
+            <a:extLst>
+              <a:ext uri="{FF2B5EF4-FFF2-40B4-BE49-F238E27FC236}">
+                <a16:creationId xmlns:a16="http://schemas.microsoft.com/office/drawing/2014/main" id="{C59E43C9-FE71-6C07-4A88-1742C638FAEE}"/>
+              </a:ext>
+            </a:extLst>
+          </p:cNvPr>
+          <p:cNvSpPr>
+            <a:spLocks noGrp="1"/>
+          </p:cNvSpPr>
+          <p:nvPr>
+            <p:ph type="title"/>
+          </p:nvPr>
+        </p:nvSpPr>
+        <p:spPr/>
+        <p:txBody>
+          <a:bodyPr/>
+          <a:lstStyle/>
+          <a:p>
+            <a:r>
+              <a:rPr lang="en-US" dirty="0"/>
+              <a:t>Conclusion</a:t>
+            </a:r>
+          </a:p>
+        </p:txBody>
+      </p:sp>
+      <p:sp>
+        <p:nvSpPr>
+          <p:cNvPr id="3" name="Inhaltsplatzhalter 2">
+            <a:extLst>
+              <a:ext uri="{FF2B5EF4-FFF2-40B4-BE49-F238E27FC236}">
+                <a16:creationId xmlns:a16="http://schemas.microsoft.com/office/drawing/2014/main" id="{689896BD-DDB6-AE24-4549-F412AE2ECE26}"/>
+              </a:ext>
+            </a:extLst>
+          </p:cNvPr>
+          <p:cNvSpPr>
+            <a:spLocks noGrp="1"/>
+          </p:cNvSpPr>
+          <p:nvPr>
+            <p:ph idx="1"/>
+          </p:nvPr>
+        </p:nvSpPr>
+        <p:spPr/>
+        <p:txBody>
+          <a:bodyPr/>
+          <a:lstStyle/>
+          <a:p>
+            <a:r>
+              <a:rPr lang="en-US" dirty="0"/>
+              <a:t>Sowing date does not seem to affect the number of kernels, independent of their size</a:t>
+            </a:r>
+          </a:p>
+          <a:p>
+            <a:r>
+              <a:rPr lang="en-US" dirty="0"/>
+              <a:t>The data collected suggests, that the sowing date influenced the grain setting rate</a:t>
+            </a:r>
+          </a:p>
+          <a:p>
+            <a:r>
+              <a:rPr lang="en-US" dirty="0"/>
+              <a:t>After anthesis there doesn’t seem to be a difference in floret per spike numbers</a:t>
+            </a:r>
+          </a:p>
+          <a:p>
+            <a:endParaRPr lang="en-US" dirty="0"/>
+          </a:p>
+          <a:p>
+            <a:pPr marL="0" indent="0">
+              <a:buNone/>
+            </a:pPr>
+            <a:endParaRPr lang="en-US" dirty="0"/>
+          </a:p>
+        </p:txBody>
+      </p:sp>
+    </p:spTree>
+    <p:extLst>
+      <p:ext uri="{BB962C8B-B14F-4D97-AF65-F5344CB8AC3E}">
+        <p14:creationId xmlns:p14="http://schemas.microsoft.com/office/powerpoint/2010/main" val="1352553146"/>
+      </p:ext>
+    </p:extLst>
+  </p:cSld>
+  <p:clrMapOvr>
+    <a:masterClrMapping/>
+  </p:clrMapOvr>
+</p:sld>
+</file>
+
 <file path=ppt/slides/slide2.xml><?xml version="1.0" encoding="utf-8"?>
 <p:sld xmlns:a="http://schemas.openxmlformats.org/drawingml/2006/main" xmlns:r="http://schemas.openxmlformats.org/officeDocument/2006/relationships" xmlns:p="http://schemas.openxmlformats.org/presentationml/2006/main">
   <p:cSld>
@@ -7399,6 +10832,472 @@
 </p:sld>
 </file>
 
+<file path=ppt/slides/slide20.xml><?xml version="1.0" encoding="utf-8"?>
+<p:sld xmlns:a="http://schemas.openxmlformats.org/drawingml/2006/main" xmlns:r="http://schemas.openxmlformats.org/officeDocument/2006/relationships" xmlns:p="http://schemas.openxmlformats.org/presentationml/2006/main">
+  <p:cSld>
+    <p:spTree>
+      <p:nvGrpSpPr>
+        <p:cNvPr id="1" name=""/>
+        <p:cNvGrpSpPr/>
+        <p:nvPr/>
+      </p:nvGrpSpPr>
+      <p:grpSpPr>
+        <a:xfrm>
+          <a:off x="0" y="0"/>
+          <a:ext cx="0" cy="0"/>
+          <a:chOff x="0" y="0"/>
+          <a:chExt cx="0" cy="0"/>
+        </a:xfrm>
+      </p:grpSpPr>
+      <p:sp>
+        <p:nvSpPr>
+          <p:cNvPr id="2" name="Titel 1">
+            <a:extLst>
+              <a:ext uri="{FF2B5EF4-FFF2-40B4-BE49-F238E27FC236}">
+                <a16:creationId xmlns:a16="http://schemas.microsoft.com/office/drawing/2014/main" id="{1C6C281C-ACBB-F53A-96DF-E7A2295052A1}"/>
+              </a:ext>
+            </a:extLst>
+          </p:cNvPr>
+          <p:cNvSpPr>
+            <a:spLocks noGrp="1"/>
+          </p:cNvSpPr>
+          <p:nvPr>
+            <p:ph type="title"/>
+          </p:nvPr>
+        </p:nvSpPr>
+        <p:spPr/>
+        <p:txBody>
+          <a:bodyPr/>
+          <a:lstStyle/>
+          <a:p>
+            <a:r>
+              <a:rPr lang="en-US" dirty="0"/>
+              <a:t>References</a:t>
+            </a:r>
+          </a:p>
+        </p:txBody>
+      </p:sp>
+      <p:sp>
+        <p:nvSpPr>
+          <p:cNvPr id="3" name="Inhaltsplatzhalter 2">
+            <a:extLst>
+              <a:ext uri="{FF2B5EF4-FFF2-40B4-BE49-F238E27FC236}">
+                <a16:creationId xmlns:a16="http://schemas.microsoft.com/office/drawing/2014/main" id="{A7688D75-E10F-ECE5-125E-4F83D5BD826B}"/>
+              </a:ext>
+            </a:extLst>
+          </p:cNvPr>
+          <p:cNvSpPr>
+            <a:spLocks noGrp="1"/>
+          </p:cNvSpPr>
+          <p:nvPr>
+            <p:ph idx="1"/>
+          </p:nvPr>
+        </p:nvSpPr>
+        <p:spPr/>
+        <p:txBody>
+          <a:bodyPr>
+            <a:normAutofit/>
+          </a:bodyPr>
+          <a:lstStyle/>
+          <a:p>
+            <a:pPr>
+              <a:buFont typeface="+mj-lt"/>
+              <a:buAutoNum type="arabicPeriod"/>
+            </a:pPr>
+            <a:r>
+              <a:rPr lang="de-DE" sz="1000" dirty="0" err="1"/>
+              <a:t>Boussora</a:t>
+            </a:r>
+            <a:r>
+              <a:rPr lang="de-DE" sz="1000" dirty="0"/>
+              <a:t>, F., Allam, M., </a:t>
+            </a:r>
+            <a:r>
+              <a:rPr lang="de-DE" sz="1000" dirty="0" err="1"/>
+              <a:t>Guasmi</a:t>
+            </a:r>
+            <a:r>
+              <a:rPr lang="de-DE" sz="1000" dirty="0"/>
+              <a:t>, F., </a:t>
+            </a:r>
+            <a:r>
+              <a:rPr lang="de-DE" sz="1000" dirty="0" err="1"/>
+              <a:t>Ferchichi</a:t>
+            </a:r>
+            <a:r>
+              <a:rPr lang="de-DE" sz="1000" dirty="0"/>
+              <a:t>, A., Rutten, T., Hansson, M., ... &amp; Börner, A. (2019). Spike </a:t>
+            </a:r>
+            <a:r>
+              <a:rPr lang="de-DE" sz="1000" dirty="0" err="1"/>
+              <a:t>developmental</a:t>
+            </a:r>
+            <a:r>
+              <a:rPr lang="de-DE" sz="1000" dirty="0"/>
+              <a:t> </a:t>
+            </a:r>
+            <a:r>
+              <a:rPr lang="de-DE" sz="1000" dirty="0" err="1"/>
+              <a:t>stages</a:t>
+            </a:r>
+            <a:r>
+              <a:rPr lang="de-DE" sz="1000" dirty="0"/>
+              <a:t> and ABA </a:t>
+            </a:r>
+            <a:r>
+              <a:rPr lang="de-DE" sz="1000" dirty="0" err="1"/>
+              <a:t>role</a:t>
+            </a:r>
+            <a:r>
+              <a:rPr lang="de-DE" sz="1000" dirty="0"/>
+              <a:t> in </a:t>
+            </a:r>
+            <a:r>
+              <a:rPr lang="de-DE" sz="1000" dirty="0" err="1"/>
+              <a:t>spikelet</a:t>
+            </a:r>
+            <a:r>
+              <a:rPr lang="de-DE" sz="1000" dirty="0"/>
+              <a:t> </a:t>
+            </a:r>
+            <a:r>
+              <a:rPr lang="de-DE" sz="1000" dirty="0" err="1"/>
+              <a:t>primordia</a:t>
+            </a:r>
+            <a:r>
+              <a:rPr lang="de-DE" sz="1000" dirty="0"/>
+              <a:t> </a:t>
+            </a:r>
+            <a:r>
+              <a:rPr lang="de-DE" sz="1000" dirty="0" err="1"/>
+              <a:t>abortion</a:t>
+            </a:r>
+            <a:r>
+              <a:rPr lang="de-DE" sz="1000" dirty="0"/>
+              <a:t> </a:t>
+            </a:r>
+            <a:r>
+              <a:rPr lang="de-DE" sz="1000" dirty="0" err="1"/>
+              <a:t>contribute</a:t>
+            </a:r>
+            <a:r>
+              <a:rPr lang="de-DE" sz="1000" dirty="0"/>
+              <a:t> </a:t>
+            </a:r>
+            <a:r>
+              <a:rPr lang="de-DE" sz="1000" dirty="0" err="1"/>
+              <a:t>to</a:t>
+            </a:r>
+            <a:r>
+              <a:rPr lang="de-DE" sz="1000" dirty="0"/>
+              <a:t> </a:t>
+            </a:r>
+            <a:r>
+              <a:rPr lang="de-DE" sz="1000" dirty="0" err="1"/>
+              <a:t>the</a:t>
+            </a:r>
+            <a:r>
+              <a:rPr lang="de-DE" sz="1000" dirty="0"/>
+              <a:t> final </a:t>
+            </a:r>
+            <a:r>
+              <a:rPr lang="de-DE" sz="1000" dirty="0" err="1"/>
+              <a:t>yield</a:t>
+            </a:r>
+            <a:r>
+              <a:rPr lang="de-DE" sz="1000" dirty="0"/>
+              <a:t> in </a:t>
+            </a:r>
+            <a:r>
+              <a:rPr lang="de-DE" sz="1000" dirty="0" err="1"/>
+              <a:t>barley</a:t>
+            </a:r>
+            <a:r>
+              <a:rPr lang="de-DE" sz="1000" dirty="0"/>
+              <a:t> (</a:t>
+            </a:r>
+            <a:r>
+              <a:rPr lang="de-DE" sz="1000" dirty="0" err="1"/>
+              <a:t>Hordeum</a:t>
+            </a:r>
+            <a:r>
+              <a:rPr lang="de-DE" sz="1000" dirty="0"/>
+              <a:t> vulgare L.). </a:t>
+            </a:r>
+            <a:r>
+              <a:rPr lang="de-DE" sz="1000" dirty="0" err="1"/>
+              <a:t>Botanical</a:t>
+            </a:r>
+            <a:r>
+              <a:rPr lang="de-DE" sz="1000" dirty="0"/>
+              <a:t> Studies, 60(1), 1-11</a:t>
+            </a:r>
+          </a:p>
+          <a:p>
+            <a:pPr>
+              <a:buFont typeface="+mj-lt"/>
+              <a:buAutoNum type="arabicPeriod"/>
+            </a:pPr>
+            <a:r>
+              <a:rPr lang="de-DE" sz="1000" dirty="0"/>
+              <a:t>Tien Chang Wang: B. Sc. Project „</a:t>
+            </a:r>
+            <a:r>
+              <a:rPr lang="de-DE" sz="1000" dirty="0" err="1"/>
+              <a:t>Contribution</a:t>
+            </a:r>
+            <a:r>
+              <a:rPr lang="de-DE" sz="1000" dirty="0"/>
+              <a:t> </a:t>
+            </a:r>
+            <a:r>
+              <a:rPr lang="de-DE" sz="1000" dirty="0" err="1"/>
+              <a:t>of</a:t>
+            </a:r>
+            <a:r>
+              <a:rPr lang="de-DE" sz="1000" dirty="0"/>
+              <a:t> </a:t>
+            </a:r>
+            <a:r>
+              <a:rPr lang="de-DE" sz="1000" dirty="0" err="1"/>
+              <a:t>ear</a:t>
+            </a:r>
+            <a:r>
+              <a:rPr lang="de-DE" sz="1000" dirty="0"/>
+              <a:t> </a:t>
+            </a:r>
+            <a:r>
+              <a:rPr lang="de-DE" sz="1000" dirty="0" err="1"/>
+              <a:t>development</a:t>
+            </a:r>
+            <a:r>
+              <a:rPr lang="de-DE" sz="1000" dirty="0"/>
+              <a:t> </a:t>
+            </a:r>
+            <a:r>
+              <a:rPr lang="de-DE" sz="1000" dirty="0" err="1"/>
+              <a:t>to</a:t>
+            </a:r>
+            <a:r>
+              <a:rPr lang="de-DE" sz="1000" dirty="0"/>
+              <a:t> </a:t>
+            </a:r>
+            <a:r>
+              <a:rPr lang="de-DE" sz="1000" dirty="0" err="1"/>
+              <a:t>yield</a:t>
+            </a:r>
+            <a:r>
+              <a:rPr lang="de-DE" sz="1000" dirty="0"/>
+              <a:t> </a:t>
+            </a:r>
+            <a:r>
+              <a:rPr lang="de-DE" sz="1000" dirty="0" err="1"/>
+              <a:t>stability</a:t>
+            </a:r>
+            <a:r>
+              <a:rPr lang="de-DE" sz="1000" dirty="0"/>
+              <a:t> in </a:t>
+            </a:r>
+            <a:r>
+              <a:rPr lang="de-DE" sz="1000" dirty="0" err="1"/>
+              <a:t>winter</a:t>
+            </a:r>
+            <a:r>
+              <a:rPr lang="de-DE" sz="1000" dirty="0"/>
+              <a:t> </a:t>
+            </a:r>
+            <a:r>
+              <a:rPr lang="de-DE" sz="1000" dirty="0" err="1"/>
+              <a:t>wheat</a:t>
+            </a:r>
+            <a:r>
+              <a:rPr lang="de-DE" sz="1000" dirty="0"/>
+              <a:t>“, 2023, Week 3, Slide 13</a:t>
+            </a:r>
+          </a:p>
+          <a:p>
+            <a:pPr>
+              <a:buFont typeface="+mj-lt"/>
+              <a:buAutoNum type="arabicPeriod"/>
+            </a:pPr>
+            <a:r>
+              <a:rPr lang="en-US" sz="1000" dirty="0"/>
+              <a:t>Ali, M. A., Ali, M., Sattar, M., &amp; Ali, L. (2010). Sowing date effect on yield of different wheat varieties. J. Agric. Res, 48(2), 157-162.</a:t>
+            </a:r>
+          </a:p>
+          <a:p>
+            <a:pPr>
+              <a:buFont typeface="+mj-lt"/>
+              <a:buAutoNum type="arabicPeriod"/>
+            </a:pPr>
+            <a:r>
+              <a:rPr lang="en-US" sz="1000" dirty="0" err="1"/>
+              <a:t>Slafer</a:t>
+            </a:r>
+            <a:r>
+              <a:rPr lang="en-US" sz="1000" dirty="0"/>
+              <a:t>, G. A., Savin, R., Pinochet, D., &amp; </a:t>
+            </a:r>
+            <a:r>
+              <a:rPr lang="en-US" sz="1000" dirty="0" err="1"/>
+              <a:t>Calderini</a:t>
+            </a:r>
+            <a:r>
+              <a:rPr lang="en-US" sz="1000" dirty="0"/>
+              <a:t>, D. F. (2021). Wheat. In Crop physiology case histories for major crops (pp. 98-163). Academic Press.</a:t>
+            </a:r>
+          </a:p>
+          <a:p>
+            <a:pPr>
+              <a:buFont typeface="+mj-lt"/>
+              <a:buAutoNum type="arabicPeriod"/>
+            </a:pPr>
+            <a:r>
+              <a:rPr lang="en-US" sz="1000" dirty="0"/>
+              <a:t>Fischer, R. A. (2011). Wheat physiology: a review of recent developments. Crop and Pasture Science, 62(2), 95-114.</a:t>
+            </a:r>
+          </a:p>
+          <a:p>
+            <a:pPr>
+              <a:buFont typeface="+mj-lt"/>
+              <a:buAutoNum type="arabicPeriod"/>
+            </a:pPr>
+            <a:r>
+              <a:rPr lang="en-US" sz="1000" dirty="0"/>
+              <a:t>Guo, Z., Chen, D., &amp; </a:t>
+            </a:r>
+            <a:r>
+              <a:rPr lang="en-US" sz="1000" dirty="0" err="1"/>
+              <a:t>Schnurbusch</a:t>
+            </a:r>
+            <a:r>
+              <a:rPr lang="en-US" sz="1000" dirty="0"/>
+              <a:t>, T. (2015). Variance components, heritability and correlation analysis of anther and ovary size during the floral development of bread wheat. Journal of Experimental Botany, 66(11), 3099-3111</a:t>
+            </a:r>
+          </a:p>
+          <a:p>
+            <a:pPr>
+              <a:buFont typeface="+mj-lt"/>
+              <a:buAutoNum type="arabicPeriod"/>
+            </a:pPr>
+            <a:r>
+              <a:rPr lang="en-US" sz="1000" dirty="0" err="1"/>
+              <a:t>Koppolu</a:t>
+            </a:r>
+            <a:r>
+              <a:rPr lang="en-US" sz="1000" dirty="0"/>
+              <a:t>, R., &amp; </a:t>
+            </a:r>
+            <a:r>
+              <a:rPr lang="en-US" sz="1000" dirty="0" err="1"/>
+              <a:t>Schnurbusch</a:t>
+            </a:r>
+            <a:r>
+              <a:rPr lang="en-US" sz="1000" dirty="0"/>
+              <a:t>, T. (2019). Developmental pathways for shaping spike inflorescence architecture in barley and wheat. Journal of integrative plant biology, 61(3), 278-295</a:t>
+            </a:r>
+          </a:p>
+          <a:p>
+            <a:pPr>
+              <a:buFont typeface="+mj-lt"/>
+              <a:buAutoNum type="arabicPeriod"/>
+            </a:pPr>
+            <a:r>
+              <a:rPr lang="en-US" sz="1000" dirty="0"/>
+              <a:t>Sakuma, S., &amp; </a:t>
+            </a:r>
+            <a:r>
+              <a:rPr lang="en-US" sz="1000" dirty="0" err="1"/>
+              <a:t>Schnurbusch</a:t>
+            </a:r>
+            <a:r>
+              <a:rPr lang="en-US" sz="1000" dirty="0"/>
+              <a:t>, T. (2020). Of floral fortune: tinkering with the grain yield potential of cereal crops. New Phytologist, 225(5), 1873-1882.</a:t>
+            </a:r>
+          </a:p>
+          <a:p>
+            <a:pPr>
+              <a:buFont typeface="+mj-lt"/>
+              <a:buAutoNum type="arabicPeriod"/>
+            </a:pPr>
+            <a:r>
+              <a:rPr lang="en-US" sz="1000" dirty="0"/>
+              <a:t>Spink, J. H., </a:t>
+            </a:r>
+            <a:r>
+              <a:rPr lang="en-US" sz="1000" dirty="0" err="1"/>
+              <a:t>Semere</a:t>
+            </a:r>
+            <a:r>
+              <a:rPr lang="en-US" sz="1000" dirty="0"/>
+              <a:t>, T., Sparkes, D. L., Whaley, J. M., Foulkes, M. J., Clare, R. W., &amp; Scott, R. K. (2000). Effect of sowing date on the optimum plant density of winter wheat. Annals of applied biology, 137(2), 179-188.</a:t>
+            </a:r>
+          </a:p>
+          <a:p>
+            <a:pPr>
+              <a:buFont typeface="+mj-lt"/>
+              <a:buAutoNum type="arabicPeriod"/>
+            </a:pPr>
+            <a:r>
+              <a:rPr lang="en-US" sz="1000" dirty="0"/>
+              <a:t>Hyles, J., Bloomfield, M. T., Hunt, J. R., </a:t>
+            </a:r>
+            <a:r>
+              <a:rPr lang="en-US" sz="1000" dirty="0" err="1"/>
+              <a:t>Trethowan</a:t>
+            </a:r>
+            <a:r>
+              <a:rPr lang="en-US" sz="1000" dirty="0"/>
+              <a:t>, R. M., &amp; </a:t>
+            </a:r>
+            <a:r>
+              <a:rPr lang="en-US" sz="1000" dirty="0" err="1"/>
+              <a:t>Trevaskis</a:t>
+            </a:r>
+            <a:r>
+              <a:rPr lang="en-US" sz="1000" dirty="0"/>
+              <a:t>, B. (2020). Phenology and related traits for wheat adaptation. Heredity, 125(6), 417-430.</a:t>
+            </a:r>
+          </a:p>
+          <a:p>
+            <a:pPr>
+              <a:buFont typeface="+mj-lt"/>
+              <a:buAutoNum type="arabicPeriod"/>
+            </a:pPr>
+            <a:r>
+              <a:rPr lang="en-US" sz="1000" dirty="0"/>
+              <a:t>Meier, U. (1997). Growth stages of mono-and dicotyledonous plants. Berlin [etc.]: Blackwell.</a:t>
+            </a:r>
+          </a:p>
+          <a:p>
+            <a:pPr>
+              <a:buFont typeface="+mj-lt"/>
+              <a:buAutoNum type="arabicPeriod"/>
+            </a:pPr>
+            <a:endParaRPr lang="en-US" sz="1000" dirty="0"/>
+          </a:p>
+          <a:p>
+            <a:pPr>
+              <a:buFont typeface="+mj-lt"/>
+              <a:buAutoNum type="arabicPeriod"/>
+            </a:pPr>
+            <a:endParaRPr lang="de-DE" sz="1000" dirty="0"/>
+          </a:p>
+        </p:txBody>
+      </p:sp>
+    </p:spTree>
+    <p:extLst>
+      <p:ext uri="{BB962C8B-B14F-4D97-AF65-F5344CB8AC3E}">
+        <p14:creationId xmlns:p14="http://schemas.microsoft.com/office/powerpoint/2010/main" val="81173594"/>
+      </p:ext>
+    </p:extLst>
+  </p:cSld>
+  <p:clrMapOvr>
+    <a:masterClrMapping/>
+  </p:clrMapOvr>
+</p:sld>
+</file>
+
 <file path=ppt/slides/slide3.xml><?xml version="1.0" encoding="utf-8"?>
 <p:sld xmlns:a="http://schemas.openxmlformats.org/drawingml/2006/main" xmlns:r="http://schemas.openxmlformats.org/officeDocument/2006/relationships" xmlns:p="http://schemas.openxmlformats.org/presentationml/2006/main">
   <p:cSld>
@@ -7513,8 +11412,8 @@
         </p:nvSpPr>
         <p:spPr>
           <a:xfrm>
-            <a:off x="7884502" y="6268438"/>
-            <a:ext cx="3088298" cy="369332"/>
+            <a:off x="7884501" y="6268438"/>
+            <a:ext cx="3378855" cy="369332"/>
           </a:xfrm>
           <a:prstGeom prst="rect">
             <a:avLst/>
@@ -7528,59 +11427,59 @@
           <a:lstStyle/>
           <a:p>
             <a:r>
-              <a:rPr lang="de-DE" sz="1800" u="sng" dirty="0">
+              <a:rPr lang="de-DE" dirty="0">
+                <a:solidFill>
+                  <a:srgbClr val="000000"/>
+                </a:solidFill>
+                <a:latin typeface="Calibri" panose="020F0502020204030204" pitchFamily="34" charset="0"/>
+              </a:rPr>
+              <a:t>Source: </a:t>
+            </a:r>
+            <a:r>
+              <a:rPr lang="de-DE" dirty="0" err="1">
+                <a:solidFill>
+                  <a:srgbClr val="000000"/>
+                </a:solidFill>
+                <a:latin typeface="Calibri" panose="020F0502020204030204" pitchFamily="34" charset="0"/>
+              </a:rPr>
+              <a:t>Boussora</a:t>
+            </a:r>
+            <a:r>
+              <a:rPr lang="de-DE" dirty="0">
+                <a:solidFill>
+                  <a:srgbClr val="000000"/>
+                </a:solidFill>
+                <a:latin typeface="Calibri" panose="020F0502020204030204" pitchFamily="34" charset="0"/>
+              </a:rPr>
+              <a:t> </a:t>
+            </a:r>
+            <a:r>
+              <a:rPr lang="de-DE" i="1" dirty="0">
+                <a:solidFill>
+                  <a:srgbClr val="000000"/>
+                </a:solidFill>
+                <a:latin typeface="Calibri" panose="020F0502020204030204" pitchFamily="34" charset="0"/>
+              </a:rPr>
+              <a:t>et al.</a:t>
+            </a:r>
+            <a:r>
+              <a:rPr lang="de-DE" dirty="0">
+                <a:solidFill>
+                  <a:srgbClr val="000000"/>
+                </a:solidFill>
+                <a:latin typeface="Calibri" panose="020F0502020204030204" pitchFamily="34" charset="0"/>
+              </a:rPr>
+              <a:t> (2019)</a:t>
+            </a:r>
+            <a:r>
+              <a:rPr lang="de-DE" sz="1800" dirty="0">
                 <a:solidFill>
                   <a:srgbClr val="000000"/>
                 </a:solidFill>
                 <a:effectLst/>
                 <a:latin typeface="Calibri" panose="020F0502020204030204" pitchFamily="34" charset="0"/>
-                <a:hlinkClick r:id="rId3" tooltip="https://as-botanicalstudies.springeropen.com/articles/10.1186/s40529-019-0261-2"/>
               </a:rPr>
-              <a:t>Source: (</a:t>
-            </a:r>
-            <a:r>
-              <a:rPr lang="de-DE" sz="1800" u="sng" dirty="0" err="1">
-                <a:solidFill>
-                  <a:srgbClr val="000000"/>
-                </a:solidFill>
-                <a:effectLst/>
-                <a:latin typeface="Calibri" panose="020F0502020204030204" pitchFamily="34" charset="0"/>
-                <a:hlinkClick r:id="rId3" tooltip="https://as-botanicalstudies.springeropen.com/articles/10.1186/s40529-019-0261-2"/>
-              </a:rPr>
-              <a:t>Boussora</a:t>
-            </a:r>
-            <a:r>
-              <a:rPr lang="de-DE" sz="1800" u="sng" dirty="0">
-                <a:solidFill>
-                  <a:srgbClr val="000000"/>
-                </a:solidFill>
-                <a:effectLst/>
-                <a:latin typeface="Calibri" panose="020F0502020204030204" pitchFamily="34" charset="0"/>
-                <a:hlinkClick r:id="rId3" tooltip="https://as-botanicalstudies.springeropen.com/articles/10.1186/s40529-019-0261-2"/>
-              </a:rPr>
-              <a:t> </a:t>
-            </a:r>
-            <a:r>
-              <a:rPr lang="de-DE" sz="1800" i="1" u="sng" dirty="0">
-                <a:solidFill>
-                  <a:srgbClr val="000000"/>
-                </a:solidFill>
-                <a:effectLst/>
-                <a:latin typeface="Calibri" panose="020F0502020204030204" pitchFamily="34" charset="0"/>
-                <a:hlinkClick r:id="rId3" tooltip="https://as-botanicalstudies.springeropen.com/articles/10.1186/s40529-019-0261-2"/>
-              </a:rPr>
-              <a:t>et al.</a:t>
-            </a:r>
-            <a:r>
-              <a:rPr lang="de-DE" sz="1800" u="sng" dirty="0">
-                <a:solidFill>
-                  <a:srgbClr val="000000"/>
-                </a:solidFill>
-                <a:effectLst/>
-                <a:latin typeface="Calibri" panose="020F0502020204030204" pitchFamily="34" charset="0"/>
-                <a:hlinkClick r:id="rId3" tooltip="https://as-botanicalstudies.springeropen.com/articles/10.1186/s40529-019-0261-2"/>
-              </a:rPr>
-              <a:t>, 2019)</a:t>
+              <a:t>, [1]</a:t>
             </a:r>
             <a:endParaRPr lang="de-DE" dirty="0">
               <a:effectLst/>
@@ -7718,7 +11617,7 @@
         <p:spPr>
           <a:xfrm>
             <a:off x="8024241" y="4997512"/>
-            <a:ext cx="2706986" cy="646331"/>
+            <a:ext cx="2706986" cy="923330"/>
           </a:xfrm>
           <a:prstGeom prst="rect">
             <a:avLst/>
@@ -7733,7 +11632,7 @@
           <a:p>
             <a:r>
               <a:rPr lang="de-DE" dirty="0"/>
-              <a:t>(Source: Tien Cheng Wang)</a:t>
+              <a:t>Source: Tien Cheng Wang (2023), [2]</a:t>
             </a:r>
           </a:p>
           <a:p>
@@ -7776,7 +11675,7 @@
           <p:cNvPr id="2" name="Titel 1">
             <a:extLst>
               <a:ext uri="{FF2B5EF4-FFF2-40B4-BE49-F238E27FC236}">
-                <a16:creationId xmlns:a16="http://schemas.microsoft.com/office/drawing/2014/main" id="{701A5DF1-304D-36FE-3DAC-01A918DEE44C}"/>
+                <a16:creationId xmlns:a16="http://schemas.microsoft.com/office/drawing/2014/main" id="{77237B3F-7D49-0341-C82C-F9A774945989}"/>
               </a:ext>
             </a:extLst>
           </p:cNvPr>
@@ -7793,10 +11692,9 @@
           <a:lstStyle/>
           <a:p>
             <a:r>
-              <a:rPr lang="de-DE" dirty="0" err="1"/>
-              <a:t>Hypotheses</a:t>
-            </a:r>
-            <a:endParaRPr lang="de-DE" dirty="0"/>
+              <a:rPr lang="en-US" dirty="0"/>
+              <a:t>Sowing Dates</a:t>
+            </a:r>
           </a:p>
         </p:txBody>
       </p:sp>
@@ -7805,7 +11703,7 @@
           <p:cNvPr id="3" name="Inhaltsplatzhalter 2">
             <a:extLst>
               <a:ext uri="{FF2B5EF4-FFF2-40B4-BE49-F238E27FC236}">
-                <a16:creationId xmlns:a16="http://schemas.microsoft.com/office/drawing/2014/main" id="{00D033D7-37DC-249F-6BC9-664397251A03}"/>
+                <a16:creationId xmlns:a16="http://schemas.microsoft.com/office/drawing/2014/main" id="{CAC6732C-394B-EFCD-755C-C3E947F35777}"/>
               </a:ext>
             </a:extLst>
           </p:cNvPr>
@@ -7821,13 +11719,358 @@
           <a:bodyPr/>
           <a:lstStyle/>
           <a:p>
+            <a:r>
+              <a:rPr lang="en-US" dirty="0"/>
+              <a:t>Optimal sowing dates are different for different regions (</a:t>
+            </a:r>
+            <a:r>
+              <a:rPr lang="da-DK" dirty="0"/>
+              <a:t>Ali, Muhammad Anjum et al., 2010, </a:t>
+            </a:r>
+            <a:r>
+              <a:rPr lang="en-US" dirty="0"/>
+              <a:t>[3])</a:t>
+            </a:r>
+          </a:p>
+          <a:p>
+            <a:r>
+              <a:rPr lang="en-US" dirty="0"/>
+              <a:t>Early sowing will result in a longer vegetative phase (</a:t>
+            </a:r>
+            <a:r>
+              <a:rPr lang="en-US" sz="2800" dirty="0"/>
+              <a:t>Gustavo A. et. al, 2021, [4])</a:t>
+            </a:r>
+            <a:endParaRPr lang="en-US" dirty="0"/>
+          </a:p>
+          <a:p>
+            <a:pPr lvl="1"/>
+            <a:r>
+              <a:rPr lang="en-US" dirty="0"/>
+              <a:t>This period has very low yield sensitivity</a:t>
+            </a:r>
+          </a:p>
+          <a:p>
+            <a:r>
+              <a:rPr lang="en-US" dirty="0"/>
+              <a:t>The main goal is to choose a date with minimized stress factors to the plant (</a:t>
+            </a:r>
+            <a:r>
+              <a:rPr lang="en-US" sz="2800" dirty="0"/>
+              <a:t>Gustavo A. et. al, 2021, [4])</a:t>
+            </a:r>
+          </a:p>
+          <a:p>
+            <a:endParaRPr lang="en-US" dirty="0"/>
+          </a:p>
+          <a:p>
+            <a:endParaRPr lang="en-US" dirty="0"/>
+          </a:p>
+          <a:p>
+            <a:pPr lvl="1"/>
+            <a:endParaRPr lang="en-US" dirty="0"/>
+          </a:p>
+          <a:p>
+            <a:endParaRPr lang="en-US" dirty="0"/>
+          </a:p>
+          <a:p>
+            <a:endParaRPr lang="en-US" dirty="0"/>
+          </a:p>
+          <a:p>
+            <a:endParaRPr lang="en-US" dirty="0"/>
+          </a:p>
+        </p:txBody>
+      </p:sp>
+    </p:spTree>
+    <p:extLst>
+      <p:ext uri="{BB962C8B-B14F-4D97-AF65-F5344CB8AC3E}">
+        <p14:creationId xmlns:p14="http://schemas.microsoft.com/office/powerpoint/2010/main" val="752233143"/>
+      </p:ext>
+    </p:extLst>
+  </p:cSld>
+  <p:clrMapOvr>
+    <a:masterClrMapping/>
+  </p:clrMapOvr>
+</p:sld>
+</file>
+
+<file path=ppt/slides/slide6.xml><?xml version="1.0" encoding="utf-8"?>
+<p:sld xmlns:a="http://schemas.openxmlformats.org/drawingml/2006/main" xmlns:r="http://schemas.openxmlformats.org/officeDocument/2006/relationships" xmlns:p="http://schemas.openxmlformats.org/presentationml/2006/main">
+  <p:cSld>
+    <p:spTree>
+      <p:nvGrpSpPr>
+        <p:cNvPr id="1" name=""/>
+        <p:cNvGrpSpPr/>
+        <p:nvPr/>
+      </p:nvGrpSpPr>
+      <p:grpSpPr>
+        <a:xfrm>
+          <a:off x="0" y="0"/>
+          <a:ext cx="0" cy="0"/>
+          <a:chOff x="0" y="0"/>
+          <a:chExt cx="0" cy="0"/>
+        </a:xfrm>
+      </p:grpSpPr>
+      <p:sp>
+        <p:nvSpPr>
+          <p:cNvPr id="2" name="Titel 1">
+            <a:extLst>
+              <a:ext uri="{FF2B5EF4-FFF2-40B4-BE49-F238E27FC236}">
+                <a16:creationId xmlns:a16="http://schemas.microsoft.com/office/drawing/2014/main" id="{8D8EAB83-4BA8-7F41-8523-BD0C38F1806A}"/>
+              </a:ext>
+            </a:extLst>
+          </p:cNvPr>
+          <p:cNvSpPr>
+            <a:spLocks noGrp="1"/>
+          </p:cNvSpPr>
+          <p:nvPr>
+            <p:ph type="title"/>
+          </p:nvPr>
+        </p:nvSpPr>
+        <p:spPr/>
+        <p:txBody>
+          <a:bodyPr/>
+          <a:lstStyle/>
+          <a:p>
+            <a:r>
+              <a:rPr lang="en-US" dirty="0"/>
+              <a:t>Floret Number</a:t>
+            </a:r>
+          </a:p>
+        </p:txBody>
+      </p:sp>
+      <p:sp>
+        <p:nvSpPr>
+          <p:cNvPr id="3" name="Inhaltsplatzhalter 2">
+            <a:extLst>
+              <a:ext uri="{FF2B5EF4-FFF2-40B4-BE49-F238E27FC236}">
+                <a16:creationId xmlns:a16="http://schemas.microsoft.com/office/drawing/2014/main" id="{05E77386-CF57-51BC-BEB2-8B8957E2B638}"/>
+              </a:ext>
+            </a:extLst>
+          </p:cNvPr>
+          <p:cNvSpPr>
+            <a:spLocks noGrp="1"/>
+          </p:cNvSpPr>
+          <p:nvPr>
+            <p:ph idx="1"/>
+          </p:nvPr>
+        </p:nvSpPr>
+        <p:spPr>
+          <a:xfrm>
+            <a:off x="838200" y="1825625"/>
+            <a:ext cx="5618018" cy="4351338"/>
+          </a:xfrm>
+        </p:spPr>
+        <p:txBody>
+          <a:bodyPr/>
+          <a:lstStyle/>
+          <a:p>
+            <a:r>
+              <a:rPr lang="en-US" dirty="0"/>
+              <a:t>Floret abortion happens before anthesis(</a:t>
+            </a:r>
+            <a:r>
+              <a:rPr lang="en-US" sz="2800" dirty="0"/>
+              <a:t>Guo, Z. et. al. (2015), [6])</a:t>
+            </a:r>
+            <a:endParaRPr lang="en-US" dirty="0"/>
+          </a:p>
+          <a:p>
+            <a:pPr lvl="1"/>
+            <a:r>
+              <a:rPr lang="en-US" dirty="0"/>
+              <a:t>After anthesis there shouldn’t be a difference in floret number between probes taken at different times</a:t>
+            </a:r>
+          </a:p>
+          <a:p>
+            <a:endParaRPr lang="en-US" dirty="0"/>
+          </a:p>
+          <a:p>
+            <a:endParaRPr lang="en-US" dirty="0"/>
+          </a:p>
+        </p:txBody>
+      </p:sp>
+      <p:pic>
+        <p:nvPicPr>
+          <p:cNvPr id="5" name="Grafik 4" descr="Ein Bild, das Text, Screenshot, Diagramm, Schrift enthält.&#10;&#10;Automatisch generierte Beschreibung">
+            <a:extLst>
+              <a:ext uri="{FF2B5EF4-FFF2-40B4-BE49-F238E27FC236}">
+                <a16:creationId xmlns:a16="http://schemas.microsoft.com/office/drawing/2014/main" id="{FCC31A95-5B3A-D73D-E668-4D70DD0E5652}"/>
+              </a:ext>
+            </a:extLst>
+          </p:cNvPr>
+          <p:cNvPicPr>
+            <a:picLocks noChangeAspect="1"/>
+          </p:cNvPicPr>
+          <p:nvPr/>
+        </p:nvPicPr>
+        <p:blipFill>
+          <a:blip r:embed="rId2">
+            <a:extLst>
+              <a:ext uri="{28A0092B-C50C-407E-A947-70E740481C1C}">
+                <a14:useLocalDpi xmlns:a14="http://schemas.microsoft.com/office/drawing/2010/main" val="0"/>
+              </a:ext>
+            </a:extLst>
+          </a:blip>
+          <a:stretch>
+            <a:fillRect/>
+          </a:stretch>
+        </p:blipFill>
+        <p:spPr>
+          <a:xfrm>
+            <a:off x="6528953" y="1685486"/>
+            <a:ext cx="4234297" cy="4752782"/>
+          </a:xfrm>
+          <a:prstGeom prst="rect">
+            <a:avLst/>
+          </a:prstGeom>
+        </p:spPr>
+      </p:pic>
+      <p:sp>
+        <p:nvSpPr>
+          <p:cNvPr id="6" name="Textfeld 5">
+            <a:extLst>
+              <a:ext uri="{FF2B5EF4-FFF2-40B4-BE49-F238E27FC236}">
+                <a16:creationId xmlns:a16="http://schemas.microsoft.com/office/drawing/2014/main" id="{46737F34-B54F-E7E7-8F3C-521899C4A554}"/>
+              </a:ext>
+            </a:extLst>
+          </p:cNvPr>
+          <p:cNvSpPr txBox="1"/>
+          <p:nvPr/>
+        </p:nvSpPr>
+        <p:spPr>
+          <a:xfrm>
+            <a:off x="6456218" y="6421821"/>
+            <a:ext cx="3587391" cy="646331"/>
+          </a:xfrm>
+          <a:prstGeom prst="rect">
+            <a:avLst/>
+          </a:prstGeom>
+          <a:noFill/>
+        </p:spPr>
+        <p:txBody>
+          <a:bodyPr wrap="square" rtlCol="0">
+            <a:spAutoFit/>
+          </a:bodyPr>
+          <a:lstStyle/>
+          <a:p>
+            <a:r>
+              <a:rPr lang="en-US" dirty="0"/>
+              <a:t>Source: </a:t>
+            </a:r>
+            <a:r>
+              <a:rPr lang="en-US" sz="1800" dirty="0"/>
+              <a:t>Guo, Z. et. al. (2015), [6]</a:t>
+            </a:r>
+            <a:endParaRPr lang="en-US" dirty="0"/>
+          </a:p>
+          <a:p>
+            <a:endParaRPr lang="en-US" dirty="0"/>
+          </a:p>
+        </p:txBody>
+      </p:sp>
+    </p:spTree>
+    <p:extLst>
+      <p:ext uri="{BB962C8B-B14F-4D97-AF65-F5344CB8AC3E}">
+        <p14:creationId xmlns:p14="http://schemas.microsoft.com/office/powerpoint/2010/main" val="3095516644"/>
+      </p:ext>
+    </p:extLst>
+  </p:cSld>
+  <p:clrMapOvr>
+    <a:masterClrMapping/>
+  </p:clrMapOvr>
+</p:sld>
+</file>
+
+<file path=ppt/slides/slide7.xml><?xml version="1.0" encoding="utf-8"?>
+<p:sld xmlns:a="http://schemas.openxmlformats.org/drawingml/2006/main" xmlns:r="http://schemas.openxmlformats.org/officeDocument/2006/relationships" xmlns:p="http://schemas.openxmlformats.org/presentationml/2006/main">
+  <p:cSld>
+    <p:spTree>
+      <p:nvGrpSpPr>
+        <p:cNvPr id="1" name=""/>
+        <p:cNvGrpSpPr/>
+        <p:nvPr/>
+      </p:nvGrpSpPr>
+      <p:grpSpPr>
+        <a:xfrm>
+          <a:off x="0" y="0"/>
+          <a:ext cx="0" cy="0"/>
+          <a:chOff x="0" y="0"/>
+          <a:chExt cx="0" cy="0"/>
+        </a:xfrm>
+      </p:grpSpPr>
+      <p:sp>
+        <p:nvSpPr>
+          <p:cNvPr id="2" name="Titel 1">
+            <a:extLst>
+              <a:ext uri="{FF2B5EF4-FFF2-40B4-BE49-F238E27FC236}">
+                <a16:creationId xmlns:a16="http://schemas.microsoft.com/office/drawing/2014/main" id="{701A5DF1-304D-36FE-3DAC-01A918DEE44C}"/>
+              </a:ext>
+            </a:extLst>
+          </p:cNvPr>
+          <p:cNvSpPr>
+            <a:spLocks noGrp="1"/>
+          </p:cNvSpPr>
+          <p:nvPr>
+            <p:ph type="title"/>
+          </p:nvPr>
+        </p:nvSpPr>
+        <p:spPr/>
+        <p:txBody>
+          <a:bodyPr/>
+          <a:lstStyle/>
+          <a:p>
+            <a:r>
+              <a:rPr lang="de-DE" dirty="0" err="1"/>
+              <a:t>Hypotheses</a:t>
+            </a:r>
+            <a:endParaRPr lang="de-DE" dirty="0"/>
+          </a:p>
+        </p:txBody>
+      </p:sp>
+      <p:sp>
+        <p:nvSpPr>
+          <p:cNvPr id="3" name="Inhaltsplatzhalter 2">
+            <a:extLst>
+              <a:ext uri="{FF2B5EF4-FFF2-40B4-BE49-F238E27FC236}">
+                <a16:creationId xmlns:a16="http://schemas.microsoft.com/office/drawing/2014/main" id="{00D033D7-37DC-249F-6BC9-664397251A03}"/>
+              </a:ext>
+            </a:extLst>
+          </p:cNvPr>
+          <p:cNvSpPr>
+            <a:spLocks noGrp="1"/>
+          </p:cNvSpPr>
+          <p:nvPr>
+            <p:ph idx="1"/>
+          </p:nvPr>
+        </p:nvSpPr>
+        <p:spPr/>
+        <p:txBody>
+          <a:bodyPr/>
+          <a:lstStyle/>
+          <a:p>
             <a:pPr marL="514350" indent="-514350">
               <a:buFont typeface="+mj-lt"/>
               <a:buAutoNum type="arabicPeriod"/>
             </a:pPr>
             <a:r>
               <a:rPr lang="en-US" dirty="0"/>
-              <a:t>Treatments with early sowing will have higher grain counts compared to those with late sowing</a:t>
+              <a:t>Treatments with early sowing will have different (</a:t>
+            </a:r>
+            <a:r>
+              <a:rPr lang="en-US" dirty="0" err="1"/>
+              <a:t>a</a:t>
+            </a:r>
+            <a:r>
+              <a:rPr lang="en-US" dirty="0" err="1">
+                <a:latin typeface="Calibri" panose="020F0502020204030204" pitchFamily="34" charset="0"/>
+                <a:cs typeface="Calibri" panose="020F0502020204030204" pitchFamily="34" charset="0"/>
+              </a:rPr>
+              <a:t>≠b</a:t>
+            </a:r>
+            <a:r>
+              <a:rPr lang="en-US" dirty="0"/>
+              <a:t>) grain counts compared to those with late sowing</a:t>
             </a:r>
           </a:p>
           <a:p>
@@ -7837,7 +12080,22 @@
             </a:pPr>
             <a:r>
               <a:rPr lang="en-US" dirty="0"/>
-              <a:t>Treatments with early sowing will have higher counts of larger and medium grains compared to those with late sowing</a:t>
+              <a:t>Treatments with early sowing will have different (</a:t>
+            </a:r>
+            <a:r>
+              <a:rPr lang="en-US" dirty="0" err="1"/>
+              <a:t>a</a:t>
+            </a:r>
+            <a:r>
+              <a:rPr lang="en-US" dirty="0" err="1">
+                <a:latin typeface="Calibri" panose="020F0502020204030204" pitchFamily="34" charset="0"/>
+                <a:cs typeface="Calibri" panose="020F0502020204030204" pitchFamily="34" charset="0"/>
+              </a:rPr>
+              <a:t>≠b</a:t>
+            </a:r>
+            <a:r>
+              <a:rPr lang="en-US" dirty="0"/>
+              <a:t>) counts of larger and medium grains compared to those with late sowing</a:t>
             </a:r>
           </a:p>
           <a:p>
@@ -7847,11 +12105,32 @@
             </a:pPr>
             <a:r>
               <a:rPr lang="en-US" dirty="0"/>
-              <a:t>There should not be a significant difference between floret numbers </a:t>
-            </a:r>
-            <a:r>
-              <a:rPr lang="en-US"/>
-              <a:t>between batches</a:t>
+              <a:t>Grain setting will be different (</a:t>
+            </a:r>
+            <a:r>
+              <a:rPr lang="en-US" dirty="0" err="1"/>
+              <a:t>a</a:t>
+            </a:r>
+            <a:r>
+              <a:rPr lang="en-US" dirty="0" err="1">
+                <a:latin typeface="Calibri" panose="020F0502020204030204" pitchFamily="34" charset="0"/>
+                <a:cs typeface="Calibri" panose="020F0502020204030204" pitchFamily="34" charset="0"/>
+              </a:rPr>
+              <a:t>≠b</a:t>
+            </a:r>
+            <a:r>
+              <a:rPr lang="en-US" dirty="0"/>
+              <a:t>) in treatments with late sowing</a:t>
+            </a:r>
+          </a:p>
+          <a:p>
+            <a:pPr marL="514350" indent="-514350">
+              <a:buFont typeface="+mj-lt"/>
+              <a:buAutoNum type="arabicPeriod"/>
+            </a:pPr>
+            <a:r>
+              <a:rPr lang="en-US" dirty="0"/>
+              <a:t>There should not be a significant difference (a=b) between floret numbers between batches</a:t>
             </a:r>
           </a:p>
           <a:p>
@@ -7874,6 +12153,688 @@
     <p:extLst>
       <p:ext uri="{BB962C8B-B14F-4D97-AF65-F5344CB8AC3E}">
         <p14:creationId xmlns:p14="http://schemas.microsoft.com/office/powerpoint/2010/main" val="1112643255"/>
+      </p:ext>
+    </p:extLst>
+  </p:cSld>
+  <p:clrMapOvr>
+    <a:masterClrMapping/>
+  </p:clrMapOvr>
+</p:sld>
+</file>
+
+<file path=ppt/slides/slide8.xml><?xml version="1.0" encoding="utf-8"?>
+<p:sld xmlns:a="http://schemas.openxmlformats.org/drawingml/2006/main" xmlns:r="http://schemas.openxmlformats.org/officeDocument/2006/relationships" xmlns:p="http://schemas.openxmlformats.org/presentationml/2006/main">
+  <p:cSld>
+    <p:spTree>
+      <p:nvGrpSpPr>
+        <p:cNvPr id="1" name=""/>
+        <p:cNvGrpSpPr/>
+        <p:nvPr/>
+      </p:nvGrpSpPr>
+      <p:grpSpPr>
+        <a:xfrm>
+          <a:off x="0" y="0"/>
+          <a:ext cx="0" cy="0"/>
+          <a:chOff x="0" y="0"/>
+          <a:chExt cx="0" cy="0"/>
+        </a:xfrm>
+      </p:grpSpPr>
+      <p:sp>
+        <p:nvSpPr>
+          <p:cNvPr id="2" name="Titel 1">
+            <a:extLst>
+              <a:ext uri="{FF2B5EF4-FFF2-40B4-BE49-F238E27FC236}">
+                <a16:creationId xmlns:a16="http://schemas.microsoft.com/office/drawing/2014/main" id="{00FD6E8B-E2F6-BAE8-6CE9-052D63B32B38}"/>
+              </a:ext>
+            </a:extLst>
+          </p:cNvPr>
+          <p:cNvSpPr>
+            <a:spLocks noGrp="1"/>
+          </p:cNvSpPr>
+          <p:nvPr>
+            <p:ph type="title"/>
+          </p:nvPr>
+        </p:nvSpPr>
+        <p:spPr/>
+        <p:txBody>
+          <a:bodyPr/>
+          <a:lstStyle/>
+          <a:p>
+            <a:r>
+              <a:rPr lang="en-US"/>
+              <a:t>Data Structure</a:t>
+            </a:r>
+            <a:endParaRPr lang="en-US" dirty="0"/>
+          </a:p>
+        </p:txBody>
+      </p:sp>
+      <p:graphicFrame>
+        <p:nvGraphicFramePr>
+          <p:cNvPr id="4" name="Tabelle 4">
+            <a:extLst>
+              <a:ext uri="{FF2B5EF4-FFF2-40B4-BE49-F238E27FC236}">
+                <a16:creationId xmlns:a16="http://schemas.microsoft.com/office/drawing/2014/main" id="{A68CEBD0-B371-F8C6-84F9-B1CC140FDC41}"/>
+              </a:ext>
+            </a:extLst>
+          </p:cNvPr>
+          <p:cNvGraphicFramePr>
+            <a:graphicFrameLocks noGrp="1"/>
+          </p:cNvGraphicFramePr>
+          <p:nvPr>
+            <p:ph idx="1"/>
+            <p:extLst>
+              <p:ext uri="{D42A27DB-BD31-4B8C-83A1-F6EECF244321}">
+                <p14:modId xmlns:p14="http://schemas.microsoft.com/office/powerpoint/2010/main" val="2136459511"/>
+              </p:ext>
+            </p:extLst>
+          </p:nvPr>
+        </p:nvGraphicFramePr>
+        <p:xfrm>
+          <a:off x="838200" y="1825624"/>
+          <a:ext cx="10515600" cy="1814883"/>
+        </p:xfrm>
+        <a:graphic>
+          <a:graphicData uri="http://schemas.openxmlformats.org/drawingml/2006/table">
+            <a:tbl>
+              <a:tblPr firstRow="1" bandRow="1">
+                <a:tableStyleId>{5C22544A-7EE6-4342-B048-85BDC9FD1C3A}</a:tableStyleId>
+              </a:tblPr>
+              <a:tblGrid>
+                <a:gridCol w="1752600">
+                  <a:extLst>
+                    <a:ext uri="{9D8B030D-6E8A-4147-A177-3AD203B41FA5}">
+                      <a16:colId xmlns:a16="http://schemas.microsoft.com/office/drawing/2014/main" val="2789744559"/>
+                    </a:ext>
+                  </a:extLst>
+                </a:gridCol>
+                <a:gridCol w="1752600">
+                  <a:extLst>
+                    <a:ext uri="{9D8B030D-6E8A-4147-A177-3AD203B41FA5}">
+                      <a16:colId xmlns:a16="http://schemas.microsoft.com/office/drawing/2014/main" val="2778993296"/>
+                    </a:ext>
+                  </a:extLst>
+                </a:gridCol>
+                <a:gridCol w="1752600">
+                  <a:extLst>
+                    <a:ext uri="{9D8B030D-6E8A-4147-A177-3AD203B41FA5}">
+                      <a16:colId xmlns:a16="http://schemas.microsoft.com/office/drawing/2014/main" val="291876216"/>
+                    </a:ext>
+                  </a:extLst>
+                </a:gridCol>
+                <a:gridCol w="1754909">
+                  <a:extLst>
+                    <a:ext uri="{9D8B030D-6E8A-4147-A177-3AD203B41FA5}">
+                      <a16:colId xmlns:a16="http://schemas.microsoft.com/office/drawing/2014/main" val="2607518968"/>
+                    </a:ext>
+                  </a:extLst>
+                </a:gridCol>
+                <a:gridCol w="1750291">
+                  <a:extLst>
+                    <a:ext uri="{9D8B030D-6E8A-4147-A177-3AD203B41FA5}">
+                      <a16:colId xmlns:a16="http://schemas.microsoft.com/office/drawing/2014/main" val="1600008905"/>
+                    </a:ext>
+                  </a:extLst>
+                </a:gridCol>
+                <a:gridCol w="1752600">
+                  <a:extLst>
+                    <a:ext uri="{9D8B030D-6E8A-4147-A177-3AD203B41FA5}">
+                      <a16:colId xmlns:a16="http://schemas.microsoft.com/office/drawing/2014/main" val="4282786833"/>
+                    </a:ext>
+                  </a:extLst>
+                </a:gridCol>
+              </a:tblGrid>
+              <a:tr h="604961">
+                <a:tc>
+                  <a:txBody>
+                    <a:bodyPr/>
+                    <a:lstStyle/>
+                    <a:p>
+                      <a:r>
+                        <a:rPr lang="en-US" sz="2400"/>
+                        <a:t>plot_id</a:t>
+                      </a:r>
+                      <a:endParaRPr lang="en-US" sz="2400" dirty="0"/>
+                    </a:p>
+                  </a:txBody>
+                  <a:tcPr/>
+                </a:tc>
+                <a:tc>
+                  <a:txBody>
+                    <a:bodyPr/>
+                    <a:lstStyle/>
+                    <a:p>
+                      <a:r>
+                        <a:rPr lang="en-US" sz="2400"/>
+                        <a:t>time_id</a:t>
+                      </a:r>
+                      <a:endParaRPr lang="en-US" sz="2400" dirty="0"/>
+                    </a:p>
+                  </a:txBody>
+                  <a:tcPr/>
+                </a:tc>
+                <a:tc>
+                  <a:txBody>
+                    <a:bodyPr/>
+                    <a:lstStyle/>
+                    <a:p>
+                      <a:r>
+                        <a:rPr lang="en-US" sz="2400"/>
+                        <a:t>date</a:t>
+                      </a:r>
+                      <a:endParaRPr lang="en-US" sz="2400" dirty="0"/>
+                    </a:p>
+                  </a:txBody>
+                  <a:tcPr/>
+                </a:tc>
+                <a:tc>
+                  <a:txBody>
+                    <a:bodyPr/>
+                    <a:lstStyle/>
+                    <a:p>
+                      <a:r>
+                        <a:rPr lang="en-US" sz="2400"/>
+                        <a:t>var</a:t>
+                      </a:r>
+                      <a:endParaRPr lang="en-US" sz="2400" dirty="0"/>
+                    </a:p>
+                  </a:txBody>
+                  <a:tcPr>
+                    <a:solidFill>
+                      <a:schemeClr val="accent1">
+                        <a:lumMod val="60000"/>
+                        <a:lumOff val="40000"/>
+                      </a:schemeClr>
+                    </a:solidFill>
+                  </a:tcPr>
+                </a:tc>
+                <a:tc>
+                  <a:txBody>
+                    <a:bodyPr/>
+                    <a:lstStyle/>
+                    <a:p>
+                      <a:r>
+                        <a:rPr lang="en-US" sz="2400"/>
+                        <a:t>appl</a:t>
+                      </a:r>
+                      <a:endParaRPr lang="en-US" sz="2400" dirty="0"/>
+                    </a:p>
+                  </a:txBody>
+                  <a:tcPr>
+                    <a:solidFill>
+                      <a:schemeClr val="accent1">
+                        <a:lumMod val="60000"/>
+                        <a:lumOff val="40000"/>
+                      </a:schemeClr>
+                    </a:solidFill>
+                  </a:tcPr>
+                </a:tc>
+                <a:tc>
+                  <a:txBody>
+                    <a:bodyPr/>
+                    <a:lstStyle/>
+                    <a:p>
+                      <a:r>
+                        <a:rPr lang="en-US" sz="2400"/>
+                        <a:t>nitrogen</a:t>
+                      </a:r>
+                      <a:endParaRPr lang="en-US" sz="2400" dirty="0"/>
+                    </a:p>
+                  </a:txBody>
+                  <a:tcPr>
+                    <a:solidFill>
+                      <a:schemeClr val="accent1">
+                        <a:lumMod val="60000"/>
+                        <a:lumOff val="40000"/>
+                      </a:schemeClr>
+                    </a:solidFill>
+                  </a:tcPr>
+                </a:tc>
+                <a:extLst>
+                  <a:ext uri="{0D108BD9-81ED-4DB2-BD59-A6C34878D82A}">
+                    <a16:rowId xmlns:a16="http://schemas.microsoft.com/office/drawing/2014/main" val="3907774698"/>
+                  </a:ext>
+                </a:extLst>
+              </a:tr>
+              <a:tr h="604961">
+                <a:tc>
+                  <a:txBody>
+                    <a:bodyPr/>
+                    <a:lstStyle/>
+                    <a:p>
+                      <a:r>
+                        <a:rPr lang="en-US" sz="2400"/>
+                        <a:t>40</a:t>
+                      </a:r>
+                      <a:endParaRPr lang="en-US" sz="2400" dirty="0"/>
+                    </a:p>
+                  </a:txBody>
+                  <a:tcPr/>
+                </a:tc>
+                <a:tc>
+                  <a:txBody>
+                    <a:bodyPr/>
+                    <a:lstStyle/>
+                    <a:p>
+                      <a:r>
+                        <a:rPr lang="en-US" sz="2400"/>
+                        <a:t>early</a:t>
+                      </a:r>
+                      <a:endParaRPr lang="en-US" sz="2400" dirty="0"/>
+                    </a:p>
+                  </a:txBody>
+                  <a:tcPr/>
+                </a:tc>
+                <a:tc>
+                  <a:txBody>
+                    <a:bodyPr/>
+                    <a:lstStyle/>
+                    <a:p>
+                      <a:r>
+                        <a:rPr lang="en-US" sz="2400" dirty="0"/>
+                        <a:t>22.10.2020</a:t>
+                      </a:r>
+                    </a:p>
+                  </a:txBody>
+                  <a:tcPr/>
+                </a:tc>
+                <a:tc>
+                  <a:txBody>
+                    <a:bodyPr/>
+                    <a:lstStyle/>
+                    <a:p>
+                      <a:r>
+                        <a:rPr lang="en-US" sz="2400"/>
+                        <a:t>Potenzial</a:t>
+                      </a:r>
+                      <a:endParaRPr lang="en-US" sz="2400" dirty="0"/>
+                    </a:p>
+                  </a:txBody>
+                  <a:tcPr>
+                    <a:solidFill>
+                      <a:schemeClr val="bg1">
+                        <a:lumMod val="95000"/>
+                      </a:schemeClr>
+                    </a:solidFill>
+                  </a:tcPr>
+                </a:tc>
+                <a:tc>
+                  <a:txBody>
+                    <a:bodyPr/>
+                    <a:lstStyle/>
+                    <a:p>
+                      <a:r>
+                        <a:rPr lang="en-US" sz="2400"/>
+                        <a:t>Split</a:t>
+                      </a:r>
+                      <a:endParaRPr lang="en-US" sz="2400" dirty="0"/>
+                    </a:p>
+                  </a:txBody>
+                  <a:tcPr>
+                    <a:solidFill>
+                      <a:schemeClr val="bg1">
+                        <a:lumMod val="95000"/>
+                      </a:schemeClr>
+                    </a:solidFill>
+                  </a:tcPr>
+                </a:tc>
+                <a:tc>
+                  <a:txBody>
+                    <a:bodyPr/>
+                    <a:lstStyle/>
+                    <a:p>
+                      <a:r>
+                        <a:rPr lang="en-US" sz="2400"/>
+                        <a:t>176</a:t>
+                      </a:r>
+                      <a:endParaRPr lang="en-US" sz="2400" dirty="0"/>
+                    </a:p>
+                  </a:txBody>
+                  <a:tcPr>
+                    <a:solidFill>
+                      <a:schemeClr val="bg1">
+                        <a:lumMod val="95000"/>
+                      </a:schemeClr>
+                    </a:solidFill>
+                  </a:tcPr>
+                </a:tc>
+                <a:extLst>
+                  <a:ext uri="{0D108BD9-81ED-4DB2-BD59-A6C34878D82A}">
+                    <a16:rowId xmlns:a16="http://schemas.microsoft.com/office/drawing/2014/main" val="166145723"/>
+                  </a:ext>
+                </a:extLst>
+              </a:tr>
+              <a:tr h="604961">
+                <a:tc>
+                  <a:txBody>
+                    <a:bodyPr/>
+                    <a:lstStyle/>
+                    <a:p>
+                      <a:r>
+                        <a:rPr lang="en-US" sz="2400"/>
+                        <a:t>42</a:t>
+                      </a:r>
+                      <a:endParaRPr lang="en-US" sz="2400" dirty="0"/>
+                    </a:p>
+                  </a:txBody>
+                  <a:tcPr/>
+                </a:tc>
+                <a:tc>
+                  <a:txBody>
+                    <a:bodyPr/>
+                    <a:lstStyle/>
+                    <a:p>
+                      <a:r>
+                        <a:rPr lang="en-US" sz="2400"/>
+                        <a:t>late</a:t>
+                      </a:r>
+                      <a:endParaRPr lang="en-US" sz="2400" dirty="0"/>
+                    </a:p>
+                  </a:txBody>
+                  <a:tcPr/>
+                </a:tc>
+                <a:tc>
+                  <a:txBody>
+                    <a:bodyPr/>
+                    <a:lstStyle/>
+                    <a:p>
+                      <a:r>
+                        <a:rPr lang="en-US" sz="2400" dirty="0"/>
+                        <a:t>05.11.2020</a:t>
+                      </a:r>
+                    </a:p>
+                  </a:txBody>
+                  <a:tcPr/>
+                </a:tc>
+                <a:tc>
+                  <a:txBody>
+                    <a:bodyPr/>
+                    <a:lstStyle/>
+                    <a:p>
+                      <a:r>
+                        <a:rPr lang="en-US" sz="2400"/>
+                        <a:t>Potenzial</a:t>
+                      </a:r>
+                      <a:endParaRPr lang="en-US" sz="2400" dirty="0"/>
+                    </a:p>
+                  </a:txBody>
+                  <a:tcPr>
+                    <a:solidFill>
+                      <a:schemeClr val="bg1">
+                        <a:lumMod val="95000"/>
+                      </a:schemeClr>
+                    </a:solidFill>
+                  </a:tcPr>
+                </a:tc>
+                <a:tc>
+                  <a:txBody>
+                    <a:bodyPr/>
+                    <a:lstStyle/>
+                    <a:p>
+                      <a:r>
+                        <a:rPr lang="en-US" sz="2400"/>
+                        <a:t>Split</a:t>
+                      </a:r>
+                      <a:endParaRPr lang="en-US" sz="2400" dirty="0"/>
+                    </a:p>
+                  </a:txBody>
+                  <a:tcPr>
+                    <a:solidFill>
+                      <a:schemeClr val="bg1">
+                        <a:lumMod val="95000"/>
+                      </a:schemeClr>
+                    </a:solidFill>
+                  </a:tcPr>
+                </a:tc>
+                <a:tc>
+                  <a:txBody>
+                    <a:bodyPr/>
+                    <a:lstStyle/>
+                    <a:p>
+                      <a:r>
+                        <a:rPr lang="en-US" sz="2400" dirty="0"/>
+                        <a:t>176</a:t>
+                      </a:r>
+                    </a:p>
+                  </a:txBody>
+                  <a:tcPr>
+                    <a:solidFill>
+                      <a:schemeClr val="bg1">
+                        <a:lumMod val="95000"/>
+                      </a:schemeClr>
+                    </a:solidFill>
+                  </a:tcPr>
+                </a:tc>
+                <a:extLst>
+                  <a:ext uri="{0D108BD9-81ED-4DB2-BD59-A6C34878D82A}">
+                    <a16:rowId xmlns:a16="http://schemas.microsoft.com/office/drawing/2014/main" val="814955631"/>
+                  </a:ext>
+                </a:extLst>
+              </a:tr>
+            </a:tbl>
+          </a:graphicData>
+        </a:graphic>
+      </p:graphicFrame>
+      <p:sp>
+        <p:nvSpPr>
+          <p:cNvPr id="5" name="Textfeld 4">
+            <a:extLst>
+              <a:ext uri="{FF2B5EF4-FFF2-40B4-BE49-F238E27FC236}">
+                <a16:creationId xmlns:a16="http://schemas.microsoft.com/office/drawing/2014/main" id="{B17FDE0E-F879-CD9B-66FE-49B082305F64}"/>
+              </a:ext>
+            </a:extLst>
+          </p:cNvPr>
+          <p:cNvSpPr txBox="1"/>
+          <p:nvPr/>
+        </p:nvSpPr>
+        <p:spPr>
+          <a:xfrm>
+            <a:off x="838200" y="4033907"/>
+            <a:ext cx="10515600" cy="1600438"/>
+          </a:xfrm>
+          <a:prstGeom prst="rect">
+            <a:avLst/>
+          </a:prstGeom>
+          <a:noFill/>
+        </p:spPr>
+        <p:txBody>
+          <a:bodyPr wrap="square" rtlCol="0">
+            <a:spAutoFit/>
+          </a:bodyPr>
+          <a:lstStyle/>
+          <a:p>
+            <a:pPr marL="285750" indent="-285750">
+              <a:buFont typeface="Arial" panose="020B0604020202020204" pitchFamily="34" charset="0"/>
+              <a:buChar char="•"/>
+            </a:pPr>
+            <a:r>
+              <a:rPr lang="en-US" sz="2000" dirty="0"/>
+              <a:t>Two weeks time difference in sowing</a:t>
+            </a:r>
+          </a:p>
+          <a:p>
+            <a:pPr marL="285750" indent="-285750">
+              <a:buFont typeface="Arial" panose="020B0604020202020204" pitchFamily="34" charset="0"/>
+              <a:buChar char="•"/>
+            </a:pPr>
+            <a:r>
+              <a:rPr lang="en-US" sz="2000" dirty="0"/>
+              <a:t>Same cultivar (var) and nitrogen application (appl)</a:t>
+            </a:r>
+          </a:p>
+          <a:p>
+            <a:pPr marL="285750" indent="-285750">
+              <a:buFont typeface="Arial" panose="020B0604020202020204" pitchFamily="34" charset="0"/>
+              <a:buChar char="•"/>
+            </a:pPr>
+            <a:r>
+              <a:rPr lang="en-US" sz="2000" dirty="0"/>
+              <a:t>Three batches per plot were taken and looked at, at different times and physiological stages</a:t>
+            </a:r>
+          </a:p>
+          <a:p>
+            <a:pPr marL="742950" lvl="1" indent="-285750">
+              <a:buFont typeface="Arial" panose="020B0604020202020204" pitchFamily="34" charset="0"/>
+              <a:buChar char="•"/>
+            </a:pPr>
+            <a:r>
+              <a:rPr lang="en-US" sz="2000" dirty="0"/>
+              <a:t>each containing ten ears</a:t>
+            </a:r>
+          </a:p>
+          <a:p>
+            <a:pPr marL="285750" indent="-285750">
+              <a:buFont typeface="Arial" panose="020B0604020202020204" pitchFamily="34" charset="0"/>
+              <a:buChar char="•"/>
+            </a:pPr>
+            <a:endParaRPr lang="en-US" dirty="0"/>
+          </a:p>
+        </p:txBody>
+      </p:sp>
+    </p:spTree>
+    <p:extLst>
+      <p:ext uri="{BB962C8B-B14F-4D97-AF65-F5344CB8AC3E}">
+        <p14:creationId xmlns:p14="http://schemas.microsoft.com/office/powerpoint/2010/main" val="1365815276"/>
+      </p:ext>
+    </p:extLst>
+  </p:cSld>
+  <p:clrMapOvr>
+    <a:masterClrMapping/>
+  </p:clrMapOvr>
+</p:sld>
+</file>
+
+<file path=ppt/slides/slide9.xml><?xml version="1.0" encoding="utf-8"?>
+<p:sld xmlns:a="http://schemas.openxmlformats.org/drawingml/2006/main" xmlns:r="http://schemas.openxmlformats.org/officeDocument/2006/relationships" xmlns:p="http://schemas.openxmlformats.org/presentationml/2006/main">
+  <p:cSld>
+    <p:spTree>
+      <p:nvGrpSpPr>
+        <p:cNvPr id="1" name=""/>
+        <p:cNvGrpSpPr/>
+        <p:nvPr/>
+      </p:nvGrpSpPr>
+      <p:grpSpPr>
+        <a:xfrm>
+          <a:off x="0" y="0"/>
+          <a:ext cx="0" cy="0"/>
+          <a:chOff x="0" y="0"/>
+          <a:chExt cx="0" cy="0"/>
+        </a:xfrm>
+      </p:grpSpPr>
+      <p:sp>
+        <p:nvSpPr>
+          <p:cNvPr id="2" name="Titel 1">
+            <a:extLst>
+              <a:ext uri="{FF2B5EF4-FFF2-40B4-BE49-F238E27FC236}">
+                <a16:creationId xmlns:a16="http://schemas.microsoft.com/office/drawing/2014/main" id="{49571720-6673-E53E-9387-BEFECB838CAB}"/>
+              </a:ext>
+            </a:extLst>
+          </p:cNvPr>
+          <p:cNvSpPr>
+            <a:spLocks noGrp="1"/>
+          </p:cNvSpPr>
+          <p:nvPr>
+            <p:ph type="title"/>
+          </p:nvPr>
+        </p:nvSpPr>
+        <p:spPr/>
+        <p:txBody>
+          <a:bodyPr/>
+          <a:lstStyle/>
+          <a:p>
+            <a:r>
+              <a:rPr lang="en-US" dirty="0"/>
+              <a:t>Grain Counting</a:t>
+            </a:r>
+          </a:p>
+        </p:txBody>
+      </p:sp>
+      <p:sp>
+        <p:nvSpPr>
+          <p:cNvPr id="3" name="Inhaltsplatzhalter 2">
+            <a:extLst>
+              <a:ext uri="{FF2B5EF4-FFF2-40B4-BE49-F238E27FC236}">
+                <a16:creationId xmlns:a16="http://schemas.microsoft.com/office/drawing/2014/main" id="{D6CB2D37-4CFD-18B2-BFAC-004A45CFF622}"/>
+              </a:ext>
+            </a:extLst>
+          </p:cNvPr>
+          <p:cNvSpPr>
+            <a:spLocks noGrp="1"/>
+          </p:cNvSpPr>
+          <p:nvPr>
+            <p:ph idx="1"/>
+          </p:nvPr>
+        </p:nvSpPr>
+        <p:spPr/>
+        <p:txBody>
+          <a:bodyPr/>
+          <a:lstStyle/>
+          <a:p>
+            <a:r>
+              <a:rPr lang="en-US" dirty="0"/>
+              <a:t>Variables counted:</a:t>
+            </a:r>
+          </a:p>
+          <a:p>
+            <a:pPr lvl="1"/>
+            <a:r>
+              <a:rPr lang="en-US" dirty="0"/>
+              <a:t>Number of Spikes</a:t>
+            </a:r>
+          </a:p>
+          <a:p>
+            <a:pPr lvl="1"/>
+            <a:r>
+              <a:rPr lang="en-US" dirty="0"/>
+              <a:t>Number of Flowers</a:t>
+            </a:r>
+          </a:p>
+          <a:p>
+            <a:pPr lvl="1"/>
+            <a:r>
+              <a:rPr lang="en-US" dirty="0"/>
+              <a:t>Kernel size and position</a:t>
+            </a:r>
+          </a:p>
+          <a:p>
+            <a:pPr lvl="1"/>
+            <a:endParaRPr lang="en-US" dirty="0"/>
+          </a:p>
+        </p:txBody>
+      </p:sp>
+      <p:pic>
+        <p:nvPicPr>
+          <p:cNvPr id="5" name="Grafik 4">
+            <a:extLst>
+              <a:ext uri="{FF2B5EF4-FFF2-40B4-BE49-F238E27FC236}">
+                <a16:creationId xmlns:a16="http://schemas.microsoft.com/office/drawing/2014/main" id="{FB5B032F-84E4-D6C2-54DD-FAF8CA3C3BAC}"/>
+              </a:ext>
+            </a:extLst>
+          </p:cNvPr>
+          <p:cNvPicPr>
+            <a:picLocks noChangeAspect="1"/>
+          </p:cNvPicPr>
+          <p:nvPr/>
+        </p:nvPicPr>
+        <p:blipFill>
+          <a:blip r:embed="rId2"/>
+          <a:stretch>
+            <a:fillRect/>
+          </a:stretch>
+        </p:blipFill>
+        <p:spPr>
+          <a:xfrm>
+            <a:off x="1147862" y="3531178"/>
+            <a:ext cx="7781925" cy="2028825"/>
+          </a:xfrm>
+          <a:prstGeom prst="rect">
+            <a:avLst/>
+          </a:prstGeom>
+        </p:spPr>
+      </p:pic>
+    </p:spTree>
+    <p:extLst>
+      <p:ext uri="{BB962C8B-B14F-4D97-AF65-F5344CB8AC3E}">
+        <p14:creationId xmlns:p14="http://schemas.microsoft.com/office/powerpoint/2010/main" val="1646939156"/>
       </p:ext>
     </p:extLst>
   </p:cSld>
@@ -8176,4 +13137,299 @@
     </a:ext>
   </a:extLst>
 </a:theme>
+</file>
+
+<file path=ppt/theme/theme2.xml><?xml version="1.0" encoding="utf-8"?>
+<a:theme xmlns:a="http://schemas.openxmlformats.org/drawingml/2006/main" name="Office">
+  <a:themeElements>
+    <a:clrScheme name="Office">
+      <a:dk1>
+        <a:sysClr val="windowText" lastClr="000000"/>
+      </a:dk1>
+      <a:lt1>
+        <a:sysClr val="window" lastClr="FFFFFF"/>
+      </a:lt1>
+      <a:dk2>
+        <a:srgbClr val="44546A"/>
+      </a:dk2>
+      <a:lt2>
+        <a:srgbClr val="E7E6E6"/>
+      </a:lt2>
+      <a:accent1>
+        <a:srgbClr val="4472C4"/>
+      </a:accent1>
+      <a:accent2>
+        <a:srgbClr val="ED7D31"/>
+      </a:accent2>
+      <a:accent3>
+        <a:srgbClr val="A5A5A5"/>
+      </a:accent3>
+      <a:accent4>
+        <a:srgbClr val="FFC000"/>
+      </a:accent4>
+      <a:accent5>
+        <a:srgbClr val="5B9BD5"/>
+      </a:accent5>
+      <a:accent6>
+        <a:srgbClr val="70AD47"/>
+      </a:accent6>
+      <a:hlink>
+        <a:srgbClr val="0563C1"/>
+      </a:hlink>
+      <a:folHlink>
+        <a:srgbClr val="954F72"/>
+      </a:folHlink>
+    </a:clrScheme>
+    <a:fontScheme name="Office">
+      <a:majorFont>
+        <a:latin typeface="Calibri Light" panose="020F0302020204030204"/>
+        <a:ea typeface=""/>
+        <a:cs typeface=""/>
+        <a:font script="Jpan" typeface="游ゴシック Light"/>
+        <a:font script="Hang" typeface="맑은 고딕"/>
+        <a:font script="Hans" typeface="等线 Light"/>
+        <a:font script="Hant" typeface="新細明體"/>
+        <a:font script="Arab" typeface="Times New Roman"/>
+        <a:font script="Hebr" typeface="Times New Roman"/>
+        <a:font script="Thai" typeface="Angsana New"/>
+        <a:font script="Ethi" typeface="Nyala"/>
+        <a:font script="Beng" typeface="Vrinda"/>
+        <a:font script="Gujr" typeface="Shruti"/>
+        <a:font script="Khmr" typeface="MoolBoran"/>
+        <a:font script="Knda" typeface="Tunga"/>
+        <a:font script="Guru" typeface="Raavi"/>
+        <a:font script="Cans" typeface="Euphemia"/>
+        <a:font script="Cher" typeface="Plantagenet Cherokee"/>
+        <a:font script="Yiii" typeface="Microsoft Yi Baiti"/>
+        <a:font script="Tibt" typeface="Microsoft Himalaya"/>
+        <a:font script="Thaa" typeface="MV Boli"/>
+        <a:font script="Deva" typeface="Mangal"/>
+        <a:font script="Telu" typeface="Gautami"/>
+        <a:font script="Taml" typeface="Latha"/>
+        <a:font script="Syrc" typeface="Estrangelo Edessa"/>
+        <a:font script="Orya" typeface="Kalinga"/>
+        <a:font script="Mlym" typeface="Kartika"/>
+        <a:font script="Laoo" typeface="DokChampa"/>
+        <a:font script="Sinh" typeface="Iskoola Pota"/>
+        <a:font script="Mong" typeface="Mongolian Baiti"/>
+        <a:font script="Viet" typeface="Times New Roman"/>
+        <a:font script="Uigh" typeface="Microsoft Uighur"/>
+        <a:font script="Geor" typeface="Sylfaen"/>
+        <a:font script="Armn" typeface="Arial"/>
+        <a:font script="Bugi" typeface="Leelawadee UI"/>
+        <a:font script="Bopo" typeface="Microsoft JhengHei"/>
+        <a:font script="Java" typeface="Javanese Text"/>
+        <a:font script="Lisu" typeface="Segoe UI"/>
+        <a:font script="Mymr" typeface="Myanmar Text"/>
+        <a:font script="Nkoo" typeface="Ebrima"/>
+        <a:font script="Olck" typeface="Nirmala UI"/>
+        <a:font script="Osma" typeface="Ebrima"/>
+        <a:font script="Phag" typeface="Phagspa"/>
+        <a:font script="Syrn" typeface="Estrangelo Edessa"/>
+        <a:font script="Syrj" typeface="Estrangelo Edessa"/>
+        <a:font script="Syre" typeface="Estrangelo Edessa"/>
+        <a:font script="Sora" typeface="Nirmala UI"/>
+        <a:font script="Tale" typeface="Microsoft Tai Le"/>
+        <a:font script="Talu" typeface="Microsoft New Tai Lue"/>
+        <a:font script="Tfng" typeface="Ebrima"/>
+      </a:majorFont>
+      <a:minorFont>
+        <a:latin typeface="Calibri" panose="020F0502020204030204"/>
+        <a:ea typeface=""/>
+        <a:cs typeface=""/>
+        <a:font script="Jpan" typeface="游ゴシック"/>
+        <a:font script="Hang" typeface="맑은 고딕"/>
+        <a:font script="Hans" typeface="等线"/>
+        <a:font script="Hant" typeface="新細明體"/>
+        <a:font script="Arab" typeface="Arial"/>
+        <a:font script="Hebr" typeface="Arial"/>
+        <a:font script="Thai" typeface="Cordia New"/>
+        <a:font script="Ethi" typeface="Nyala"/>
+        <a:font script="Beng" typeface="Vrinda"/>
+        <a:font script="Gujr" typeface="Shruti"/>
+        <a:font script="Khmr" typeface="DaunPenh"/>
+        <a:font script="Knda" typeface="Tunga"/>
+        <a:font script="Guru" typeface="Raavi"/>
+        <a:font script="Cans" typeface="Euphemia"/>
+        <a:font script="Cher" typeface="Plantagenet Cherokee"/>
+        <a:font script="Yiii" typeface="Microsoft Yi Baiti"/>
+        <a:font script="Tibt" typeface="Microsoft Himalaya"/>
+        <a:font script="Thaa" typeface="MV Boli"/>
+        <a:font script="Deva" typeface="Mangal"/>
+        <a:font script="Telu" typeface="Gautami"/>
+        <a:font script="Taml" typeface="Latha"/>
+        <a:font script="Syrc" typeface="Estrangelo Edessa"/>
+        <a:font script="Orya" typeface="Kalinga"/>
+        <a:font script="Mlym" typeface="Kartika"/>
+        <a:font script="Laoo" typeface="DokChampa"/>
+        <a:font script="Sinh" typeface="Iskoola Pota"/>
+        <a:font script="Mong" typeface="Mongolian Baiti"/>
+        <a:font script="Viet" typeface="Arial"/>
+        <a:font script="Uigh" typeface="Microsoft Uighur"/>
+        <a:font script="Geor" typeface="Sylfaen"/>
+        <a:font script="Armn" typeface="Arial"/>
+        <a:font script="Bugi" typeface="Leelawadee UI"/>
+        <a:font script="Bopo" typeface="Microsoft JhengHei"/>
+        <a:font script="Java" typeface="Javanese Text"/>
+        <a:font script="Lisu" typeface="Segoe UI"/>
+        <a:font script="Mymr" typeface="Myanmar Text"/>
+        <a:font script="Nkoo" typeface="Ebrima"/>
+        <a:font script="Olck" typeface="Nirmala UI"/>
+        <a:font script="Osma" typeface="Ebrima"/>
+        <a:font script="Phag" typeface="Phagspa"/>
+        <a:font script="Syrn" typeface="Estrangelo Edessa"/>
+        <a:font script="Syrj" typeface="Estrangelo Edessa"/>
+        <a:font script="Syre" typeface="Estrangelo Edessa"/>
+        <a:font script="Sora" typeface="Nirmala UI"/>
+        <a:font script="Tale" typeface="Microsoft Tai Le"/>
+        <a:font script="Talu" typeface="Microsoft New Tai Lue"/>
+        <a:font script="Tfng" typeface="Ebrima"/>
+      </a:minorFont>
+    </a:fontScheme>
+    <a:fmtScheme name="Office">
+      <a:fillStyleLst>
+        <a:solidFill>
+          <a:schemeClr val="phClr"/>
+        </a:solidFill>
+        <a:gradFill rotWithShape="1">
+          <a:gsLst>
+            <a:gs pos="0">
+              <a:schemeClr val="phClr">
+                <a:lumMod val="110000"/>
+                <a:satMod val="105000"/>
+                <a:tint val="67000"/>
+              </a:schemeClr>
+            </a:gs>
+            <a:gs pos="50000">
+              <a:schemeClr val="phClr">
+                <a:lumMod val="105000"/>
+                <a:satMod val="103000"/>
+                <a:tint val="73000"/>
+              </a:schemeClr>
+            </a:gs>
+            <a:gs pos="100000">
+              <a:schemeClr val="phClr">
+                <a:lumMod val="105000"/>
+                <a:satMod val="109000"/>
+                <a:tint val="81000"/>
+              </a:schemeClr>
+            </a:gs>
+          </a:gsLst>
+          <a:lin ang="5400000" scaled="0"/>
+        </a:gradFill>
+        <a:gradFill rotWithShape="1">
+          <a:gsLst>
+            <a:gs pos="0">
+              <a:schemeClr val="phClr">
+                <a:satMod val="103000"/>
+                <a:lumMod val="102000"/>
+                <a:tint val="94000"/>
+              </a:schemeClr>
+            </a:gs>
+            <a:gs pos="50000">
+              <a:schemeClr val="phClr">
+                <a:satMod val="110000"/>
+                <a:lumMod val="100000"/>
+                <a:shade val="100000"/>
+              </a:schemeClr>
+            </a:gs>
+            <a:gs pos="100000">
+              <a:schemeClr val="phClr">
+                <a:lumMod val="99000"/>
+                <a:satMod val="120000"/>
+                <a:shade val="78000"/>
+              </a:schemeClr>
+            </a:gs>
+          </a:gsLst>
+          <a:lin ang="5400000" scaled="0"/>
+        </a:gradFill>
+      </a:fillStyleLst>
+      <a:lnStyleLst>
+        <a:ln w="6350" cap="flat" cmpd="sng" algn="ctr">
+          <a:solidFill>
+            <a:schemeClr val="phClr"/>
+          </a:solidFill>
+          <a:prstDash val="solid"/>
+          <a:miter lim="800000"/>
+        </a:ln>
+        <a:ln w="12700" cap="flat" cmpd="sng" algn="ctr">
+          <a:solidFill>
+            <a:schemeClr val="phClr"/>
+          </a:solidFill>
+          <a:prstDash val="solid"/>
+          <a:miter lim="800000"/>
+        </a:ln>
+        <a:ln w="19050" cap="flat" cmpd="sng" algn="ctr">
+          <a:solidFill>
+            <a:schemeClr val="phClr"/>
+          </a:solidFill>
+          <a:prstDash val="solid"/>
+          <a:miter lim="800000"/>
+        </a:ln>
+      </a:lnStyleLst>
+      <a:effectStyleLst>
+        <a:effectStyle>
+          <a:effectLst/>
+        </a:effectStyle>
+        <a:effectStyle>
+          <a:effectLst/>
+        </a:effectStyle>
+        <a:effectStyle>
+          <a:effectLst>
+            <a:outerShdw blurRad="57150" dist="19050" dir="5400000" algn="ctr" rotWithShape="0">
+              <a:srgbClr val="000000">
+                <a:alpha val="63000"/>
+              </a:srgbClr>
+            </a:outerShdw>
+          </a:effectLst>
+        </a:effectStyle>
+      </a:effectStyleLst>
+      <a:bgFillStyleLst>
+        <a:solidFill>
+          <a:schemeClr val="phClr"/>
+        </a:solidFill>
+        <a:solidFill>
+          <a:schemeClr val="phClr">
+            <a:tint val="95000"/>
+            <a:satMod val="170000"/>
+          </a:schemeClr>
+        </a:solidFill>
+        <a:gradFill rotWithShape="1">
+          <a:gsLst>
+            <a:gs pos="0">
+              <a:schemeClr val="phClr">
+                <a:tint val="93000"/>
+                <a:satMod val="150000"/>
+                <a:shade val="98000"/>
+                <a:lumMod val="102000"/>
+              </a:schemeClr>
+            </a:gs>
+            <a:gs pos="50000">
+              <a:schemeClr val="phClr">
+                <a:tint val="98000"/>
+                <a:satMod val="130000"/>
+                <a:shade val="90000"/>
+                <a:lumMod val="103000"/>
+              </a:schemeClr>
+            </a:gs>
+            <a:gs pos="100000">
+              <a:schemeClr val="phClr">
+                <a:shade val="63000"/>
+                <a:satMod val="120000"/>
+              </a:schemeClr>
+            </a:gs>
+          </a:gsLst>
+          <a:lin ang="5400000" scaled="0"/>
+        </a:gradFill>
+      </a:bgFillStyleLst>
+    </a:fmtScheme>
+  </a:themeElements>
+  <a:objectDefaults/>
+  <a:extraClrSchemeLst/>
+  <a:extLst>
+    <a:ext uri="{05A4C25C-085E-4340-85A3-A5531E510DB2}">
+      <thm15:themeFamily xmlns:thm15="http://schemas.microsoft.com/office/thememl/2012/main" name="Office Theme" id="{62F939B6-93AF-4DB8-9C6B-D6C7DFDC589F}" vid="{4A3C46E8-61CC-4603-A589-7422A47A8E4A}"/>
+    </a:ext>
+  </a:extLst>
+</a:theme>
 </file>